--- a/document/블랙잭 프로그램 구조.pptx
+++ b/document/블랙잭 프로그램 구조.pptx
@@ -20980,8 +20980,8 @@
         </p:nvSpPr>
         <p:spPr>
           <a:xfrm>
-            <a:off x="6096000" y="1873188"/>
-            <a:ext cx="2656496" cy="2031325"/>
+            <a:off x="5607728" y="1028343"/>
+            <a:ext cx="2517356" cy="4801314"/>
           </a:xfrm>
           <a:prstGeom prst="rect">
             <a:avLst/>
@@ -20999,7 +20999,7 @@
                 <a:latin typeface="맑은 고딕" panose="020B0503020000020004" pitchFamily="50" charset="-127"/>
                 <a:ea typeface="맑은 고딕" panose="020B0503020000020004" pitchFamily="50" charset="-127"/>
               </a:rPr>
-              <a:t>화면구조 설명</a:t>
+              <a:t>개념적 기본동작</a:t>
             </a:r>
             <a:endParaRPr lang="en-US" altLang="ko-KR" b="1" dirty="0">
               <a:latin typeface="맑은 고딕" panose="020B0503020000020004" pitchFamily="50" charset="-127"/>
@@ -21014,11 +21014,18 @@
           </a:p>
           <a:p>
             <a:r>
+              <a:rPr lang="en-US" altLang="ko-KR" b="1" dirty="0">
+                <a:latin typeface="맑은 고딕" panose="020B0503020000020004" pitchFamily="50" charset="-127"/>
+                <a:ea typeface="맑은 고딕" panose="020B0503020000020004" pitchFamily="50" charset="-127"/>
+              </a:rPr>
+              <a:t>Service</a:t>
+            </a:r>
+            <a:r>
               <a:rPr lang="ko-KR" altLang="en-US" b="1" dirty="0">
                 <a:latin typeface="맑은 고딕" panose="020B0503020000020004" pitchFamily="50" charset="-127"/>
                 <a:ea typeface="맑은 고딕" panose="020B0503020000020004" pitchFamily="50" charset="-127"/>
               </a:rPr>
-              <a:t>게임흐름 설명</a:t>
+              <a:t>간 데이터 공유</a:t>
             </a:r>
             <a:endParaRPr lang="en-US" altLang="ko-KR" b="1" dirty="0">
               <a:latin typeface="맑은 고딕" panose="020B0503020000020004" pitchFamily="50" charset="-127"/>
@@ -21037,7 +21044,21 @@
                 <a:latin typeface="맑은 고딕" panose="020B0503020000020004" pitchFamily="50" charset="-127"/>
                 <a:ea typeface="맑은 고딕" panose="020B0503020000020004" pitchFamily="50" charset="-127"/>
               </a:rPr>
-              <a:t>각상황에 대한 상세설명</a:t>
+              <a:t>출력</a:t>
+            </a:r>
+            <a:r>
+              <a:rPr lang="en-US" altLang="ko-KR" b="1" dirty="0">
+                <a:latin typeface="맑은 고딕" panose="020B0503020000020004" pitchFamily="50" charset="-127"/>
+                <a:ea typeface="맑은 고딕" panose="020B0503020000020004" pitchFamily="50" charset="-127"/>
+              </a:rPr>
+              <a:t>, </a:t>
+            </a:r>
+            <a:r>
+              <a:rPr lang="ko-KR" altLang="en-US" b="1" dirty="0">
+                <a:latin typeface="맑은 고딕" panose="020B0503020000020004" pitchFamily="50" charset="-127"/>
+                <a:ea typeface="맑은 고딕" panose="020B0503020000020004" pitchFamily="50" charset="-127"/>
+              </a:rPr>
+              <a:t>입력 작동구조</a:t>
             </a:r>
             <a:endParaRPr lang="en-US" altLang="ko-KR" b="1" dirty="0">
               <a:latin typeface="맑은 고딕" panose="020B0503020000020004" pitchFamily="50" charset="-127"/>
@@ -21056,8 +21077,145 @@
                 <a:latin typeface="맑은 고딕" panose="020B0503020000020004" pitchFamily="50" charset="-127"/>
                 <a:ea typeface="맑은 고딕" panose="020B0503020000020004" pitchFamily="50" charset="-127"/>
               </a:rPr>
-              <a:t>마무리</a:t>
-            </a:r>
+              <a:t>카드의 구조</a:t>
+            </a:r>
+            <a:endParaRPr lang="en-US" altLang="ko-KR" b="1" dirty="0">
+              <a:latin typeface="맑은 고딕" panose="020B0503020000020004" pitchFamily="50" charset="-127"/>
+              <a:ea typeface="맑은 고딕" panose="020B0503020000020004" pitchFamily="50" charset="-127"/>
+            </a:endParaRPr>
+          </a:p>
+          <a:p>
+            <a:endParaRPr lang="en-US" altLang="ko-KR" b="1" dirty="0">
+              <a:latin typeface="맑은 고딕" panose="020B0503020000020004" pitchFamily="50" charset="-127"/>
+              <a:ea typeface="맑은 고딕" panose="020B0503020000020004" pitchFamily="50" charset="-127"/>
+            </a:endParaRPr>
+          </a:p>
+          <a:p>
+            <a:r>
+              <a:rPr lang="en-US" altLang="ko-KR" b="1" dirty="0" err="1">
+                <a:latin typeface="맑은 고딕" panose="020B0503020000020004" pitchFamily="50" charset="-127"/>
+                <a:ea typeface="맑은 고딕" panose="020B0503020000020004" pitchFamily="50" charset="-127"/>
+              </a:rPr>
+              <a:t>UIService</a:t>
+            </a:r>
+            <a:r>
+              <a:rPr lang="en-US" altLang="ko-KR" b="1" dirty="0">
+                <a:latin typeface="맑은 고딕" panose="020B0503020000020004" pitchFamily="50" charset="-127"/>
+                <a:ea typeface="맑은 고딕" panose="020B0503020000020004" pitchFamily="50" charset="-127"/>
+              </a:rPr>
+              <a:t> </a:t>
+            </a:r>
+            <a:r>
+              <a:rPr lang="ko-KR" altLang="en-US" b="1" dirty="0">
+                <a:latin typeface="맑은 고딕" panose="020B0503020000020004" pitchFamily="50" charset="-127"/>
+                <a:ea typeface="맑은 고딕" panose="020B0503020000020004" pitchFamily="50" charset="-127"/>
+              </a:rPr>
+              <a:t>구조</a:t>
+            </a:r>
+            <a:endParaRPr lang="en-US" altLang="ko-KR" b="1" dirty="0">
+              <a:latin typeface="맑은 고딕" panose="020B0503020000020004" pitchFamily="50" charset="-127"/>
+              <a:ea typeface="맑은 고딕" panose="020B0503020000020004" pitchFamily="50" charset="-127"/>
+            </a:endParaRPr>
+          </a:p>
+          <a:p>
+            <a:endParaRPr lang="en-US" altLang="ko-KR" b="1" dirty="0">
+              <a:latin typeface="맑은 고딕" panose="020B0503020000020004" pitchFamily="50" charset="-127"/>
+              <a:ea typeface="맑은 고딕" panose="020B0503020000020004" pitchFamily="50" charset="-127"/>
+            </a:endParaRPr>
+          </a:p>
+          <a:p>
+            <a:r>
+              <a:rPr lang="en-US" altLang="ko-KR" b="1" dirty="0">
+                <a:latin typeface="맑은 고딕" panose="020B0503020000020004" pitchFamily="50" charset="-127"/>
+                <a:ea typeface="맑은 고딕" panose="020B0503020000020004" pitchFamily="50" charset="-127"/>
+              </a:rPr>
+              <a:t>Block</a:t>
+            </a:r>
+            <a:r>
+              <a:rPr lang="ko-KR" altLang="en-US" b="1" dirty="0">
+                <a:latin typeface="맑은 고딕" panose="020B0503020000020004" pitchFamily="50" charset="-127"/>
+                <a:ea typeface="맑은 고딕" panose="020B0503020000020004" pitchFamily="50" charset="-127"/>
+              </a:rPr>
+              <a:t>과 </a:t>
+            </a:r>
+            <a:r>
+              <a:rPr lang="en-US" altLang="ko-KR" b="1" dirty="0">
+                <a:latin typeface="맑은 고딕" panose="020B0503020000020004" pitchFamily="50" charset="-127"/>
+                <a:ea typeface="맑은 고딕" panose="020B0503020000020004" pitchFamily="50" charset="-127"/>
+              </a:rPr>
+              <a:t>Str</a:t>
+            </a:r>
+          </a:p>
+          <a:p>
+            <a:endParaRPr lang="en-US" altLang="ko-KR" b="1" dirty="0">
+              <a:latin typeface="맑은 고딕" panose="020B0503020000020004" pitchFamily="50" charset="-127"/>
+              <a:ea typeface="맑은 고딕" panose="020B0503020000020004" pitchFamily="50" charset="-127"/>
+            </a:endParaRPr>
+          </a:p>
+          <a:p>
+            <a:r>
+              <a:rPr lang="en-US" altLang="ko-KR" b="1" dirty="0">
+                <a:latin typeface="맑은 고딕" panose="020B0503020000020004" pitchFamily="50" charset="-127"/>
+                <a:ea typeface="맑은 고딕" panose="020B0503020000020004" pitchFamily="50" charset="-127"/>
+              </a:rPr>
+              <a:t>UI</a:t>
+            </a:r>
+            <a:r>
+              <a:rPr lang="ko-KR" altLang="en-US" b="1" dirty="0">
+                <a:latin typeface="맑은 고딕" panose="020B0503020000020004" pitchFamily="50" charset="-127"/>
+                <a:ea typeface="맑은 고딕" panose="020B0503020000020004" pitchFamily="50" charset="-127"/>
+              </a:rPr>
+              <a:t>객체들의 상속</a:t>
+            </a:r>
+            <a:endParaRPr lang="en-US" altLang="ko-KR" b="1" dirty="0">
+              <a:latin typeface="맑은 고딕" panose="020B0503020000020004" pitchFamily="50" charset="-127"/>
+              <a:ea typeface="맑은 고딕" panose="020B0503020000020004" pitchFamily="50" charset="-127"/>
+            </a:endParaRPr>
+          </a:p>
+          <a:p>
+            <a:endParaRPr lang="en-US" altLang="ko-KR" b="1" dirty="0">
+              <a:latin typeface="맑은 고딕" panose="020B0503020000020004" pitchFamily="50" charset="-127"/>
+              <a:ea typeface="맑은 고딕" panose="020B0503020000020004" pitchFamily="50" charset="-127"/>
+            </a:endParaRPr>
+          </a:p>
+          <a:p>
+            <a:r>
+              <a:rPr lang="en-US" altLang="ko-KR" b="1" dirty="0">
+                <a:latin typeface="맑은 고딕" panose="020B0503020000020004" pitchFamily="50" charset="-127"/>
+                <a:ea typeface="맑은 고딕" panose="020B0503020000020004" pitchFamily="50" charset="-127"/>
+              </a:rPr>
+              <a:t>UI</a:t>
+            </a:r>
+            <a:r>
+              <a:rPr lang="ko-KR" altLang="en-US" b="1" dirty="0">
+                <a:latin typeface="맑은 고딕" panose="020B0503020000020004" pitchFamily="50" charset="-127"/>
+                <a:ea typeface="맑은 고딕" panose="020B0503020000020004" pitchFamily="50" charset="-127"/>
+              </a:rPr>
+              <a:t>유틸리티 클래스</a:t>
+            </a:r>
+            <a:endParaRPr lang="en-US" altLang="ko-KR" b="1" dirty="0">
+              <a:latin typeface="맑은 고딕" panose="020B0503020000020004" pitchFamily="50" charset="-127"/>
+              <a:ea typeface="맑은 고딕" panose="020B0503020000020004" pitchFamily="50" charset="-127"/>
+            </a:endParaRPr>
+          </a:p>
+          <a:p>
+            <a:endParaRPr lang="en-US" altLang="ko-KR" b="1" dirty="0">
+              <a:latin typeface="맑은 고딕" panose="020B0503020000020004" pitchFamily="50" charset="-127"/>
+              <a:ea typeface="맑은 고딕" panose="020B0503020000020004" pitchFamily="50" charset="-127"/>
+            </a:endParaRPr>
+          </a:p>
+          <a:p>
+            <a:r>
+              <a:rPr lang="en-US" altLang="ko-KR" b="1" dirty="0">
+                <a:latin typeface="맑은 고딕" panose="020B0503020000020004" pitchFamily="50" charset="-127"/>
+                <a:ea typeface="맑은 고딕" panose="020B0503020000020004" pitchFamily="50" charset="-127"/>
+              </a:rPr>
+              <a:t>Flowchart</a:t>
+            </a:r>
+            <a:endParaRPr lang="ko-KR" altLang="en-US" b="1" dirty="0">
+              <a:latin typeface="맑은 고딕" panose="020B0503020000020004" pitchFamily="50" charset="-127"/>
+              <a:ea typeface="맑은 고딕" panose="020B0503020000020004" pitchFamily="50" charset="-127"/>
+            </a:endParaRPr>
           </a:p>
         </p:txBody>
       </p:sp>
@@ -24976,6 +25134,25 @@
 </file>
 
 <file path=customXml/item1.xml><?xml version="1.0" encoding="utf-8"?>
+<p:properties xmlns:p="http://schemas.microsoft.com/office/2006/metadata/properties" xmlns:xsi="http://www.w3.org/2001/XMLSchema-instance" xmlns:pc="http://schemas.microsoft.com/office/infopath/2007/PartnerControls">
+  <documentManagement>
+    <_ip_UnifiedCompliancePolicyUIAction xmlns="http://schemas.microsoft.com/sharepoint/v3" xsi:nil="true"/>
+    <Image xmlns="71af3243-3dd4-4a8d-8c0d-dd76da1f02a5">
+      <Url xsi:nil="true"/>
+      <Description xsi:nil="true"/>
+    </Image>
+    <Status xmlns="71af3243-3dd4-4a8d-8c0d-dd76da1f02a5">Not started</Status>
+    <_ip_UnifiedCompliancePolicyProperties xmlns="http://schemas.microsoft.com/sharepoint/v3" xsi:nil="true"/>
+    <ImageTagsTaxHTField xmlns="71af3243-3dd4-4a8d-8c0d-dd76da1f02a5">
+      <Terms xmlns="http://schemas.microsoft.com/office/infopath/2007/PartnerControls"/>
+    </ImageTagsTaxHTField>
+    <TaxCatchAll xmlns="230e9df3-be65-4c73-a93b-d1236ebd677e"/>
+    <MediaServiceKeyPoints xmlns="71af3243-3dd4-4a8d-8c0d-dd76da1f02a5" xsi:nil="true"/>
+  </documentManagement>
+</p:properties>
+</file>
+
+<file path=customXml/item2.xml><?xml version="1.0" encoding="utf-8"?>
 <ct:contentTypeSchema xmlns:ct="http://schemas.microsoft.com/office/2006/metadata/contentType" xmlns:ma="http://schemas.microsoft.com/office/2006/metadata/properties/metaAttributes" ct:_="" ma:_="" ma:contentTypeName="Document" ma:contentTypeID="0x01010079F111ED35F8CC479449609E8A0923A6" ma:contentTypeVersion="20" ma:contentTypeDescription="Create a new document." ma:contentTypeScope="" ma:versionID="1267097ee5f5874adfcc408041ae252e">
   <xsd:schema xmlns:xsd="http://www.w3.org/2001/XMLSchema" xmlns:xs="http://www.w3.org/2001/XMLSchema" xmlns:p="http://schemas.microsoft.com/office/2006/metadata/properties" xmlns:ns1="http://schemas.microsoft.com/sharepoint/v3" xmlns:ns2="71af3243-3dd4-4a8d-8c0d-dd76da1f02a5" xmlns:ns3="16c05727-aa75-4e4a-9b5f-8a80a1165891" xmlns:ns4="230e9df3-be65-4c73-a93b-d1236ebd677e" targetNamespace="http://schemas.microsoft.com/office/2006/metadata/properties" ma:root="true" ma:fieldsID="395891a93df65b14727750f2c06c306c" ns1:_="" ns2:_="" ns3:_="" ns4:_="">
     <xsd:import namespace="http://schemas.microsoft.com/sharepoint/v3"/>
@@ -25251,25 +25428,6 @@
 </ct:contentTypeSchema>
 </file>
 
-<file path=customXml/item2.xml><?xml version="1.0" encoding="utf-8"?>
-<p:properties xmlns:p="http://schemas.microsoft.com/office/2006/metadata/properties" xmlns:xsi="http://www.w3.org/2001/XMLSchema-instance" xmlns:pc="http://schemas.microsoft.com/office/infopath/2007/PartnerControls">
-  <documentManagement>
-    <_ip_UnifiedCompliancePolicyUIAction xmlns="http://schemas.microsoft.com/sharepoint/v3" xsi:nil="true"/>
-    <Image xmlns="71af3243-3dd4-4a8d-8c0d-dd76da1f02a5">
-      <Url xsi:nil="true"/>
-      <Description xsi:nil="true"/>
-    </Image>
-    <Status xmlns="71af3243-3dd4-4a8d-8c0d-dd76da1f02a5">Not started</Status>
-    <_ip_UnifiedCompliancePolicyProperties xmlns="http://schemas.microsoft.com/sharepoint/v3" xsi:nil="true"/>
-    <ImageTagsTaxHTField xmlns="71af3243-3dd4-4a8d-8c0d-dd76da1f02a5">
-      <Terms xmlns="http://schemas.microsoft.com/office/infopath/2007/PartnerControls"/>
-    </ImageTagsTaxHTField>
-    <TaxCatchAll xmlns="230e9df3-be65-4c73-a93b-d1236ebd677e"/>
-    <MediaServiceKeyPoints xmlns="71af3243-3dd4-4a8d-8c0d-dd76da1f02a5" xsi:nil="true"/>
-  </documentManagement>
-</p:properties>
-</file>
-
 <file path=customXml/item3.xml><?xml version="1.0" encoding="utf-8"?>
 <?mso-contentType ?>
 <FormTemplates xmlns="http://schemas.microsoft.com/sharepoint/v3/contenttype/forms">
@@ -25280,6 +25438,18 @@
 </file>
 
 <file path=customXml/itemProps1.xml><?xml version="1.0" encoding="utf-8"?>
+<ds:datastoreItem xmlns:ds="http://schemas.openxmlformats.org/officeDocument/2006/customXml" ds:itemID="{B5BA3906-9696-4247-AC0D-DD5C26B2A70A}">
+  <ds:schemaRefs>
+    <ds:schemaRef ds:uri="http://schemas.microsoft.com/office/2006/metadata/properties"/>
+    <ds:schemaRef ds:uri="http://schemas.microsoft.com/office/infopath/2007/PartnerControls"/>
+    <ds:schemaRef ds:uri="http://schemas.microsoft.com/sharepoint/v3"/>
+    <ds:schemaRef ds:uri="71af3243-3dd4-4a8d-8c0d-dd76da1f02a5"/>
+    <ds:schemaRef ds:uri="230e9df3-be65-4c73-a93b-d1236ebd677e"/>
+  </ds:schemaRefs>
+</ds:datastoreItem>
+</file>
+
+<file path=customXml/itemProps2.xml><?xml version="1.0" encoding="utf-8"?>
 <ds:datastoreItem xmlns:ds="http://schemas.openxmlformats.org/officeDocument/2006/customXml" ds:itemID="{01E84A1C-2814-43A7-9448-348326113A45}">
   <ds:schemaRefs>
     <ds:schemaRef ds:uri="http://schemas.microsoft.com/office/2006/metadata/contentType"/>
@@ -25300,18 +25470,6 @@
 </ds:datastoreItem>
 </file>
 
-<file path=customXml/itemProps2.xml><?xml version="1.0" encoding="utf-8"?>
-<ds:datastoreItem xmlns:ds="http://schemas.openxmlformats.org/officeDocument/2006/customXml" ds:itemID="{B5BA3906-9696-4247-AC0D-DD5C26B2A70A}">
-  <ds:schemaRefs>
-    <ds:schemaRef ds:uri="http://schemas.microsoft.com/office/2006/metadata/properties"/>
-    <ds:schemaRef ds:uri="http://schemas.microsoft.com/office/infopath/2007/PartnerControls"/>
-    <ds:schemaRef ds:uri="http://schemas.microsoft.com/sharepoint/v3"/>
-    <ds:schemaRef ds:uri="71af3243-3dd4-4a8d-8c0d-dd76da1f02a5"/>
-    <ds:schemaRef ds:uri="230e9df3-be65-4c73-a93b-d1236ebd677e"/>
-  </ds:schemaRefs>
-</ds:datastoreItem>
-</file>
-
 <file path=customXml/itemProps3.xml><?xml version="1.0" encoding="utf-8"?>
 <ds:datastoreItem xmlns:ds="http://schemas.openxmlformats.org/officeDocument/2006/customXml" ds:itemID="{2D446390-8521-40A2-A462-EA068123BED9}">
   <ds:schemaRefs>

--- a/document/블랙잭 프로그램 구조.pptx
+++ b/document/블랙잭 프로그램 구조.pptx
@@ -5,28 +5,29 @@
     <p:sldMasterId id="2147483666" r:id="rId4"/>
   </p:sldMasterIdLst>
   <p:notesMasterIdLst>
-    <p:notesMasterId r:id="rId21"/>
+    <p:notesMasterId r:id="rId22"/>
   </p:notesMasterIdLst>
   <p:handoutMasterIdLst>
-    <p:handoutMasterId r:id="rId22"/>
+    <p:handoutMasterId r:id="rId23"/>
   </p:handoutMasterIdLst>
   <p:sldIdLst>
     <p:sldId id="256" r:id="rId5"/>
     <p:sldId id="289" r:id="rId6"/>
-    <p:sldId id="266" r:id="rId7"/>
-    <p:sldId id="302" r:id="rId8"/>
-    <p:sldId id="304" r:id="rId9"/>
-    <p:sldId id="305" r:id="rId10"/>
-    <p:sldId id="303" r:id="rId11"/>
-    <p:sldId id="306" r:id="rId12"/>
-    <p:sldId id="307" r:id="rId13"/>
-    <p:sldId id="308" r:id="rId14"/>
-    <p:sldId id="309" r:id="rId15"/>
-    <p:sldId id="310" r:id="rId16"/>
-    <p:sldId id="311" r:id="rId17"/>
-    <p:sldId id="312" r:id="rId18"/>
-    <p:sldId id="313" r:id="rId19"/>
-    <p:sldId id="276" r:id="rId20"/>
+    <p:sldId id="314" r:id="rId7"/>
+    <p:sldId id="266" r:id="rId8"/>
+    <p:sldId id="302" r:id="rId9"/>
+    <p:sldId id="304" r:id="rId10"/>
+    <p:sldId id="305" r:id="rId11"/>
+    <p:sldId id="303" r:id="rId12"/>
+    <p:sldId id="306" r:id="rId13"/>
+    <p:sldId id="307" r:id="rId14"/>
+    <p:sldId id="308" r:id="rId15"/>
+    <p:sldId id="309" r:id="rId16"/>
+    <p:sldId id="310" r:id="rId17"/>
+    <p:sldId id="311" r:id="rId18"/>
+    <p:sldId id="312" r:id="rId19"/>
+    <p:sldId id="313" r:id="rId20"/>
+    <p:sldId id="276" r:id="rId21"/>
   </p:sldIdLst>
   <p:sldSz cx="12192000" cy="6858000"/>
   <p:notesSz cx="6858000" cy="9144000"/>
@@ -261,7 +262,7 @@
                 <a:latin typeface="+mj-ea"/>
                 <a:ea typeface="+mj-ea"/>
               </a:rPr>
-              <a:t>2024-05-02</a:t>
+              <a:t>2024-05-03</a:t>
             </a:fld>
             <a:endParaRPr lang="ko-KR" altLang="en-US" dirty="0">
               <a:latin typeface="+mj-ea"/>
@@ -462,7 +463,7 @@
             <a:fld id="{94A59610-D21E-4772-A7BF-F2F26E543677}" type="datetime1">
               <a:rPr lang="ko-KR" altLang="en-US" smtClean="0"/>
               <a:pPr/>
-              <a:t>2024-05-02</a:t>
+              <a:t>2024-05-03</a:t>
             </a:fld>
             <a:endParaRPr lang="ko-KR" altLang="en-US" dirty="0"/>
           </a:p>
@@ -913,7 +914,7 @@
     </p:spTree>
     <p:extLst>
       <p:ext uri="{BB962C8B-B14F-4D97-AF65-F5344CB8AC3E}">
-        <p14:creationId xmlns:p14="http://schemas.microsoft.com/office/powerpoint/2010/main" val="1928089687"/>
+        <p14:creationId xmlns:p14="http://schemas.microsoft.com/office/powerpoint/2010/main" val="1520795412"/>
       </p:ext>
     </p:extLst>
   </p:cSld>
@@ -1001,7 +1002,7 @@
     </p:spTree>
     <p:extLst>
       <p:ext uri="{BB962C8B-B14F-4D97-AF65-F5344CB8AC3E}">
-        <p14:creationId xmlns:p14="http://schemas.microsoft.com/office/powerpoint/2010/main" val="1839398129"/>
+        <p14:creationId xmlns:p14="http://schemas.microsoft.com/office/powerpoint/2010/main" val="1928089687"/>
       </p:ext>
     </p:extLst>
   </p:cSld>
@@ -1089,7 +1090,7 @@
     </p:spTree>
     <p:extLst>
       <p:ext uri="{BB962C8B-B14F-4D97-AF65-F5344CB8AC3E}">
-        <p14:creationId xmlns:p14="http://schemas.microsoft.com/office/powerpoint/2010/main" val="4004101010"/>
+        <p14:creationId xmlns:p14="http://schemas.microsoft.com/office/powerpoint/2010/main" val="1839398129"/>
       </p:ext>
     </p:extLst>
   </p:cSld>
@@ -1177,7 +1178,7 @@
     </p:spTree>
     <p:extLst>
       <p:ext uri="{BB962C8B-B14F-4D97-AF65-F5344CB8AC3E}">
-        <p14:creationId xmlns:p14="http://schemas.microsoft.com/office/powerpoint/2010/main" val="1161355342"/>
+        <p14:creationId xmlns:p14="http://schemas.microsoft.com/office/powerpoint/2010/main" val="4004101010"/>
       </p:ext>
     </p:extLst>
   </p:cSld>
@@ -1265,7 +1266,7 @@
     </p:spTree>
     <p:extLst>
       <p:ext uri="{BB962C8B-B14F-4D97-AF65-F5344CB8AC3E}">
-        <p14:creationId xmlns:p14="http://schemas.microsoft.com/office/powerpoint/2010/main" val="889535945"/>
+        <p14:creationId xmlns:p14="http://schemas.microsoft.com/office/powerpoint/2010/main" val="1161355342"/>
       </p:ext>
     </p:extLst>
   </p:cSld>
@@ -1353,7 +1354,7 @@
     </p:spTree>
     <p:extLst>
       <p:ext uri="{BB962C8B-B14F-4D97-AF65-F5344CB8AC3E}">
-        <p14:creationId xmlns:p14="http://schemas.microsoft.com/office/powerpoint/2010/main" val="1895541053"/>
+        <p14:creationId xmlns:p14="http://schemas.microsoft.com/office/powerpoint/2010/main" val="889535945"/>
       </p:ext>
     </p:extLst>
   </p:cSld>
@@ -1430,6 +1431,94 @@
               <a:rPr lang="en-US" altLang="ko-KR" smtClean="0"/>
               <a:pPr/>
               <a:t>16</a:t>
+            </a:fld>
+            <a:endParaRPr lang="ko-KR" altLang="en-US">
+              <a:latin typeface="+mj-ea"/>
+              <a:ea typeface="+mj-ea"/>
+            </a:endParaRPr>
+          </a:p>
+        </p:txBody>
+      </p:sp>
+    </p:spTree>
+    <p:extLst>
+      <p:ext uri="{BB962C8B-B14F-4D97-AF65-F5344CB8AC3E}">
+        <p14:creationId xmlns:p14="http://schemas.microsoft.com/office/powerpoint/2010/main" val="1895541053"/>
+      </p:ext>
+    </p:extLst>
+  </p:cSld>
+  <p:clrMapOvr>
+    <a:masterClrMapping/>
+  </p:clrMapOvr>
+</p:notes>
+</file>
+
+<file path=ppt/notesSlides/notesSlide17.xml><?xml version="1.0" encoding="utf-8"?>
+<p:notes xmlns:a="http://schemas.openxmlformats.org/drawingml/2006/main" xmlns:r="http://schemas.openxmlformats.org/officeDocument/2006/relationships" xmlns:p="http://schemas.openxmlformats.org/presentationml/2006/main">
+  <p:cSld>
+    <p:spTree>
+      <p:nvGrpSpPr>
+        <p:cNvPr id="1" name=""/>
+        <p:cNvGrpSpPr/>
+        <p:nvPr/>
+      </p:nvGrpSpPr>
+      <p:grpSpPr>
+        <a:xfrm>
+          <a:off x="0" y="0"/>
+          <a:ext cx="0" cy="0"/>
+          <a:chOff x="0" y="0"/>
+          <a:chExt cx="0" cy="0"/>
+        </a:xfrm>
+      </p:grpSpPr>
+      <p:sp>
+        <p:nvSpPr>
+          <p:cNvPr id="2" name="슬라이드 이미지 개체 틀 1"/>
+          <p:cNvSpPr>
+            <a:spLocks noGrp="1" noRot="1" noChangeAspect="1"/>
+          </p:cNvSpPr>
+          <p:nvPr>
+            <p:ph type="sldImg"/>
+          </p:nvPr>
+        </p:nvSpPr>
+        <p:spPr/>
+      </p:sp>
+      <p:sp>
+        <p:nvSpPr>
+          <p:cNvPr id="3" name="슬라이드 노트 개체 틀 2"/>
+          <p:cNvSpPr>
+            <a:spLocks noGrp="1"/>
+          </p:cNvSpPr>
+          <p:nvPr>
+            <p:ph type="body" idx="1"/>
+          </p:nvPr>
+        </p:nvSpPr>
+        <p:spPr/>
+        <p:txBody>
+          <a:bodyPr/>
+          <a:lstStyle/>
+          <a:p>
+            <a:endParaRPr lang="ko-KR" altLang="en-US" noProof="0" dirty="0"/>
+          </a:p>
+        </p:txBody>
+      </p:sp>
+      <p:sp>
+        <p:nvSpPr>
+          <p:cNvPr id="4" name="슬라이드 번호 개체 틀 3"/>
+          <p:cNvSpPr>
+            <a:spLocks noGrp="1"/>
+          </p:cNvSpPr>
+          <p:nvPr>
+            <p:ph type="sldNum" sz="quarter" idx="5"/>
+          </p:nvPr>
+        </p:nvSpPr>
+        <p:spPr/>
+        <p:txBody>
+          <a:bodyPr/>
+          <a:lstStyle/>
+          <a:p>
+            <a:fld id="{D4B9A9E5-4F7F-4A7D-9DE1-899232329269}" type="slidenum">
+              <a:rPr lang="en-US" altLang="ko-KR" smtClean="0"/>
+              <a:pPr/>
+              <a:t>17</a:t>
             </a:fld>
             <a:endParaRPr lang="ko-KR" altLang="en-US">
               <a:latin typeface="+mj-ea"/>
@@ -1617,7 +1706,7 @@
     </p:spTree>
     <p:extLst>
       <p:ext uri="{BB962C8B-B14F-4D97-AF65-F5344CB8AC3E}">
-        <p14:creationId xmlns:p14="http://schemas.microsoft.com/office/powerpoint/2010/main" val="410973988"/>
+        <p14:creationId xmlns:p14="http://schemas.microsoft.com/office/powerpoint/2010/main" val="1455790191"/>
       </p:ext>
     </p:extLst>
   </p:cSld>
@@ -1705,7 +1794,7 @@
     </p:spTree>
     <p:extLst>
       <p:ext uri="{BB962C8B-B14F-4D97-AF65-F5344CB8AC3E}">
-        <p14:creationId xmlns:p14="http://schemas.microsoft.com/office/powerpoint/2010/main" val="276635272"/>
+        <p14:creationId xmlns:p14="http://schemas.microsoft.com/office/powerpoint/2010/main" val="410973988"/>
       </p:ext>
     </p:extLst>
   </p:cSld>
@@ -1793,7 +1882,7 @@
     </p:spTree>
     <p:extLst>
       <p:ext uri="{BB962C8B-B14F-4D97-AF65-F5344CB8AC3E}">
-        <p14:creationId xmlns:p14="http://schemas.microsoft.com/office/powerpoint/2010/main" val="1305615705"/>
+        <p14:creationId xmlns:p14="http://schemas.microsoft.com/office/powerpoint/2010/main" val="276635272"/>
       </p:ext>
     </p:extLst>
   </p:cSld>
@@ -1881,7 +1970,7 @@
     </p:spTree>
     <p:extLst>
       <p:ext uri="{BB962C8B-B14F-4D97-AF65-F5344CB8AC3E}">
-        <p14:creationId xmlns:p14="http://schemas.microsoft.com/office/powerpoint/2010/main" val="2403254779"/>
+        <p14:creationId xmlns:p14="http://schemas.microsoft.com/office/powerpoint/2010/main" val="1305615705"/>
       </p:ext>
     </p:extLst>
   </p:cSld>
@@ -1969,7 +2058,7 @@
     </p:spTree>
     <p:extLst>
       <p:ext uri="{BB962C8B-B14F-4D97-AF65-F5344CB8AC3E}">
-        <p14:creationId xmlns:p14="http://schemas.microsoft.com/office/powerpoint/2010/main" val="1904470066"/>
+        <p14:creationId xmlns:p14="http://schemas.microsoft.com/office/powerpoint/2010/main" val="2403254779"/>
       </p:ext>
     </p:extLst>
   </p:cSld>
@@ -2057,7 +2146,7 @@
     </p:spTree>
     <p:extLst>
       <p:ext uri="{BB962C8B-B14F-4D97-AF65-F5344CB8AC3E}">
-        <p14:creationId xmlns:p14="http://schemas.microsoft.com/office/powerpoint/2010/main" val="3184693915"/>
+        <p14:creationId xmlns:p14="http://schemas.microsoft.com/office/powerpoint/2010/main" val="1904470066"/>
       </p:ext>
     </p:extLst>
   </p:cSld>
@@ -2145,7 +2234,7 @@
     </p:spTree>
     <p:extLst>
       <p:ext uri="{BB962C8B-B14F-4D97-AF65-F5344CB8AC3E}">
-        <p14:creationId xmlns:p14="http://schemas.microsoft.com/office/powerpoint/2010/main" val="1520795412"/>
+        <p14:creationId xmlns:p14="http://schemas.microsoft.com/office/powerpoint/2010/main" val="3184693915"/>
       </p:ext>
     </p:extLst>
   </p:cSld>
@@ -18527,12 +18616,17 @@
             <a:pPr rtl="0"/>
             <a:r>
               <a:rPr lang="en-US" altLang="ko-KR" b="1" dirty="0"/>
-              <a:t>UI</a:t>
+              <a:t>Block</a:t>
             </a:r>
             <a:r>
               <a:rPr lang="ko-KR" altLang="en-US" b="1" dirty="0"/>
-              <a:t>객체들의 상속</a:t>
-            </a:r>
+              <a:t>과 </a:t>
+            </a:r>
+            <a:r>
+              <a:rPr lang="en-US" altLang="ko-KR" b="1" dirty="0"/>
+              <a:t>Str</a:t>
+            </a:r>
+            <a:endParaRPr lang="ko-KR" altLang="en-US" b="1" dirty="0"/>
           </a:p>
         </p:txBody>
       </p:sp>
@@ -18550,8 +18644,8 @@
         </p:nvSpPr>
         <p:spPr>
           <a:xfrm>
-            <a:off x="6576285" y="1835450"/>
-            <a:ext cx="5442516" cy="4247317"/>
+            <a:off x="1480503" y="4370651"/>
+            <a:ext cx="6106159" cy="923330"/>
           </a:xfrm>
           <a:prstGeom prst="rect">
             <a:avLst/>
@@ -18569,28 +18663,28 @@
                 <a:latin typeface="맑은 고딕" panose="020B0503020000020004" pitchFamily="50" charset="-127"/>
                 <a:ea typeface="맑은 고딕" panose="020B0503020000020004" pitchFamily="50" charset="-127"/>
               </a:rPr>
-              <a:t>UI</a:t>
+              <a:t>Block</a:t>
             </a:r>
             <a:r>
               <a:rPr lang="ko-KR" altLang="en-US" dirty="0">
                 <a:latin typeface="맑은 고딕" panose="020B0503020000020004" pitchFamily="50" charset="-127"/>
                 <a:ea typeface="맑은 고딕" panose="020B0503020000020004" pitchFamily="50" charset="-127"/>
               </a:rPr>
-              <a:t>에서 사용하는 객체들은 </a:t>
+              <a:t>은 </a:t>
             </a:r>
             <a:r>
               <a:rPr lang="en-US" altLang="ko-KR" dirty="0">
                 <a:latin typeface="맑은 고딕" panose="020B0503020000020004" pitchFamily="50" charset="-127"/>
                 <a:ea typeface="맑은 고딕" panose="020B0503020000020004" pitchFamily="50" charset="-127"/>
               </a:rPr>
-              <a:t>UI </a:t>
+              <a:t>3</a:t>
             </a:r>
             <a:r>
               <a:rPr lang="ko-KR" altLang="en-US" dirty="0">
                 <a:latin typeface="맑은 고딕" panose="020B0503020000020004" pitchFamily="50" charset="-127"/>
                 <a:ea typeface="맑은 고딕" panose="020B0503020000020004" pitchFamily="50" charset="-127"/>
               </a:rPr>
-              <a:t>접두사를 붙인다</a:t>
+              <a:t>줄 출력을 위한 데이터를 가지고 있는 객체이다</a:t>
             </a:r>
             <a:r>
               <a:rPr lang="en-US" altLang="ko-KR" dirty="0">
@@ -18601,72 +18695,12 @@
             </a:r>
           </a:p>
           <a:p>
-            <a:endParaRPr lang="en-US" altLang="ko-KR" dirty="0">
-              <a:latin typeface="맑은 고딕" panose="020B0503020000020004" pitchFamily="50" charset="-127"/>
-              <a:ea typeface="맑은 고딕" panose="020B0503020000020004" pitchFamily="50" charset="-127"/>
-            </a:endParaRPr>
-          </a:p>
-          <a:p>
-            <a:r>
-              <a:rPr lang="en-US" altLang="ko-KR" dirty="0" err="1">
+            <a:r>
+              <a:rPr lang="en-US" altLang="ko-KR" dirty="0">
                 <a:latin typeface="맑은 고딕" panose="020B0503020000020004" pitchFamily="50" charset="-127"/>
                 <a:ea typeface="맑은 고딕" panose="020B0503020000020004" pitchFamily="50" charset="-127"/>
               </a:rPr>
-              <a:t>UICard</a:t>
-            </a:r>
-            <a:r>
-              <a:rPr lang="en-US" altLang="ko-KR" dirty="0">
-                <a:latin typeface="맑은 고딕" panose="020B0503020000020004" pitchFamily="50" charset="-127"/>
-                <a:ea typeface="맑은 고딕" panose="020B0503020000020004" pitchFamily="50" charset="-127"/>
-              </a:rPr>
-              <a:t>, </a:t>
-            </a:r>
-            <a:r>
-              <a:rPr lang="en-US" altLang="ko-KR" dirty="0" err="1">
-                <a:latin typeface="맑은 고딕" panose="020B0503020000020004" pitchFamily="50" charset="-127"/>
-                <a:ea typeface="맑은 고딕" panose="020B0503020000020004" pitchFamily="50" charset="-127"/>
-              </a:rPr>
-              <a:t>UIBorderStr</a:t>
-            </a:r>
-            <a:r>
-              <a:rPr lang="ko-KR" altLang="en-US" dirty="0">
-                <a:latin typeface="맑은 고딕" panose="020B0503020000020004" pitchFamily="50" charset="-127"/>
-                <a:ea typeface="맑은 고딕" panose="020B0503020000020004" pitchFamily="50" charset="-127"/>
-              </a:rPr>
-              <a:t>은 테두리가 있는 </a:t>
-            </a:r>
-            <a:r>
-              <a:rPr lang="en-US" altLang="ko-KR" dirty="0">
-                <a:latin typeface="맑은 고딕" panose="020B0503020000020004" pitchFamily="50" charset="-127"/>
-                <a:ea typeface="맑은 고딕" panose="020B0503020000020004" pitchFamily="50" charset="-127"/>
-              </a:rPr>
-              <a:t>Block</a:t>
-            </a:r>
-            <a:r>
-              <a:rPr lang="ko-KR" altLang="en-US" dirty="0">
-                <a:latin typeface="맑은 고딕" panose="020B0503020000020004" pitchFamily="50" charset="-127"/>
-                <a:ea typeface="맑은 고딕" panose="020B0503020000020004" pitchFamily="50" charset="-127"/>
-              </a:rPr>
-              <a:t>으로</a:t>
-            </a:r>
-            <a:endParaRPr lang="en-US" altLang="ko-KR" dirty="0">
-              <a:latin typeface="맑은 고딕" panose="020B0503020000020004" pitchFamily="50" charset="-127"/>
-              <a:ea typeface="맑은 고딕" panose="020B0503020000020004" pitchFamily="50" charset="-127"/>
-            </a:endParaRPr>
-          </a:p>
-          <a:p>
-            <a:endParaRPr lang="en-US" altLang="ko-KR" dirty="0">
-              <a:latin typeface="맑은 고딕" panose="020B0503020000020004" pitchFamily="50" charset="-127"/>
-              <a:ea typeface="맑은 고딕" panose="020B0503020000020004" pitchFamily="50" charset="-127"/>
-            </a:endParaRPr>
-          </a:p>
-          <a:p>
-            <a:r>
-              <a:rPr lang="en-US" altLang="ko-KR" dirty="0" err="1">
-                <a:latin typeface="맑은 고딕" panose="020B0503020000020004" pitchFamily="50" charset="-127"/>
-                <a:ea typeface="맑은 고딕" panose="020B0503020000020004" pitchFamily="50" charset="-127"/>
-              </a:rPr>
-              <a:t>UIStr</a:t>
+              <a:t>Str</a:t>
             </a:r>
             <a:r>
               <a:rPr lang="ko-KR" altLang="en-US" dirty="0">
@@ -18680,135 +18714,14 @@
                 <a:latin typeface="맑은 고딕" panose="020B0503020000020004" pitchFamily="50" charset="-127"/>
                 <a:ea typeface="맑은 고딕" panose="020B0503020000020004" pitchFamily="50" charset="-127"/>
               </a:rPr>
-              <a:t>Str,</a:t>
+              <a:t>1</a:t>
             </a:r>
             <a:r>
               <a:rPr lang="ko-KR" altLang="en-US" dirty="0">
                 <a:latin typeface="맑은 고딕" panose="020B0503020000020004" pitchFamily="50" charset="-127"/>
                 <a:ea typeface="맑은 고딕" panose="020B0503020000020004" pitchFamily="50" charset="-127"/>
               </a:rPr>
-              <a:t> 상하 공백을 넣은 </a:t>
-            </a:r>
-            <a:r>
-              <a:rPr lang="en-US" altLang="ko-KR" dirty="0">
-                <a:latin typeface="맑은 고딕" panose="020B0503020000020004" pitchFamily="50" charset="-127"/>
-                <a:ea typeface="맑은 고딕" panose="020B0503020000020004" pitchFamily="50" charset="-127"/>
-              </a:rPr>
-              <a:t>Block </a:t>
-            </a:r>
-            <a:r>
-              <a:rPr lang="ko-KR" altLang="en-US" dirty="0" err="1">
-                <a:latin typeface="맑은 고딕" panose="020B0503020000020004" pitchFamily="50" charset="-127"/>
-                <a:ea typeface="맑은 고딕" panose="020B0503020000020004" pitchFamily="50" charset="-127"/>
-              </a:rPr>
-              <a:t>둘다</a:t>
-            </a:r>
-            <a:r>
-              <a:rPr lang="ko-KR" altLang="en-US" dirty="0">
-                <a:latin typeface="맑은 고딕" panose="020B0503020000020004" pitchFamily="50" charset="-127"/>
-                <a:ea typeface="맑은 고딕" panose="020B0503020000020004" pitchFamily="50" charset="-127"/>
-              </a:rPr>
-              <a:t> 사용가능</a:t>
-            </a:r>
-            <a:endParaRPr lang="en-US" altLang="ko-KR" dirty="0">
-              <a:latin typeface="맑은 고딕" panose="020B0503020000020004" pitchFamily="50" charset="-127"/>
-              <a:ea typeface="맑은 고딕" panose="020B0503020000020004" pitchFamily="50" charset="-127"/>
-            </a:endParaRPr>
-          </a:p>
-          <a:p>
-            <a:endParaRPr lang="en-US" altLang="ko-KR" dirty="0">
-              <a:latin typeface="맑은 고딕" panose="020B0503020000020004" pitchFamily="50" charset="-127"/>
-              <a:ea typeface="맑은 고딕" panose="020B0503020000020004" pitchFamily="50" charset="-127"/>
-            </a:endParaRPr>
-          </a:p>
-          <a:p>
-            <a:endParaRPr lang="en-US" altLang="ko-KR" dirty="0">
-              <a:latin typeface="맑은 고딕" panose="020B0503020000020004" pitchFamily="50" charset="-127"/>
-              <a:ea typeface="맑은 고딕" panose="020B0503020000020004" pitchFamily="50" charset="-127"/>
-            </a:endParaRPr>
-          </a:p>
-          <a:p>
-            <a:r>
-              <a:rPr lang="en-US" altLang="ko-KR" dirty="0" err="1">
-                <a:latin typeface="맑은 고딕" panose="020B0503020000020004" pitchFamily="50" charset="-127"/>
-                <a:ea typeface="맑은 고딕" panose="020B0503020000020004" pitchFamily="50" charset="-127"/>
-              </a:rPr>
-              <a:t>UIBlockBundle</a:t>
-            </a:r>
-            <a:r>
-              <a:rPr lang="en-US" altLang="ko-KR" dirty="0">
-                <a:latin typeface="맑은 고딕" panose="020B0503020000020004" pitchFamily="50" charset="-127"/>
-                <a:ea typeface="맑은 고딕" panose="020B0503020000020004" pitchFamily="50" charset="-127"/>
-              </a:rPr>
-              <a:t>: </a:t>
-            </a:r>
-            <a:r>
-              <a:rPr lang="en-US" altLang="ko-KR" dirty="0" err="1">
-                <a:latin typeface="맑은 고딕" panose="020B0503020000020004" pitchFamily="50" charset="-127"/>
-                <a:ea typeface="맑은 고딕" panose="020B0503020000020004" pitchFamily="50" charset="-127"/>
-              </a:rPr>
-              <a:t>IUIBlock</a:t>
-            </a:r>
-            <a:r>
-              <a:rPr lang="ko-KR" altLang="en-US" dirty="0">
-                <a:latin typeface="맑은 고딕" panose="020B0503020000020004" pitchFamily="50" charset="-127"/>
-                <a:ea typeface="맑은 고딕" panose="020B0503020000020004" pitchFamily="50" charset="-127"/>
-              </a:rPr>
-              <a:t>을 상속받은 객체들을 받아</a:t>
-            </a:r>
-            <a:endParaRPr lang="en-US" altLang="ko-KR" dirty="0">
-              <a:latin typeface="맑은 고딕" panose="020B0503020000020004" pitchFamily="50" charset="-127"/>
-              <a:ea typeface="맑은 고딕" panose="020B0503020000020004" pitchFamily="50" charset="-127"/>
-            </a:endParaRPr>
-          </a:p>
-          <a:p>
-            <a:r>
-              <a:rPr lang="en-US" altLang="ko-KR" dirty="0">
-                <a:latin typeface="맑은 고딕" panose="020B0503020000020004" pitchFamily="50" charset="-127"/>
-                <a:ea typeface="맑은 고딕" panose="020B0503020000020004" pitchFamily="50" charset="-127"/>
-              </a:rPr>
-              <a:t>	</a:t>
-            </a:r>
-            <a:r>
-              <a:rPr lang="ko-KR" altLang="en-US" dirty="0">
-                <a:latin typeface="맑은 고딕" panose="020B0503020000020004" pitchFamily="50" charset="-127"/>
-                <a:ea typeface="맑은 고딕" panose="020B0503020000020004" pitchFamily="50" charset="-127"/>
-              </a:rPr>
-              <a:t>한 문자열 배열로 합쳐진 결과물</a:t>
-            </a:r>
-            <a:br>
-              <a:rPr lang="en-US" altLang="ko-KR" dirty="0">
-                <a:latin typeface="맑은 고딕" panose="020B0503020000020004" pitchFamily="50" charset="-127"/>
-                <a:ea typeface="맑은 고딕" panose="020B0503020000020004" pitchFamily="50" charset="-127"/>
-              </a:rPr>
-            </a:br>
-            <a:r>
-              <a:rPr lang="en-US" altLang="ko-KR" dirty="0">
-                <a:latin typeface="맑은 고딕" panose="020B0503020000020004" pitchFamily="50" charset="-127"/>
-                <a:ea typeface="맑은 고딕" panose="020B0503020000020004" pitchFamily="50" charset="-127"/>
-              </a:rPr>
-              <a:t>	</a:t>
-            </a:r>
-            <a:r>
-              <a:rPr lang="ko-KR" altLang="en-US" dirty="0">
-                <a:latin typeface="맑은 고딕" panose="020B0503020000020004" pitchFamily="50" charset="-127"/>
-                <a:ea typeface="맑은 고딕" panose="020B0503020000020004" pitchFamily="50" charset="-127"/>
-              </a:rPr>
-              <a:t>문자열</a:t>
-            </a:r>
-            <a:r>
-              <a:rPr lang="en-US" altLang="ko-KR" dirty="0">
-                <a:latin typeface="맑은 고딕" panose="020B0503020000020004" pitchFamily="50" charset="-127"/>
-                <a:ea typeface="맑은 고딕" panose="020B0503020000020004" pitchFamily="50" charset="-127"/>
-              </a:rPr>
-              <a:t>, </a:t>
-            </a:r>
-            <a:r>
-              <a:rPr lang="ko-KR" altLang="en-US" dirty="0">
-                <a:latin typeface="맑은 고딕" panose="020B0503020000020004" pitchFamily="50" charset="-127"/>
-                <a:ea typeface="맑은 고딕" panose="020B0503020000020004" pitchFamily="50" charset="-127"/>
-              </a:rPr>
-              <a:t>컬러 변경 불가능</a:t>
+              <a:t>줄 출력을 위한 데이터를 가지고 있는 객체이다</a:t>
             </a:r>
             <a:r>
               <a:rPr lang="en-US" altLang="ko-KR" dirty="0">
@@ -18819,93 +18732,33 @@
             </a:r>
           </a:p>
           <a:p>
-            <a:endParaRPr lang="en-US" altLang="ko-KR" dirty="0">
-              <a:latin typeface="맑은 고딕" panose="020B0503020000020004" pitchFamily="50" charset="-127"/>
-              <a:ea typeface="맑은 고딕" panose="020B0503020000020004" pitchFamily="50" charset="-127"/>
-            </a:endParaRPr>
-          </a:p>
-          <a:p>
-            <a:r>
-              <a:rPr lang="en-US" altLang="ko-KR" dirty="0" err="1">
+            <a:r>
+              <a:rPr lang="en-US" altLang="ko-KR" dirty="0">
                 <a:latin typeface="맑은 고딕" panose="020B0503020000020004" pitchFamily="50" charset="-127"/>
                 <a:ea typeface="맑은 고딕" panose="020B0503020000020004" pitchFamily="50" charset="-127"/>
               </a:rPr>
-              <a:t>UIStrBundle</a:t>
+              <a:t>Str</a:t>
+            </a:r>
+            <a:r>
+              <a:rPr lang="ko-KR" altLang="en-US" dirty="0">
+                <a:latin typeface="맑은 고딕" panose="020B0503020000020004" pitchFamily="50" charset="-127"/>
+                <a:ea typeface="맑은 고딕" panose="020B0503020000020004" pitchFamily="50" charset="-127"/>
+              </a:rPr>
+              <a:t>은 상하에 공백을 채워 </a:t>
             </a:r>
             <a:r>
               <a:rPr lang="en-US" altLang="ko-KR" dirty="0">
                 <a:latin typeface="맑은 고딕" panose="020B0503020000020004" pitchFamily="50" charset="-127"/>
                 <a:ea typeface="맑은 고딕" panose="020B0503020000020004" pitchFamily="50" charset="-127"/>
               </a:rPr>
-              <a:t>: </a:t>
-            </a:r>
-            <a:r>
-              <a:rPr lang="en-US" altLang="ko-KR" dirty="0" err="1">
+              <a:t>3</a:t>
+            </a:r>
+            <a:r>
+              <a:rPr lang="ko-KR" altLang="en-US" dirty="0">
                 <a:latin typeface="맑은 고딕" panose="020B0503020000020004" pitchFamily="50" charset="-127"/>
                 <a:ea typeface="맑은 고딕" panose="020B0503020000020004" pitchFamily="50" charset="-127"/>
               </a:rPr>
-              <a:t>IUIStr</a:t>
-            </a:r>
-            <a:r>
-              <a:rPr lang="ko-KR" altLang="en-US" dirty="0">
-                <a:latin typeface="맑은 고딕" panose="020B0503020000020004" pitchFamily="50" charset="-127"/>
-                <a:ea typeface="맑은 고딕" panose="020B0503020000020004" pitchFamily="50" charset="-127"/>
-              </a:rPr>
-              <a:t>을 상속받은 객체들을 받아</a:t>
-            </a:r>
-            <a:endParaRPr lang="en-US" altLang="ko-KR" dirty="0">
-              <a:latin typeface="맑은 고딕" panose="020B0503020000020004" pitchFamily="50" charset="-127"/>
-              <a:ea typeface="맑은 고딕" panose="020B0503020000020004" pitchFamily="50" charset="-127"/>
-            </a:endParaRPr>
-          </a:p>
-          <a:p>
-            <a:r>
-              <a:rPr lang="en-US" altLang="ko-KR" dirty="0">
-                <a:latin typeface="맑은 고딕" panose="020B0503020000020004" pitchFamily="50" charset="-127"/>
-                <a:ea typeface="맑은 고딕" panose="020B0503020000020004" pitchFamily="50" charset="-127"/>
-              </a:rPr>
-              <a:t>	</a:t>
-            </a:r>
-            <a:r>
-              <a:rPr lang="ko-KR" altLang="en-US" dirty="0">
-                <a:latin typeface="맑은 고딕" panose="020B0503020000020004" pitchFamily="50" charset="-127"/>
-                <a:ea typeface="맑은 고딕" panose="020B0503020000020004" pitchFamily="50" charset="-127"/>
-              </a:rPr>
-              <a:t>한 문자열로 합쳐진 결과물</a:t>
-            </a:r>
-            <a:endParaRPr lang="en-US" altLang="ko-KR" dirty="0">
-              <a:latin typeface="맑은 고딕" panose="020B0503020000020004" pitchFamily="50" charset="-127"/>
-              <a:ea typeface="맑은 고딕" panose="020B0503020000020004" pitchFamily="50" charset="-127"/>
-            </a:endParaRPr>
-          </a:p>
-          <a:p>
-            <a:r>
-              <a:rPr lang="en-US" altLang="ko-KR" dirty="0">
-                <a:latin typeface="맑은 고딕" panose="020B0503020000020004" pitchFamily="50" charset="-127"/>
-                <a:ea typeface="맑은 고딕" panose="020B0503020000020004" pitchFamily="50" charset="-127"/>
-              </a:rPr>
-              <a:t>	</a:t>
-            </a:r>
-            <a:r>
-              <a:rPr lang="ko-KR" altLang="en-US" dirty="0">
-                <a:latin typeface="맑은 고딕" panose="020B0503020000020004" pitchFamily="50" charset="-127"/>
-                <a:ea typeface="맑은 고딕" panose="020B0503020000020004" pitchFamily="50" charset="-127"/>
-              </a:rPr>
-              <a:t>문자열</a:t>
-            </a:r>
-            <a:r>
-              <a:rPr lang="en-US" altLang="ko-KR" dirty="0">
-                <a:latin typeface="맑은 고딕" panose="020B0503020000020004" pitchFamily="50" charset="-127"/>
-                <a:ea typeface="맑은 고딕" panose="020B0503020000020004" pitchFamily="50" charset="-127"/>
-              </a:rPr>
-              <a:t>, </a:t>
-            </a:r>
-            <a:r>
-              <a:rPr lang="ko-KR" altLang="en-US" dirty="0">
-                <a:latin typeface="맑은 고딕" panose="020B0503020000020004" pitchFamily="50" charset="-127"/>
-                <a:ea typeface="맑은 고딕" panose="020B0503020000020004" pitchFamily="50" charset="-127"/>
-              </a:rPr>
-              <a:t>컬러 변경 불가능</a:t>
+              <a:t>줄로 채워 출력할 수도 있다</a:t>
             </a:r>
             <a:r>
               <a:rPr lang="en-US" altLang="ko-KR" dirty="0">
@@ -18915,20 +18768,14 @@
               <a:t>.</a:t>
             </a:r>
           </a:p>
-          <a:p>
-            <a:endParaRPr lang="en-US" altLang="ko-KR" dirty="0">
-              <a:latin typeface="맑은 고딕" panose="020B0503020000020004" pitchFamily="50" charset="-127"/>
-              <a:ea typeface="맑은 고딕" panose="020B0503020000020004" pitchFamily="50" charset="-127"/>
-            </a:endParaRPr>
-          </a:p>
         </p:txBody>
       </p:sp>
       <p:pic>
         <p:nvPicPr>
-          <p:cNvPr id="4" name="그림 3">
-            <a:extLst>
-              <a:ext uri="{FF2B5EF4-FFF2-40B4-BE49-F238E27FC236}">
-                <a16:creationId xmlns:a16="http://schemas.microsoft.com/office/drawing/2014/main" id="{EAEF29BB-07BF-4379-9EA6-08E76CE8F1B5}"/>
+          <p:cNvPr id="5" name="그림 4">
+            <a:extLst>
+              <a:ext uri="{FF2B5EF4-FFF2-40B4-BE49-F238E27FC236}">
+                <a16:creationId xmlns:a16="http://schemas.microsoft.com/office/drawing/2014/main" id="{3F66565D-85DC-4771-A248-5B2FA6B90A34}"/>
               </a:ext>
             </a:extLst>
           </p:cNvPr>
@@ -18945,8 +18792,234 @@
         </p:blipFill>
         <p:spPr>
           <a:xfrm>
-            <a:off x="1477544" y="1474456"/>
-            <a:ext cx="4962525" cy="3819525"/>
+            <a:off x="1101346" y="1823866"/>
+            <a:ext cx="4960107" cy="1747976"/>
+          </a:xfrm>
+          <a:prstGeom prst="rect">
+            <a:avLst/>
+          </a:prstGeom>
+        </p:spPr>
+      </p:pic>
+      <p:pic>
+        <p:nvPicPr>
+          <p:cNvPr id="7" name="그림 6">
+            <a:extLst>
+              <a:ext uri="{FF2B5EF4-FFF2-40B4-BE49-F238E27FC236}">
+                <a16:creationId xmlns:a16="http://schemas.microsoft.com/office/drawing/2014/main" id="{7FC7CAB1-E298-4677-8DE4-536571B6B7B1}"/>
+              </a:ext>
+            </a:extLst>
+          </p:cNvPr>
+          <p:cNvPicPr>
+            <a:picLocks noChangeAspect="1"/>
+          </p:cNvPicPr>
+          <p:nvPr/>
+        </p:nvPicPr>
+        <p:blipFill>
+          <a:blip r:embed="rId4"/>
+          <a:stretch>
+            <a:fillRect/>
+          </a:stretch>
+        </p:blipFill>
+        <p:spPr>
+          <a:xfrm>
+            <a:off x="7917103" y="1519152"/>
+            <a:ext cx="895350" cy="628650"/>
+          </a:xfrm>
+          <a:prstGeom prst="rect">
+            <a:avLst/>
+          </a:prstGeom>
+        </p:spPr>
+      </p:pic>
+      <p:pic>
+        <p:nvPicPr>
+          <p:cNvPr id="12" name="그림 11">
+            <a:extLst>
+              <a:ext uri="{FF2B5EF4-FFF2-40B4-BE49-F238E27FC236}">
+                <a16:creationId xmlns:a16="http://schemas.microsoft.com/office/drawing/2014/main" id="{50C27607-570B-46F0-ABD9-44BE5D5C519B}"/>
+              </a:ext>
+            </a:extLst>
+          </p:cNvPr>
+          <p:cNvPicPr>
+            <a:picLocks noChangeAspect="1"/>
+          </p:cNvPicPr>
+          <p:nvPr/>
+        </p:nvPicPr>
+        <p:blipFill>
+          <a:blip r:embed="rId5"/>
+          <a:stretch>
+            <a:fillRect/>
+          </a:stretch>
+        </p:blipFill>
+        <p:spPr>
+          <a:xfrm>
+            <a:off x="9175084" y="1519846"/>
+            <a:ext cx="704850" cy="666750"/>
+          </a:xfrm>
+          <a:prstGeom prst="rect">
+            <a:avLst/>
+          </a:prstGeom>
+        </p:spPr>
+      </p:pic>
+      <p:sp>
+        <p:nvSpPr>
+          <p:cNvPr id="21" name="TextBox 20">
+            <a:extLst>
+              <a:ext uri="{FF2B5EF4-FFF2-40B4-BE49-F238E27FC236}">
+                <a16:creationId xmlns:a16="http://schemas.microsoft.com/office/drawing/2014/main" id="{4552172A-F0A7-4951-99F7-D23A6C4A6636}"/>
+              </a:ext>
+            </a:extLst>
+          </p:cNvPr>
+          <p:cNvSpPr txBox="1"/>
+          <p:nvPr/>
+        </p:nvSpPr>
+        <p:spPr>
+          <a:xfrm>
+            <a:off x="6588976" y="1638863"/>
+            <a:ext cx="800604" cy="369332"/>
+          </a:xfrm>
+          <a:prstGeom prst="rect">
+            <a:avLst/>
+          </a:prstGeom>
+          <a:noFill/>
+        </p:spPr>
+        <p:txBody>
+          <a:bodyPr wrap="none" rtlCol="0">
+            <a:spAutoFit/>
+          </a:bodyPr>
+          <a:lstStyle/>
+          <a:p>
+            <a:r>
+              <a:rPr lang="en-US" altLang="ko-KR" dirty="0">
+                <a:latin typeface="맑은 고딕" panose="020B0503020000020004" pitchFamily="50" charset="-127"/>
+                <a:ea typeface="맑은 고딕" panose="020B0503020000020004" pitchFamily="50" charset="-127"/>
+              </a:rPr>
+              <a:t>Block:</a:t>
+            </a:r>
+          </a:p>
+        </p:txBody>
+      </p:sp>
+      <p:sp>
+        <p:nvSpPr>
+          <p:cNvPr id="27" name="TextBox 26">
+            <a:extLst>
+              <a:ext uri="{FF2B5EF4-FFF2-40B4-BE49-F238E27FC236}">
+                <a16:creationId xmlns:a16="http://schemas.microsoft.com/office/drawing/2014/main" id="{8C517B80-DB1B-4FEA-8A0C-DD0DA17BE2BF}"/>
+              </a:ext>
+            </a:extLst>
+          </p:cNvPr>
+          <p:cNvSpPr txBox="1"/>
+          <p:nvPr/>
+        </p:nvSpPr>
+        <p:spPr>
+          <a:xfrm>
+            <a:off x="6525857" y="2689311"/>
+            <a:ext cx="524887" cy="369332"/>
+          </a:xfrm>
+          <a:prstGeom prst="rect">
+            <a:avLst/>
+          </a:prstGeom>
+          <a:noFill/>
+        </p:spPr>
+        <p:txBody>
+          <a:bodyPr wrap="none" rtlCol="0">
+            <a:spAutoFit/>
+          </a:bodyPr>
+          <a:lstStyle/>
+          <a:p>
+            <a:r>
+              <a:rPr lang="en-US" altLang="ko-KR" dirty="0">
+                <a:latin typeface="맑은 고딕" panose="020B0503020000020004" pitchFamily="50" charset="-127"/>
+                <a:ea typeface="맑은 고딕" panose="020B0503020000020004" pitchFamily="50" charset="-127"/>
+              </a:rPr>
+              <a:t>Str:</a:t>
+            </a:r>
+          </a:p>
+        </p:txBody>
+      </p:sp>
+      <p:pic>
+        <p:nvPicPr>
+          <p:cNvPr id="14" name="그림 13">
+            <a:extLst>
+              <a:ext uri="{FF2B5EF4-FFF2-40B4-BE49-F238E27FC236}">
+                <a16:creationId xmlns:a16="http://schemas.microsoft.com/office/drawing/2014/main" id="{A9178D78-225B-492E-9FC4-EC242002FAFD}"/>
+              </a:ext>
+            </a:extLst>
+          </p:cNvPr>
+          <p:cNvPicPr>
+            <a:picLocks noChangeAspect="1"/>
+          </p:cNvPicPr>
+          <p:nvPr/>
+        </p:nvPicPr>
+        <p:blipFill>
+          <a:blip r:embed="rId6"/>
+          <a:stretch>
+            <a:fillRect/>
+          </a:stretch>
+        </p:blipFill>
+        <p:spPr>
+          <a:xfrm>
+            <a:off x="6898075" y="3423046"/>
+            <a:ext cx="4276725" cy="361950"/>
+          </a:xfrm>
+          <a:prstGeom prst="rect">
+            <a:avLst/>
+          </a:prstGeom>
+        </p:spPr>
+      </p:pic>
+      <p:pic>
+        <p:nvPicPr>
+          <p:cNvPr id="17" name="그림 16">
+            <a:extLst>
+              <a:ext uri="{FF2B5EF4-FFF2-40B4-BE49-F238E27FC236}">
+                <a16:creationId xmlns:a16="http://schemas.microsoft.com/office/drawing/2014/main" id="{88A7DF7A-FA79-4E9E-B260-9E2D6DF3620C}"/>
+              </a:ext>
+            </a:extLst>
+          </p:cNvPr>
+          <p:cNvPicPr>
+            <a:picLocks noChangeAspect="1"/>
+          </p:cNvPicPr>
+          <p:nvPr/>
+        </p:nvPicPr>
+        <p:blipFill>
+          <a:blip r:embed="rId7"/>
+          <a:stretch>
+            <a:fillRect/>
+          </a:stretch>
+        </p:blipFill>
+        <p:spPr>
+          <a:xfrm>
+            <a:off x="7586662" y="2610036"/>
+            <a:ext cx="1133475" cy="714375"/>
+          </a:xfrm>
+          <a:prstGeom prst="rect">
+            <a:avLst/>
+          </a:prstGeom>
+        </p:spPr>
+      </p:pic>
+      <p:pic>
+        <p:nvPicPr>
+          <p:cNvPr id="28" name="그림 27">
+            <a:extLst>
+              <a:ext uri="{FF2B5EF4-FFF2-40B4-BE49-F238E27FC236}">
+                <a16:creationId xmlns:a16="http://schemas.microsoft.com/office/drawing/2014/main" id="{B46838E4-4F21-4BB2-841F-692C8AA567AC}"/>
+              </a:ext>
+            </a:extLst>
+          </p:cNvPr>
+          <p:cNvPicPr>
+            <a:picLocks noChangeAspect="1"/>
+          </p:cNvPicPr>
+          <p:nvPr/>
+        </p:nvPicPr>
+        <p:blipFill>
+          <a:blip r:embed="rId8"/>
+          <a:stretch>
+            <a:fillRect/>
+          </a:stretch>
+        </p:blipFill>
+        <p:spPr>
+          <a:xfrm>
+            <a:off x="9099624" y="2806041"/>
+            <a:ext cx="1162050" cy="304800"/>
           </a:xfrm>
           <a:prstGeom prst="rect">
             <a:avLst/>
@@ -18956,7 +19029,7 @@
     </p:spTree>
     <p:extLst>
       <p:ext uri="{BB962C8B-B14F-4D97-AF65-F5344CB8AC3E}">
-        <p14:creationId xmlns:p14="http://schemas.microsoft.com/office/powerpoint/2010/main" val="3081545899"/>
+        <p14:creationId xmlns:p14="http://schemas.microsoft.com/office/powerpoint/2010/main" val="316705335"/>
       </p:ext>
     </p:extLst>
   </p:cSld>
@@ -19121,11 +19194,11 @@
             <a:pPr rtl="0"/>
             <a:r>
               <a:rPr lang="en-US" altLang="ko-KR" b="1" dirty="0"/>
-              <a:t>UI </a:t>
+              <a:t>UI</a:t>
             </a:r>
             <a:r>
               <a:rPr lang="ko-KR" altLang="en-US" b="1" dirty="0"/>
-              <a:t>유틸리티 클래스</a:t>
+              <a:t>객체들의 상속</a:t>
             </a:r>
           </a:p>
         </p:txBody>
@@ -19144,8 +19217,8 @@
         </p:nvSpPr>
         <p:spPr>
           <a:xfrm>
-            <a:off x="2328781" y="2274838"/>
-            <a:ext cx="7534435" cy="2308324"/>
+            <a:off x="6576285" y="1835450"/>
+            <a:ext cx="5442516" cy="4247317"/>
           </a:xfrm>
           <a:prstGeom prst="rect">
             <a:avLst/>
@@ -19159,61 +19232,42 @@
           <a:lstStyle/>
           <a:p>
             <a:r>
-              <a:rPr lang="en-US" altLang="ko-KR" dirty="0" err="1">
+              <a:rPr lang="en-US" altLang="ko-KR" dirty="0">
                 <a:latin typeface="맑은 고딕" panose="020B0503020000020004" pitchFamily="50" charset="-127"/>
                 <a:ea typeface="맑은 고딕" panose="020B0503020000020004" pitchFamily="50" charset="-127"/>
               </a:rPr>
-              <a:t>UICardFactory</a:t>
+              <a:t>UI</a:t>
+            </a:r>
+            <a:r>
+              <a:rPr lang="ko-KR" altLang="en-US" dirty="0">
+                <a:latin typeface="맑은 고딕" panose="020B0503020000020004" pitchFamily="50" charset="-127"/>
+                <a:ea typeface="맑은 고딕" panose="020B0503020000020004" pitchFamily="50" charset="-127"/>
+              </a:rPr>
+              <a:t>에서 사용하는 객체들은 </a:t>
             </a:r>
             <a:r>
               <a:rPr lang="en-US" altLang="ko-KR" dirty="0">
                 <a:latin typeface="맑은 고딕" panose="020B0503020000020004" pitchFamily="50" charset="-127"/>
                 <a:ea typeface="맑은 고딕" panose="020B0503020000020004" pitchFamily="50" charset="-127"/>
               </a:rPr>
-              <a:t>: Card </a:t>
+              <a:t>UI </a:t>
             </a:r>
             <a:r>
               <a:rPr lang="ko-KR" altLang="en-US" dirty="0">
                 <a:latin typeface="맑은 고딕" panose="020B0503020000020004" pitchFamily="50" charset="-127"/>
                 <a:ea typeface="맑은 고딕" panose="020B0503020000020004" pitchFamily="50" charset="-127"/>
               </a:rPr>
-              <a:t>객체 </a:t>
-            </a:r>
-            <a:r>
-              <a:rPr lang="ko-KR" altLang="en-US" dirty="0" err="1">
+              <a:t>접두사를 붙인다</a:t>
+            </a:r>
+            <a:r>
+              <a:rPr lang="en-US" altLang="ko-KR" dirty="0">
                 <a:latin typeface="맑은 고딕" panose="020B0503020000020004" pitchFamily="50" charset="-127"/>
                 <a:ea typeface="맑은 고딕" panose="020B0503020000020004" pitchFamily="50" charset="-127"/>
               </a:rPr>
-              <a:t>입력받아</a:t>
-            </a:r>
-            <a:r>
-              <a:rPr lang="ko-KR" altLang="en-US" dirty="0">
-                <a:latin typeface="맑은 고딕" panose="020B0503020000020004" pitchFamily="50" charset="-127"/>
-                <a:ea typeface="맑은 고딕" panose="020B0503020000020004" pitchFamily="50" charset="-127"/>
-              </a:rPr>
-              <a:t> 출력할 </a:t>
-            </a:r>
-            <a:r>
-              <a:rPr lang="en-US" altLang="ko-KR" dirty="0" err="1">
-                <a:latin typeface="맑은 고딕" panose="020B0503020000020004" pitchFamily="50" charset="-127"/>
-                <a:ea typeface="맑은 고딕" panose="020B0503020000020004" pitchFamily="50" charset="-127"/>
-              </a:rPr>
-              <a:t>UICard</a:t>
-            </a:r>
-            <a:r>
-              <a:rPr lang="en-US" altLang="ko-KR" dirty="0">
-                <a:latin typeface="맑은 고딕" panose="020B0503020000020004" pitchFamily="50" charset="-127"/>
-                <a:ea typeface="맑은 고딕" panose="020B0503020000020004" pitchFamily="50" charset="-127"/>
-              </a:rPr>
-              <a:t> </a:t>
-            </a:r>
-            <a:r>
-              <a:rPr lang="ko-KR" altLang="en-US" dirty="0">
-                <a:latin typeface="맑은 고딕" panose="020B0503020000020004" pitchFamily="50" charset="-127"/>
-                <a:ea typeface="맑은 고딕" panose="020B0503020000020004" pitchFamily="50" charset="-127"/>
-              </a:rPr>
-              <a:t>객체로 변환</a:t>
-            </a:r>
+              <a:t>.</a:t>
+            </a:r>
+          </a:p>
+          <a:p>
             <a:endParaRPr lang="en-US" altLang="ko-KR" dirty="0">
               <a:latin typeface="맑은 고딕" panose="020B0503020000020004" pitchFamily="50" charset="-127"/>
               <a:ea typeface="맑은 고딕" panose="020B0503020000020004" pitchFamily="50" charset="-127"/>
@@ -19221,68 +19275,11 @@
           </a:p>
           <a:p>
             <a:r>
-              <a:rPr lang="en-US" altLang="ko-KR" dirty="0">
+              <a:rPr lang="en-US" altLang="ko-KR" dirty="0" err="1">
                 <a:latin typeface="맑은 고딕" panose="020B0503020000020004" pitchFamily="50" charset="-127"/>
                 <a:ea typeface="맑은 고딕" panose="020B0503020000020004" pitchFamily="50" charset="-127"/>
               </a:rPr>
-              <a:t>	</a:t>
-            </a:r>
-            <a:endParaRPr lang="ko-KR" altLang="en-US" dirty="0">
-              <a:latin typeface="맑은 고딕" panose="020B0503020000020004" pitchFamily="50" charset="-127"/>
-              <a:ea typeface="맑은 고딕" panose="020B0503020000020004" pitchFamily="50" charset="-127"/>
-            </a:endParaRPr>
-          </a:p>
-          <a:p>
-            <a:r>
-              <a:rPr lang="en-US" altLang="ko-KR" dirty="0" err="1">
-                <a:latin typeface="맑은 고딕" panose="020B0503020000020004" pitchFamily="50" charset="-127"/>
-                <a:ea typeface="맑은 고딕" panose="020B0503020000020004" pitchFamily="50" charset="-127"/>
-              </a:rPr>
-              <a:t>UIStrFactory</a:t>
-            </a:r>
-            <a:r>
-              <a:rPr lang="en-US" altLang="ko-KR" dirty="0">
-                <a:latin typeface="맑은 고딕" panose="020B0503020000020004" pitchFamily="50" charset="-127"/>
-                <a:ea typeface="맑은 고딕" panose="020B0503020000020004" pitchFamily="50" charset="-127"/>
-              </a:rPr>
-              <a:t>: </a:t>
-            </a:r>
-            <a:r>
-              <a:rPr lang="ko-KR" altLang="en-US" dirty="0">
-                <a:latin typeface="맑은 고딕" panose="020B0503020000020004" pitchFamily="50" charset="-127"/>
-                <a:ea typeface="맑은 고딕" panose="020B0503020000020004" pitchFamily="50" charset="-127"/>
-              </a:rPr>
-              <a:t>문자열을 여러가지 형태의 객체로 </a:t>
-            </a:r>
-            <a:r>
-              <a:rPr lang="ko-KR" altLang="en-US" dirty="0" err="1">
-                <a:latin typeface="맑은 고딕" panose="020B0503020000020004" pitchFamily="50" charset="-127"/>
-                <a:ea typeface="맑은 고딕" panose="020B0503020000020004" pitchFamily="50" charset="-127"/>
-              </a:rPr>
-              <a:t>만들어줌</a:t>
-            </a:r>
-            <a:r>
-              <a:rPr lang="en-US" altLang="ko-KR" dirty="0">
-                <a:latin typeface="맑은 고딕" panose="020B0503020000020004" pitchFamily="50" charset="-127"/>
-                <a:ea typeface="맑은 고딕" panose="020B0503020000020004" pitchFamily="50" charset="-127"/>
-              </a:rPr>
-              <a:t>.</a:t>
-            </a:r>
-          </a:p>
-          <a:p>
-            <a:r>
-              <a:rPr lang="en-US" altLang="ko-KR" dirty="0">
-                <a:latin typeface="맑은 고딕" panose="020B0503020000020004" pitchFamily="50" charset="-127"/>
-                <a:ea typeface="맑은 고딕" panose="020B0503020000020004" pitchFamily="50" charset="-127"/>
-              </a:rPr>
-              <a:t>	</a:t>
-            </a:r>
-            <a:r>
-              <a:rPr lang="en-US" altLang="ko-KR" dirty="0" err="1">
-                <a:latin typeface="맑은 고딕" panose="020B0503020000020004" pitchFamily="50" charset="-127"/>
-                <a:ea typeface="맑은 고딕" panose="020B0503020000020004" pitchFamily="50" charset="-127"/>
-              </a:rPr>
-              <a:t>UIStr</a:t>
+              <a:t>UICard</a:t>
             </a:r>
             <a:r>
               <a:rPr lang="en-US" altLang="ko-KR" dirty="0">
@@ -19299,82 +19296,186 @@
               <a:t>UIBorderStr</a:t>
             </a:r>
             <a:r>
+              <a:rPr lang="ko-KR" altLang="en-US" dirty="0">
+                <a:latin typeface="맑은 고딕" panose="020B0503020000020004" pitchFamily="50" charset="-127"/>
+                <a:ea typeface="맑은 고딕" panose="020B0503020000020004" pitchFamily="50" charset="-127"/>
+              </a:rPr>
+              <a:t>은 테두리가 있는 </a:t>
+            </a:r>
+            <a:r>
               <a:rPr lang="en-US" altLang="ko-KR" dirty="0">
                 <a:latin typeface="맑은 고딕" panose="020B0503020000020004" pitchFamily="50" charset="-127"/>
                 <a:ea typeface="맑은 고딕" panose="020B0503020000020004" pitchFamily="50" charset="-127"/>
               </a:rPr>
-              <a:t> </a:t>
+              <a:t>Block</a:t>
             </a:r>
             <a:r>
               <a:rPr lang="ko-KR" altLang="en-US" dirty="0">
                 <a:latin typeface="맑은 고딕" panose="020B0503020000020004" pitchFamily="50" charset="-127"/>
                 <a:ea typeface="맑은 고딕" panose="020B0503020000020004" pitchFamily="50" charset="-127"/>
               </a:rPr>
-              <a:t>을 반환</a:t>
-            </a:r>
-            <a:r>
-              <a:rPr lang="en-US" altLang="ko-KR" dirty="0">
-                <a:latin typeface="맑은 고딕" panose="020B0503020000020004" pitchFamily="50" charset="-127"/>
-                <a:ea typeface="맑은 고딕" panose="020B0503020000020004" pitchFamily="50" charset="-127"/>
-              </a:rPr>
-              <a:t>.</a:t>
-            </a:r>
-          </a:p>
-          <a:p>
+              <a:t>으로</a:t>
+            </a:r>
             <a:endParaRPr lang="en-US" altLang="ko-KR" dirty="0">
               <a:latin typeface="맑은 고딕" panose="020B0503020000020004" pitchFamily="50" charset="-127"/>
               <a:ea typeface="맑은 고딕" panose="020B0503020000020004" pitchFamily="50" charset="-127"/>
             </a:endParaRPr>
           </a:p>
           <a:p>
+            <a:endParaRPr lang="en-US" altLang="ko-KR" dirty="0">
+              <a:latin typeface="맑은 고딕" panose="020B0503020000020004" pitchFamily="50" charset="-127"/>
+              <a:ea typeface="맑은 고딕" panose="020B0503020000020004" pitchFamily="50" charset="-127"/>
+            </a:endParaRPr>
+          </a:p>
+          <a:p>
             <a:r>
               <a:rPr lang="en-US" altLang="ko-KR" dirty="0" err="1">
                 <a:latin typeface="맑은 고딕" panose="020B0503020000020004" pitchFamily="50" charset="-127"/>
                 <a:ea typeface="맑은 고딕" panose="020B0503020000020004" pitchFamily="50" charset="-127"/>
               </a:rPr>
-              <a:t>BoardComposer</a:t>
+              <a:t>UIStr</a:t>
+            </a:r>
+            <a:r>
+              <a:rPr lang="ko-KR" altLang="en-US" dirty="0">
+                <a:latin typeface="맑은 고딕" panose="020B0503020000020004" pitchFamily="50" charset="-127"/>
+                <a:ea typeface="맑은 고딕" panose="020B0503020000020004" pitchFamily="50" charset="-127"/>
+              </a:rPr>
+              <a:t>은 </a:t>
             </a:r>
             <a:r>
               <a:rPr lang="en-US" altLang="ko-KR" dirty="0">
                 <a:latin typeface="맑은 고딕" panose="020B0503020000020004" pitchFamily="50" charset="-127"/>
                 <a:ea typeface="맑은 고딕" panose="020B0503020000020004" pitchFamily="50" charset="-127"/>
               </a:rPr>
-              <a:t>:</a:t>
+              <a:t>Str,</a:t>
             </a:r>
             <a:r>
               <a:rPr lang="ko-KR" altLang="en-US" dirty="0">
                 <a:latin typeface="맑은 고딕" panose="020B0503020000020004" pitchFamily="50" charset="-127"/>
                 <a:ea typeface="맑은 고딕" panose="020B0503020000020004" pitchFamily="50" charset="-127"/>
               </a:rPr>
-              <a:t> </a:t>
+              <a:t> 상하 공백을 넣은 </a:t>
             </a:r>
             <a:r>
               <a:rPr lang="en-US" altLang="ko-KR" dirty="0">
                 <a:latin typeface="맑은 고딕" panose="020B0503020000020004" pitchFamily="50" charset="-127"/>
                 <a:ea typeface="맑은 고딕" panose="020B0503020000020004" pitchFamily="50" charset="-127"/>
               </a:rPr>
-              <a:t>Board</a:t>
+              <a:t>Block </a:t>
+            </a:r>
+            <a:r>
+              <a:rPr lang="ko-KR" altLang="en-US" dirty="0" err="1">
+                <a:latin typeface="맑은 고딕" panose="020B0503020000020004" pitchFamily="50" charset="-127"/>
+                <a:ea typeface="맑은 고딕" panose="020B0503020000020004" pitchFamily="50" charset="-127"/>
+              </a:rPr>
+              <a:t>둘다</a:t>
             </a:r>
             <a:r>
               <a:rPr lang="ko-KR" altLang="en-US" dirty="0">
                 <a:latin typeface="맑은 고딕" panose="020B0503020000020004" pitchFamily="50" charset="-127"/>
                 <a:ea typeface="맑은 고딕" panose="020B0503020000020004" pitchFamily="50" charset="-127"/>
               </a:rPr>
-              <a:t>를 위한 </a:t>
+              <a:t> 사용가능</a:t>
+            </a:r>
+            <a:endParaRPr lang="en-US" altLang="ko-KR" dirty="0">
+              <a:latin typeface="맑은 고딕" panose="020B0503020000020004" pitchFamily="50" charset="-127"/>
+              <a:ea typeface="맑은 고딕" panose="020B0503020000020004" pitchFamily="50" charset="-127"/>
+            </a:endParaRPr>
+          </a:p>
+          <a:p>
+            <a:endParaRPr lang="en-US" altLang="ko-KR" dirty="0">
+              <a:latin typeface="맑은 고딕" panose="020B0503020000020004" pitchFamily="50" charset="-127"/>
+              <a:ea typeface="맑은 고딕" panose="020B0503020000020004" pitchFamily="50" charset="-127"/>
+            </a:endParaRPr>
+          </a:p>
+          <a:p>
+            <a:endParaRPr lang="en-US" altLang="ko-KR" dirty="0">
+              <a:latin typeface="맑은 고딕" panose="020B0503020000020004" pitchFamily="50" charset="-127"/>
+              <a:ea typeface="맑은 고딕" panose="020B0503020000020004" pitchFamily="50" charset="-127"/>
+            </a:endParaRPr>
+          </a:p>
+          <a:p>
+            <a:r>
+              <a:rPr lang="en-US" altLang="ko-KR" dirty="0" err="1">
+                <a:latin typeface="맑은 고딕" panose="020B0503020000020004" pitchFamily="50" charset="-127"/>
+                <a:ea typeface="맑은 고딕" panose="020B0503020000020004" pitchFamily="50" charset="-127"/>
+              </a:rPr>
+              <a:t>UIBlockBundle</a:t>
             </a:r>
             <a:r>
               <a:rPr lang="en-US" altLang="ko-KR" dirty="0">
                 <a:latin typeface="맑은 고딕" panose="020B0503020000020004" pitchFamily="50" charset="-127"/>
                 <a:ea typeface="맑은 고딕" panose="020B0503020000020004" pitchFamily="50" charset="-127"/>
               </a:rPr>
-              <a:t>Board</a:t>
+              <a:t>: </a:t>
+            </a:r>
+            <a:r>
+              <a:rPr lang="en-US" altLang="ko-KR" dirty="0" err="1">
+                <a:latin typeface="맑은 고딕" panose="020B0503020000020004" pitchFamily="50" charset="-127"/>
+                <a:ea typeface="맑은 고딕" panose="020B0503020000020004" pitchFamily="50" charset="-127"/>
+              </a:rPr>
+              <a:t>IUIBlock</a:t>
             </a:r>
             <a:r>
               <a:rPr lang="ko-KR" altLang="en-US" dirty="0">
                 <a:latin typeface="맑은 고딕" panose="020B0503020000020004" pitchFamily="50" charset="-127"/>
                 <a:ea typeface="맑은 고딕" panose="020B0503020000020004" pitchFamily="50" charset="-127"/>
               </a:rPr>
-              <a:t> 너비에 맞춰 문자열 객체를 제작</a:t>
+              <a:t>을 상속받은 객체들을 받아</a:t>
+            </a:r>
+            <a:endParaRPr lang="en-US" altLang="ko-KR" dirty="0">
+              <a:latin typeface="맑은 고딕" panose="020B0503020000020004" pitchFamily="50" charset="-127"/>
+              <a:ea typeface="맑은 고딕" panose="020B0503020000020004" pitchFamily="50" charset="-127"/>
+            </a:endParaRPr>
+          </a:p>
+          <a:p>
+            <a:r>
+              <a:rPr lang="en-US" altLang="ko-KR" dirty="0">
+                <a:latin typeface="맑은 고딕" panose="020B0503020000020004" pitchFamily="50" charset="-127"/>
+                <a:ea typeface="맑은 고딕" panose="020B0503020000020004" pitchFamily="50" charset="-127"/>
+              </a:rPr>
+              <a:t>	</a:t>
+            </a:r>
+            <a:r>
+              <a:rPr lang="ko-KR" altLang="en-US" dirty="0">
+                <a:latin typeface="맑은 고딕" panose="020B0503020000020004" pitchFamily="50" charset="-127"/>
+                <a:ea typeface="맑은 고딕" panose="020B0503020000020004" pitchFamily="50" charset="-127"/>
+              </a:rPr>
+              <a:t>한 문자열 배열로 합쳐진 결과물</a:t>
+            </a:r>
+            <a:br>
+              <a:rPr lang="en-US" altLang="ko-KR" dirty="0">
+                <a:latin typeface="맑은 고딕" panose="020B0503020000020004" pitchFamily="50" charset="-127"/>
+                <a:ea typeface="맑은 고딕" panose="020B0503020000020004" pitchFamily="50" charset="-127"/>
+              </a:rPr>
+            </a:br>
+            <a:r>
+              <a:rPr lang="en-US" altLang="ko-KR" dirty="0">
+                <a:latin typeface="맑은 고딕" panose="020B0503020000020004" pitchFamily="50" charset="-127"/>
+                <a:ea typeface="맑은 고딕" panose="020B0503020000020004" pitchFamily="50" charset="-127"/>
+              </a:rPr>
+              <a:t>	</a:t>
+            </a:r>
+            <a:r>
+              <a:rPr lang="ko-KR" altLang="en-US" dirty="0">
+                <a:latin typeface="맑은 고딕" panose="020B0503020000020004" pitchFamily="50" charset="-127"/>
+                <a:ea typeface="맑은 고딕" panose="020B0503020000020004" pitchFamily="50" charset="-127"/>
+              </a:rPr>
+              <a:t>문자열</a:t>
+            </a:r>
+            <a:r>
+              <a:rPr lang="en-US" altLang="ko-KR" dirty="0">
+                <a:latin typeface="맑은 고딕" panose="020B0503020000020004" pitchFamily="50" charset="-127"/>
+                <a:ea typeface="맑은 고딕" panose="020B0503020000020004" pitchFamily="50" charset="-127"/>
+              </a:rPr>
+              <a:t>, </a:t>
+            </a:r>
+            <a:r>
+              <a:rPr lang="ko-KR" altLang="en-US" dirty="0">
+                <a:latin typeface="맑은 고딕" panose="020B0503020000020004" pitchFamily="50" charset="-127"/>
+                <a:ea typeface="맑은 고딕" panose="020B0503020000020004" pitchFamily="50" charset="-127"/>
+              </a:rPr>
+              <a:t>컬러 변경 불가능</a:t>
             </a:r>
             <a:r>
               <a:rPr lang="en-US" altLang="ko-KR" dirty="0">
@@ -19385,40 +19486,93 @@
             </a:r>
           </a:p>
           <a:p>
+            <a:endParaRPr lang="en-US" altLang="ko-KR" dirty="0">
+              <a:latin typeface="맑은 고딕" panose="020B0503020000020004" pitchFamily="50" charset="-127"/>
+              <a:ea typeface="맑은 고딕" panose="020B0503020000020004" pitchFamily="50" charset="-127"/>
+            </a:endParaRPr>
+          </a:p>
+          <a:p>
+            <a:r>
+              <a:rPr lang="en-US" altLang="ko-KR" dirty="0" err="1">
+                <a:latin typeface="맑은 고딕" panose="020B0503020000020004" pitchFamily="50" charset="-127"/>
+                <a:ea typeface="맑은 고딕" panose="020B0503020000020004" pitchFamily="50" charset="-127"/>
+              </a:rPr>
+              <a:t>UIStrBundle</a:t>
+            </a:r>
             <a:r>
               <a:rPr lang="en-US" altLang="ko-KR" dirty="0">
                 <a:latin typeface="맑은 고딕" panose="020B0503020000020004" pitchFamily="50" charset="-127"/>
                 <a:ea typeface="맑은 고딕" panose="020B0503020000020004" pitchFamily="50" charset="-127"/>
               </a:rPr>
-              <a:t>	- </a:t>
+              <a:t>: </a:t>
             </a:r>
             <a:r>
               <a:rPr lang="en-US" altLang="ko-KR" dirty="0" err="1">
                 <a:latin typeface="맑은 고딕" panose="020B0503020000020004" pitchFamily="50" charset="-127"/>
                 <a:ea typeface="맑은 고딕" panose="020B0503020000020004" pitchFamily="50" charset="-127"/>
               </a:rPr>
-              <a:t>IUIBlock</a:t>
+              <a:t>IUIStr</a:t>
             </a:r>
             <a:r>
               <a:rPr lang="ko-KR" altLang="en-US" dirty="0">
                 <a:latin typeface="맑은 고딕" panose="020B0503020000020004" pitchFamily="50" charset="-127"/>
                 <a:ea typeface="맑은 고딕" panose="020B0503020000020004" pitchFamily="50" charset="-127"/>
               </a:rPr>
-              <a:t>들을 받아서 </a:t>
-            </a:r>
-            <a:r>
-              <a:rPr lang="en-US" altLang="ko-KR" dirty="0" err="1">
+              <a:t>을 상속받은 객체들을 받아</a:t>
+            </a:r>
+            <a:endParaRPr lang="en-US" altLang="ko-KR" dirty="0">
+              <a:latin typeface="맑은 고딕" panose="020B0503020000020004" pitchFamily="50" charset="-127"/>
+              <a:ea typeface="맑은 고딕" panose="020B0503020000020004" pitchFamily="50" charset="-127"/>
+            </a:endParaRPr>
+          </a:p>
+          <a:p>
+            <a:r>
+              <a:rPr lang="en-US" altLang="ko-KR" dirty="0">
                 <a:latin typeface="맑은 고딕" panose="020B0503020000020004" pitchFamily="50" charset="-127"/>
                 <a:ea typeface="맑은 고딕" panose="020B0503020000020004" pitchFamily="50" charset="-127"/>
               </a:rPr>
-              <a:t>UIBlockBundle</a:t>
+              <a:t>	</a:t>
             </a:r>
             <a:r>
               <a:rPr lang="ko-KR" altLang="en-US" dirty="0">
                 <a:latin typeface="맑은 고딕" panose="020B0503020000020004" pitchFamily="50" charset="-127"/>
                 <a:ea typeface="맑은 고딕" panose="020B0503020000020004" pitchFamily="50" charset="-127"/>
               </a:rPr>
-              <a:t>을 리턴</a:t>
+              <a:t>한 문자열로 합쳐진 결과물</a:t>
+            </a:r>
+            <a:endParaRPr lang="en-US" altLang="ko-KR" dirty="0">
+              <a:latin typeface="맑은 고딕" panose="020B0503020000020004" pitchFamily="50" charset="-127"/>
+              <a:ea typeface="맑은 고딕" panose="020B0503020000020004" pitchFamily="50" charset="-127"/>
+            </a:endParaRPr>
+          </a:p>
+          <a:p>
+            <a:r>
+              <a:rPr lang="en-US" altLang="ko-KR" dirty="0">
+                <a:latin typeface="맑은 고딕" panose="020B0503020000020004" pitchFamily="50" charset="-127"/>
+                <a:ea typeface="맑은 고딕" panose="020B0503020000020004" pitchFamily="50" charset="-127"/>
+              </a:rPr>
+              <a:t>	</a:t>
+            </a:r>
+            <a:r>
+              <a:rPr lang="ko-KR" altLang="en-US" dirty="0">
+                <a:latin typeface="맑은 고딕" panose="020B0503020000020004" pitchFamily="50" charset="-127"/>
+                <a:ea typeface="맑은 고딕" panose="020B0503020000020004" pitchFamily="50" charset="-127"/>
+              </a:rPr>
+              <a:t>문자열</a:t>
+            </a:r>
+            <a:r>
+              <a:rPr lang="en-US" altLang="ko-KR" dirty="0">
+                <a:latin typeface="맑은 고딕" panose="020B0503020000020004" pitchFamily="50" charset="-127"/>
+                <a:ea typeface="맑은 고딕" panose="020B0503020000020004" pitchFamily="50" charset="-127"/>
+              </a:rPr>
+              <a:t>, </a:t>
+            </a:r>
+            <a:r>
+              <a:rPr lang="ko-KR" altLang="en-US" dirty="0">
+                <a:latin typeface="맑은 고딕" panose="020B0503020000020004" pitchFamily="50" charset="-127"/>
+                <a:ea typeface="맑은 고딕" panose="020B0503020000020004" pitchFamily="50" charset="-127"/>
+              </a:rPr>
+              <a:t>컬러 변경 불가능</a:t>
             </a:r>
             <a:r>
               <a:rPr lang="en-US" altLang="ko-KR" dirty="0">
@@ -19429,55 +19583,47 @@
             </a:r>
           </a:p>
           <a:p>
-            <a:r>
-              <a:rPr lang="en-US" altLang="ko-KR" dirty="0">
-                <a:latin typeface="맑은 고딕" panose="020B0503020000020004" pitchFamily="50" charset="-127"/>
-                <a:ea typeface="맑은 고딕" panose="020B0503020000020004" pitchFamily="50" charset="-127"/>
-              </a:rPr>
-              <a:t>	- </a:t>
-            </a:r>
-            <a:r>
-              <a:rPr lang="en-US" altLang="ko-KR" dirty="0" err="1">
-                <a:latin typeface="맑은 고딕" panose="020B0503020000020004" pitchFamily="50" charset="-127"/>
-                <a:ea typeface="맑은 고딕" panose="020B0503020000020004" pitchFamily="50" charset="-127"/>
-              </a:rPr>
-              <a:t>IUIStr</a:t>
-            </a:r>
-            <a:r>
-              <a:rPr lang="ko-KR" altLang="en-US" dirty="0">
-                <a:latin typeface="맑은 고딕" panose="020B0503020000020004" pitchFamily="50" charset="-127"/>
-                <a:ea typeface="맑은 고딕" panose="020B0503020000020004" pitchFamily="50" charset="-127"/>
-              </a:rPr>
-              <a:t>들을 받아서 </a:t>
-            </a:r>
-            <a:r>
-              <a:rPr lang="en-US" altLang="ko-KR" dirty="0" err="1">
-                <a:latin typeface="맑은 고딕" panose="020B0503020000020004" pitchFamily="50" charset="-127"/>
-                <a:ea typeface="맑은 고딕" panose="020B0503020000020004" pitchFamily="50" charset="-127"/>
-              </a:rPr>
-              <a:t>UIStrBundle</a:t>
-            </a:r>
-            <a:r>
-              <a:rPr lang="ko-KR" altLang="en-US" dirty="0">
-                <a:latin typeface="맑은 고딕" panose="020B0503020000020004" pitchFamily="50" charset="-127"/>
-                <a:ea typeface="맑은 고딕" panose="020B0503020000020004" pitchFamily="50" charset="-127"/>
-              </a:rPr>
-              <a:t>을 리턴</a:t>
-            </a:r>
-            <a:r>
-              <a:rPr lang="en-US" altLang="ko-KR" dirty="0">
-                <a:latin typeface="맑은 고딕" panose="020B0503020000020004" pitchFamily="50" charset="-127"/>
-                <a:ea typeface="맑은 고딕" panose="020B0503020000020004" pitchFamily="50" charset="-127"/>
-              </a:rPr>
-              <a:t>..</a:t>
-            </a:r>
-          </a:p>
-        </p:txBody>
-      </p:sp>
+            <a:endParaRPr lang="en-US" altLang="ko-KR" dirty="0">
+              <a:latin typeface="맑은 고딕" panose="020B0503020000020004" pitchFamily="50" charset="-127"/>
+              <a:ea typeface="맑은 고딕" panose="020B0503020000020004" pitchFamily="50" charset="-127"/>
+            </a:endParaRPr>
+          </a:p>
+        </p:txBody>
+      </p:sp>
+      <p:pic>
+        <p:nvPicPr>
+          <p:cNvPr id="4" name="그림 3">
+            <a:extLst>
+              <a:ext uri="{FF2B5EF4-FFF2-40B4-BE49-F238E27FC236}">
+                <a16:creationId xmlns:a16="http://schemas.microsoft.com/office/drawing/2014/main" id="{EAEF29BB-07BF-4379-9EA6-08E76CE8F1B5}"/>
+              </a:ext>
+            </a:extLst>
+          </p:cNvPr>
+          <p:cNvPicPr>
+            <a:picLocks noChangeAspect="1"/>
+          </p:cNvPicPr>
+          <p:nvPr/>
+        </p:nvPicPr>
+        <p:blipFill>
+          <a:blip r:embed="rId3"/>
+          <a:stretch>
+            <a:fillRect/>
+          </a:stretch>
+        </p:blipFill>
+        <p:spPr>
+          <a:xfrm>
+            <a:off x="1477544" y="1474456"/>
+            <a:ext cx="4962525" cy="3819525"/>
+          </a:xfrm>
+          <a:prstGeom prst="rect">
+            <a:avLst/>
+          </a:prstGeom>
+        </p:spPr>
+      </p:pic>
     </p:spTree>
     <p:extLst>
       <p:ext uri="{BB962C8B-B14F-4D97-AF65-F5344CB8AC3E}">
-        <p14:creationId xmlns:p14="http://schemas.microsoft.com/office/powerpoint/2010/main" val="2015972122"/>
+        <p14:creationId xmlns:p14="http://schemas.microsoft.com/office/powerpoint/2010/main" val="3081545899"/>
       </p:ext>
     </p:extLst>
   </p:cSld>
@@ -19641,340 +19787,356 @@
           <a:p>
             <a:pPr rtl="0"/>
             <a:r>
-              <a:rPr lang="en-US" altLang="ko-KR" b="1" dirty="0" err="1"/>
-              <a:t>BoardComposer</a:t>
-            </a:r>
-            <a:r>
               <a:rPr lang="en-US" altLang="ko-KR" b="1" dirty="0"/>
-              <a:t> </a:t>
-            </a:r>
-            <a:r>
-              <a:rPr lang="ko-KR" altLang="en-US" b="1" dirty="0" err="1"/>
-              <a:t>결과예시</a:t>
-            </a:r>
-            <a:endParaRPr lang="ko-KR" altLang="en-US" b="1" dirty="0"/>
-          </a:p>
-        </p:txBody>
-      </p:sp>
-      <p:pic>
-        <p:nvPicPr>
-          <p:cNvPr id="4" name="그림 3">
-            <a:extLst>
-              <a:ext uri="{FF2B5EF4-FFF2-40B4-BE49-F238E27FC236}">
-                <a16:creationId xmlns:a16="http://schemas.microsoft.com/office/drawing/2014/main" id="{16EEBC19-3520-4620-80D2-7552B07FA179}"/>
-              </a:ext>
-            </a:extLst>
-          </p:cNvPr>
-          <p:cNvPicPr>
-            <a:picLocks noChangeAspect="1"/>
-          </p:cNvPicPr>
+              <a:t>UI </a:t>
+            </a:r>
+            <a:r>
+              <a:rPr lang="ko-KR" altLang="en-US" b="1" dirty="0"/>
+              <a:t>유틸리티 클래스</a:t>
+            </a:r>
+          </a:p>
+        </p:txBody>
+      </p:sp>
+      <p:sp>
+        <p:nvSpPr>
+          <p:cNvPr id="3" name="TextBox 2">
+            <a:extLst>
+              <a:ext uri="{FF2B5EF4-FFF2-40B4-BE49-F238E27FC236}">
+                <a16:creationId xmlns:a16="http://schemas.microsoft.com/office/drawing/2014/main" id="{AC8E4A46-249D-40F2-8D1C-1ABA9D8D7531}"/>
+              </a:ext>
+            </a:extLst>
+          </p:cNvPr>
+          <p:cNvSpPr txBox="1"/>
           <p:nvPr/>
-        </p:nvPicPr>
-        <p:blipFill>
-          <a:blip r:embed="rId3"/>
-          <a:stretch>
-            <a:fillRect/>
-          </a:stretch>
-        </p:blipFill>
-        <p:spPr>
-          <a:xfrm>
-            <a:off x="1873050" y="1856356"/>
-            <a:ext cx="9280402" cy="3270478"/>
-          </a:xfrm>
-          <a:prstGeom prst="rect">
-            <a:avLst/>
-          </a:prstGeom>
-        </p:spPr>
-      </p:pic>
-      <p:sp>
-        <p:nvSpPr>
-          <p:cNvPr id="12" name="직사각형 11">
-            <a:extLst>
-              <a:ext uri="{FF2B5EF4-FFF2-40B4-BE49-F238E27FC236}">
-                <a16:creationId xmlns:a16="http://schemas.microsoft.com/office/drawing/2014/main" id="{1CD1C5C6-9A66-4DA4-9636-66EDC6C5F681}"/>
-              </a:ext>
-            </a:extLst>
-          </p:cNvPr>
-          <p:cNvSpPr/>
-          <p:nvPr/>
-        </p:nvSpPr>
-        <p:spPr>
-          <a:xfrm>
-            <a:off x="1970843" y="2121761"/>
-            <a:ext cx="9099611" cy="532661"/>
+        </p:nvSpPr>
+        <p:spPr>
+          <a:xfrm>
+            <a:off x="2328781" y="2274838"/>
+            <a:ext cx="7534435" cy="2308324"/>
           </a:xfrm>
           <a:prstGeom prst="rect">
             <a:avLst/>
           </a:prstGeom>
           <a:noFill/>
-          <a:ln w="38100">
-            <a:solidFill>
-              <a:srgbClr val="C00000"/>
-            </a:solidFill>
-          </a:ln>
-        </p:spPr>
-        <p:style>
-          <a:lnRef idx="2">
-            <a:schemeClr val="accent1">
-              <a:shade val="15000"/>
-            </a:schemeClr>
-          </a:lnRef>
-          <a:fillRef idx="1">
-            <a:schemeClr val="accent1"/>
-          </a:fillRef>
-          <a:effectRef idx="0">
-            <a:schemeClr val="accent1"/>
-          </a:effectRef>
-          <a:fontRef idx="minor">
-            <a:schemeClr val="lt1"/>
-          </a:fontRef>
-        </p:style>
-        <p:txBody>
-          <a:bodyPr rtlCol="0" anchor="ctr"/>
-          <a:lstStyle/>
-          <a:p>
-            <a:pPr algn="ctr"/>
-            <a:endParaRPr lang="ko-KR" altLang="en-US"/>
-          </a:p>
-        </p:txBody>
-      </p:sp>
-      <p:sp>
-        <p:nvSpPr>
-          <p:cNvPr id="13" name="직사각형 12">
-            <a:extLst>
-              <a:ext uri="{FF2B5EF4-FFF2-40B4-BE49-F238E27FC236}">
-                <a16:creationId xmlns:a16="http://schemas.microsoft.com/office/drawing/2014/main" id="{DE872457-5F2A-4521-AC09-B0967EC13408}"/>
-              </a:ext>
-            </a:extLst>
-          </p:cNvPr>
-          <p:cNvSpPr/>
-          <p:nvPr/>
-        </p:nvSpPr>
-        <p:spPr>
-          <a:xfrm>
-            <a:off x="1963444" y="4358934"/>
-            <a:ext cx="9099611" cy="276689"/>
-          </a:xfrm>
-          <a:prstGeom prst="rect">
-            <a:avLst/>
-          </a:prstGeom>
-          <a:noFill/>
-          <a:ln w="38100">
-            <a:solidFill>
-              <a:srgbClr val="C00000"/>
-            </a:solidFill>
-          </a:ln>
-        </p:spPr>
-        <p:style>
-          <a:lnRef idx="2">
-            <a:schemeClr val="accent1">
-              <a:shade val="15000"/>
-            </a:schemeClr>
-          </a:lnRef>
-          <a:fillRef idx="1">
-            <a:schemeClr val="accent1"/>
-          </a:fillRef>
-          <a:effectRef idx="0">
-            <a:schemeClr val="accent1"/>
-          </a:effectRef>
-          <a:fontRef idx="minor">
-            <a:schemeClr val="lt1"/>
-          </a:fontRef>
-        </p:style>
-        <p:txBody>
-          <a:bodyPr rtlCol="0" anchor="ctr"/>
-          <a:lstStyle/>
-          <a:p>
-            <a:pPr algn="ctr"/>
-            <a:endParaRPr lang="ko-KR" altLang="en-US"/>
-          </a:p>
-        </p:txBody>
-      </p:sp>
-      <p:cxnSp>
-        <p:nvCxnSpPr>
-          <p:cNvPr id="17" name="직선 연결선 16">
-            <a:extLst>
-              <a:ext uri="{FF2B5EF4-FFF2-40B4-BE49-F238E27FC236}">
-                <a16:creationId xmlns:a16="http://schemas.microsoft.com/office/drawing/2014/main" id="{73B8DE11-31F3-4176-AF9A-8B2D090CDFE9}"/>
-              </a:ext>
-            </a:extLst>
-          </p:cNvPr>
-          <p:cNvCxnSpPr>
-            <a:cxnSpLocks/>
-          </p:cNvCxnSpPr>
-          <p:nvPr/>
-        </p:nvCxnSpPr>
-        <p:spPr>
-          <a:xfrm flipH="1">
-            <a:off x="3737500" y="1614728"/>
-            <a:ext cx="578471" cy="484688"/>
-          </a:xfrm>
-          <a:prstGeom prst="line">
-            <a:avLst/>
-          </a:prstGeom>
-          <a:ln w="38100">
-            <a:solidFill>
-              <a:srgbClr val="C00000"/>
-            </a:solidFill>
-          </a:ln>
-        </p:spPr>
-        <p:style>
-          <a:lnRef idx="3">
-            <a:schemeClr val="accent2"/>
-          </a:lnRef>
-          <a:fillRef idx="0">
-            <a:schemeClr val="accent2"/>
-          </a:fillRef>
-          <a:effectRef idx="2">
-            <a:schemeClr val="accent2"/>
-          </a:effectRef>
-          <a:fontRef idx="minor">
-            <a:schemeClr val="tx1"/>
-          </a:fontRef>
-        </p:style>
-      </p:cxnSp>
-      <p:sp>
-        <p:nvSpPr>
-          <p:cNvPr id="18" name="TextBox 17">
-            <a:extLst>
-              <a:ext uri="{FF2B5EF4-FFF2-40B4-BE49-F238E27FC236}">
-                <a16:creationId xmlns:a16="http://schemas.microsoft.com/office/drawing/2014/main" id="{01AD25F6-26AB-4B9A-9EF8-E2C3D32E77A5}"/>
-              </a:ext>
-            </a:extLst>
-          </p:cNvPr>
-          <p:cNvSpPr txBox="1"/>
-          <p:nvPr/>
-        </p:nvSpPr>
-        <p:spPr>
-          <a:xfrm>
-            <a:off x="4290096" y="1388027"/>
-            <a:ext cx="2758774" cy="307777"/>
-          </a:xfrm>
-          <a:prstGeom prst="rect">
-            <a:avLst/>
-          </a:prstGeom>
-          <a:noFill/>
-        </p:spPr>
-        <p:txBody>
-          <a:bodyPr wrap="square" rtlCol="0">
+        </p:spPr>
+        <p:txBody>
+          <a:bodyPr wrap="none" rtlCol="0">
             <a:spAutoFit/>
           </a:bodyPr>
           <a:lstStyle/>
           <a:p>
             <a:r>
-              <a:rPr lang="en-US" altLang="ko-KR" sz="1400" dirty="0" err="1">
+              <a:rPr lang="en-US" altLang="ko-KR" dirty="0" err="1">
                 <a:latin typeface="맑은 고딕" panose="020B0503020000020004" pitchFamily="50" charset="-127"/>
                 <a:ea typeface="맑은 고딕" panose="020B0503020000020004" pitchFamily="50" charset="-127"/>
               </a:rPr>
-              <a:t>BlockBundle</a:t>
-            </a:r>
-            <a:r>
-              <a:rPr lang="en-US" altLang="ko-KR" sz="1400" dirty="0">
+              <a:t>UICardFactory</a:t>
+            </a:r>
+            <a:r>
+              <a:rPr lang="en-US" altLang="ko-KR" dirty="0">
+                <a:latin typeface="맑은 고딕" panose="020B0503020000020004" pitchFamily="50" charset="-127"/>
+                <a:ea typeface="맑은 고딕" panose="020B0503020000020004" pitchFamily="50" charset="-127"/>
+              </a:rPr>
+              <a:t>: Card </a:t>
+            </a:r>
+            <a:r>
+              <a:rPr lang="ko-KR" altLang="en-US" dirty="0">
+                <a:latin typeface="맑은 고딕" panose="020B0503020000020004" pitchFamily="50" charset="-127"/>
+                <a:ea typeface="맑은 고딕" panose="020B0503020000020004" pitchFamily="50" charset="-127"/>
+              </a:rPr>
+              <a:t>객체 </a:t>
+            </a:r>
+            <a:r>
+              <a:rPr lang="ko-KR" altLang="en-US" dirty="0" err="1">
+                <a:latin typeface="맑은 고딕" panose="020B0503020000020004" pitchFamily="50" charset="-127"/>
+                <a:ea typeface="맑은 고딕" panose="020B0503020000020004" pitchFamily="50" charset="-127"/>
+              </a:rPr>
+              <a:t>입력받아</a:t>
+            </a:r>
+            <a:r>
+              <a:rPr lang="ko-KR" altLang="en-US" dirty="0">
+                <a:latin typeface="맑은 고딕" panose="020B0503020000020004" pitchFamily="50" charset="-127"/>
+                <a:ea typeface="맑은 고딕" panose="020B0503020000020004" pitchFamily="50" charset="-127"/>
+              </a:rPr>
+              <a:t> 출력할 </a:t>
+            </a:r>
+            <a:r>
+              <a:rPr lang="en-US" altLang="ko-KR" dirty="0" err="1">
+                <a:latin typeface="맑은 고딕" panose="020B0503020000020004" pitchFamily="50" charset="-127"/>
+                <a:ea typeface="맑은 고딕" panose="020B0503020000020004" pitchFamily="50" charset="-127"/>
+              </a:rPr>
+              <a:t>UICard</a:t>
+            </a:r>
+            <a:r>
+              <a:rPr lang="en-US" altLang="ko-KR" dirty="0">
                 <a:latin typeface="맑은 고딕" panose="020B0503020000020004" pitchFamily="50" charset="-127"/>
                 <a:ea typeface="맑은 고딕" panose="020B0503020000020004" pitchFamily="50" charset="-127"/>
               </a:rPr>
               <a:t> </a:t>
             </a:r>
             <a:r>
-              <a:rPr lang="ko-KR" altLang="en-US" sz="1400" dirty="0">
+              <a:rPr lang="ko-KR" altLang="en-US" dirty="0">
                 <a:latin typeface="맑은 고딕" panose="020B0503020000020004" pitchFamily="50" charset="-127"/>
                 <a:ea typeface="맑은 고딕" panose="020B0503020000020004" pitchFamily="50" charset="-127"/>
               </a:rPr>
-              <a:t>결과물 예시</a:t>
-            </a:r>
-          </a:p>
-        </p:txBody>
-      </p:sp>
-      <p:cxnSp>
-        <p:nvCxnSpPr>
-          <p:cNvPr id="19" name="직선 연결선 18">
-            <a:extLst>
-              <a:ext uri="{FF2B5EF4-FFF2-40B4-BE49-F238E27FC236}">
-                <a16:creationId xmlns:a16="http://schemas.microsoft.com/office/drawing/2014/main" id="{39203535-A82D-4D3F-A521-515AC84E1C0C}"/>
-              </a:ext>
-            </a:extLst>
-          </p:cNvPr>
-          <p:cNvCxnSpPr>
-            <a:cxnSpLocks/>
-          </p:cNvCxnSpPr>
-          <p:nvPr/>
-        </p:nvCxnSpPr>
-        <p:spPr>
-          <a:xfrm flipH="1">
-            <a:off x="1367162" y="4553831"/>
-            <a:ext cx="603682" cy="158954"/>
-          </a:xfrm>
-          <a:prstGeom prst="line">
-            <a:avLst/>
-          </a:prstGeom>
-          <a:ln w="38100">
-            <a:solidFill>
-              <a:srgbClr val="C00000"/>
-            </a:solidFill>
-          </a:ln>
-        </p:spPr>
-        <p:style>
-          <a:lnRef idx="3">
-            <a:schemeClr val="accent2"/>
-          </a:lnRef>
-          <a:fillRef idx="0">
-            <a:schemeClr val="accent2"/>
-          </a:fillRef>
-          <a:effectRef idx="2">
-            <a:schemeClr val="accent2"/>
-          </a:effectRef>
-          <a:fontRef idx="minor">
-            <a:schemeClr val="tx1"/>
-          </a:fontRef>
-        </p:style>
-      </p:cxnSp>
-      <p:sp>
-        <p:nvSpPr>
-          <p:cNvPr id="20" name="TextBox 19">
-            <a:extLst>
-              <a:ext uri="{FF2B5EF4-FFF2-40B4-BE49-F238E27FC236}">
-                <a16:creationId xmlns:a16="http://schemas.microsoft.com/office/drawing/2014/main" id="{34EB0B3A-167F-461A-B606-7B51FC44F102}"/>
-              </a:ext>
-            </a:extLst>
-          </p:cNvPr>
-          <p:cNvSpPr txBox="1"/>
-          <p:nvPr/>
-        </p:nvSpPr>
-        <p:spPr>
-          <a:xfrm>
-            <a:off x="673963" y="4677406"/>
-            <a:ext cx="1162975" cy="523220"/>
-          </a:xfrm>
-          <a:prstGeom prst="rect">
-            <a:avLst/>
-          </a:prstGeom>
-          <a:noFill/>
-        </p:spPr>
-        <p:txBody>
-          <a:bodyPr wrap="square" rtlCol="0">
-            <a:spAutoFit/>
-          </a:bodyPr>
-          <a:lstStyle/>
-          <a:p>
-            <a:r>
-              <a:rPr lang="en-US" altLang="ko-KR" sz="1400" dirty="0" err="1">
-                <a:latin typeface="맑은 고딕" panose="020B0503020000020004" pitchFamily="50" charset="-127"/>
-                <a:ea typeface="맑은 고딕" panose="020B0503020000020004" pitchFamily="50" charset="-127"/>
-              </a:rPr>
-              <a:t>StrBundle</a:t>
-            </a:r>
-            <a:endParaRPr lang="en-US" altLang="ko-KR" sz="1400" dirty="0">
+              <a:t>객체로 변환</a:t>
+            </a:r>
+            <a:endParaRPr lang="en-US" altLang="ko-KR" dirty="0">
               <a:latin typeface="맑은 고딕" panose="020B0503020000020004" pitchFamily="50" charset="-127"/>
               <a:ea typeface="맑은 고딕" panose="020B0503020000020004" pitchFamily="50" charset="-127"/>
             </a:endParaRPr>
           </a:p>
           <a:p>
             <a:r>
-              <a:rPr lang="ko-KR" altLang="en-US" sz="1400" dirty="0">
+              <a:rPr lang="en-US" altLang="ko-KR" dirty="0">
                 <a:latin typeface="맑은 고딕" panose="020B0503020000020004" pitchFamily="50" charset="-127"/>
                 <a:ea typeface="맑은 고딕" panose="020B0503020000020004" pitchFamily="50" charset="-127"/>
               </a:rPr>
-              <a:t>결과물 예시</a:t>
+              <a:t>	</a:t>
+            </a:r>
+            <a:endParaRPr lang="ko-KR" altLang="en-US" dirty="0">
+              <a:latin typeface="맑은 고딕" panose="020B0503020000020004" pitchFamily="50" charset="-127"/>
+              <a:ea typeface="맑은 고딕" panose="020B0503020000020004" pitchFamily="50" charset="-127"/>
+            </a:endParaRPr>
+          </a:p>
+          <a:p>
+            <a:r>
+              <a:rPr lang="en-US" altLang="ko-KR" dirty="0" err="1">
+                <a:latin typeface="맑은 고딕" panose="020B0503020000020004" pitchFamily="50" charset="-127"/>
+                <a:ea typeface="맑은 고딕" panose="020B0503020000020004" pitchFamily="50" charset="-127"/>
+              </a:rPr>
+              <a:t>UIStrFactory</a:t>
+            </a:r>
+            <a:r>
+              <a:rPr lang="en-US" altLang="ko-KR" dirty="0">
+                <a:latin typeface="맑은 고딕" panose="020B0503020000020004" pitchFamily="50" charset="-127"/>
+                <a:ea typeface="맑은 고딕" panose="020B0503020000020004" pitchFamily="50" charset="-127"/>
+              </a:rPr>
+              <a:t>: </a:t>
+            </a:r>
+            <a:r>
+              <a:rPr lang="ko-KR" altLang="en-US" dirty="0">
+                <a:latin typeface="맑은 고딕" panose="020B0503020000020004" pitchFamily="50" charset="-127"/>
+                <a:ea typeface="맑은 고딕" panose="020B0503020000020004" pitchFamily="50" charset="-127"/>
+              </a:rPr>
+              <a:t>문자열을 여러가지 형태의 객체로 </a:t>
+            </a:r>
+            <a:r>
+              <a:rPr lang="ko-KR" altLang="en-US" dirty="0" err="1">
+                <a:latin typeface="맑은 고딕" panose="020B0503020000020004" pitchFamily="50" charset="-127"/>
+                <a:ea typeface="맑은 고딕" panose="020B0503020000020004" pitchFamily="50" charset="-127"/>
+              </a:rPr>
+              <a:t>만들어줌</a:t>
+            </a:r>
+            <a:r>
+              <a:rPr lang="en-US" altLang="ko-KR" dirty="0">
+                <a:latin typeface="맑은 고딕" panose="020B0503020000020004" pitchFamily="50" charset="-127"/>
+                <a:ea typeface="맑은 고딕" panose="020B0503020000020004" pitchFamily="50" charset="-127"/>
+              </a:rPr>
+              <a:t>.</a:t>
+            </a:r>
+          </a:p>
+          <a:p>
+            <a:r>
+              <a:rPr lang="en-US" altLang="ko-KR" dirty="0">
+                <a:latin typeface="맑은 고딕" panose="020B0503020000020004" pitchFamily="50" charset="-127"/>
+                <a:ea typeface="맑은 고딕" panose="020B0503020000020004" pitchFamily="50" charset="-127"/>
+              </a:rPr>
+              <a:t>	</a:t>
+            </a:r>
+            <a:r>
+              <a:rPr lang="en-US" altLang="ko-KR" dirty="0" err="1">
+                <a:latin typeface="맑은 고딕" panose="020B0503020000020004" pitchFamily="50" charset="-127"/>
+                <a:ea typeface="맑은 고딕" panose="020B0503020000020004" pitchFamily="50" charset="-127"/>
+              </a:rPr>
+              <a:t>UIStr</a:t>
+            </a:r>
+            <a:r>
+              <a:rPr lang="en-US" altLang="ko-KR" dirty="0">
+                <a:latin typeface="맑은 고딕" panose="020B0503020000020004" pitchFamily="50" charset="-127"/>
+                <a:ea typeface="맑은 고딕" panose="020B0503020000020004" pitchFamily="50" charset="-127"/>
+              </a:rPr>
+              <a:t>, </a:t>
+            </a:r>
+            <a:r>
+              <a:rPr lang="en-US" altLang="ko-KR" dirty="0" err="1">
+                <a:latin typeface="맑은 고딕" panose="020B0503020000020004" pitchFamily="50" charset="-127"/>
+                <a:ea typeface="맑은 고딕" panose="020B0503020000020004" pitchFamily="50" charset="-127"/>
+              </a:rPr>
+              <a:t>UIBorderStr</a:t>
+            </a:r>
+            <a:r>
+              <a:rPr lang="en-US" altLang="ko-KR" dirty="0">
+                <a:latin typeface="맑은 고딕" panose="020B0503020000020004" pitchFamily="50" charset="-127"/>
+                <a:ea typeface="맑은 고딕" panose="020B0503020000020004" pitchFamily="50" charset="-127"/>
+              </a:rPr>
+              <a:t> </a:t>
+            </a:r>
+            <a:r>
+              <a:rPr lang="ko-KR" altLang="en-US" dirty="0">
+                <a:latin typeface="맑은 고딕" panose="020B0503020000020004" pitchFamily="50" charset="-127"/>
+                <a:ea typeface="맑은 고딕" panose="020B0503020000020004" pitchFamily="50" charset="-127"/>
+              </a:rPr>
+              <a:t>을 반환</a:t>
+            </a:r>
+            <a:r>
+              <a:rPr lang="en-US" altLang="ko-KR" dirty="0">
+                <a:latin typeface="맑은 고딕" panose="020B0503020000020004" pitchFamily="50" charset="-127"/>
+                <a:ea typeface="맑은 고딕" panose="020B0503020000020004" pitchFamily="50" charset="-127"/>
+              </a:rPr>
+              <a:t>.</a:t>
+            </a:r>
+          </a:p>
+          <a:p>
+            <a:endParaRPr lang="en-US" altLang="ko-KR" dirty="0">
+              <a:latin typeface="맑은 고딕" panose="020B0503020000020004" pitchFamily="50" charset="-127"/>
+              <a:ea typeface="맑은 고딕" panose="020B0503020000020004" pitchFamily="50" charset="-127"/>
+            </a:endParaRPr>
+          </a:p>
+          <a:p>
+            <a:r>
+              <a:rPr lang="en-US" altLang="ko-KR" dirty="0" err="1">
+                <a:latin typeface="맑은 고딕" panose="020B0503020000020004" pitchFamily="50" charset="-127"/>
+                <a:ea typeface="맑은 고딕" panose="020B0503020000020004" pitchFamily="50" charset="-127"/>
+              </a:rPr>
+              <a:t>BoardComposer</a:t>
+            </a:r>
+            <a:r>
+              <a:rPr lang="en-US" altLang="ko-KR" dirty="0">
+                <a:latin typeface="맑은 고딕" panose="020B0503020000020004" pitchFamily="50" charset="-127"/>
+                <a:ea typeface="맑은 고딕" panose="020B0503020000020004" pitchFamily="50" charset="-127"/>
+              </a:rPr>
+              <a:t>:</a:t>
+            </a:r>
+            <a:r>
+              <a:rPr lang="ko-KR" altLang="en-US" dirty="0">
+                <a:latin typeface="맑은 고딕" panose="020B0503020000020004" pitchFamily="50" charset="-127"/>
+                <a:ea typeface="맑은 고딕" panose="020B0503020000020004" pitchFamily="50" charset="-127"/>
+              </a:rPr>
+              <a:t> </a:t>
+            </a:r>
+            <a:r>
+              <a:rPr lang="en-US" altLang="ko-KR" dirty="0">
+                <a:latin typeface="맑은 고딕" panose="020B0503020000020004" pitchFamily="50" charset="-127"/>
+                <a:ea typeface="맑은 고딕" panose="020B0503020000020004" pitchFamily="50" charset="-127"/>
+              </a:rPr>
+              <a:t>Board</a:t>
+            </a:r>
+            <a:r>
+              <a:rPr lang="ko-KR" altLang="en-US" dirty="0">
+                <a:latin typeface="맑은 고딕" panose="020B0503020000020004" pitchFamily="50" charset="-127"/>
+                <a:ea typeface="맑은 고딕" panose="020B0503020000020004" pitchFamily="50" charset="-127"/>
+              </a:rPr>
+              <a:t>를 위한 </a:t>
+            </a:r>
+            <a:r>
+              <a:rPr lang="en-US" altLang="ko-KR" dirty="0">
+                <a:latin typeface="맑은 고딕" panose="020B0503020000020004" pitchFamily="50" charset="-127"/>
+                <a:ea typeface="맑은 고딕" panose="020B0503020000020004" pitchFamily="50" charset="-127"/>
+              </a:rPr>
+              <a:t>Board</a:t>
+            </a:r>
+            <a:r>
+              <a:rPr lang="ko-KR" altLang="en-US" dirty="0">
+                <a:latin typeface="맑은 고딕" panose="020B0503020000020004" pitchFamily="50" charset="-127"/>
+                <a:ea typeface="맑은 고딕" panose="020B0503020000020004" pitchFamily="50" charset="-127"/>
+              </a:rPr>
+              <a:t> 너비에 맞춰 문자열 객체를 제작</a:t>
+            </a:r>
+            <a:r>
+              <a:rPr lang="en-US" altLang="ko-KR" dirty="0">
+                <a:latin typeface="맑은 고딕" panose="020B0503020000020004" pitchFamily="50" charset="-127"/>
+                <a:ea typeface="맑은 고딕" panose="020B0503020000020004" pitchFamily="50" charset="-127"/>
+              </a:rPr>
+              <a:t>.</a:t>
+            </a:r>
+          </a:p>
+          <a:p>
+            <a:r>
+              <a:rPr lang="en-US" altLang="ko-KR" dirty="0">
+                <a:latin typeface="맑은 고딕" panose="020B0503020000020004" pitchFamily="50" charset="-127"/>
+                <a:ea typeface="맑은 고딕" panose="020B0503020000020004" pitchFamily="50" charset="-127"/>
+              </a:rPr>
+              <a:t>	- </a:t>
+            </a:r>
+            <a:r>
+              <a:rPr lang="en-US" altLang="ko-KR" dirty="0" err="1">
+                <a:latin typeface="맑은 고딕" panose="020B0503020000020004" pitchFamily="50" charset="-127"/>
+                <a:ea typeface="맑은 고딕" panose="020B0503020000020004" pitchFamily="50" charset="-127"/>
+              </a:rPr>
+              <a:t>IUIBlock</a:t>
+            </a:r>
+            <a:r>
+              <a:rPr lang="ko-KR" altLang="en-US" dirty="0">
+                <a:latin typeface="맑은 고딕" panose="020B0503020000020004" pitchFamily="50" charset="-127"/>
+                <a:ea typeface="맑은 고딕" panose="020B0503020000020004" pitchFamily="50" charset="-127"/>
+              </a:rPr>
+              <a:t>들을 받아서 </a:t>
+            </a:r>
+            <a:r>
+              <a:rPr lang="en-US" altLang="ko-KR" dirty="0" err="1">
+                <a:latin typeface="맑은 고딕" panose="020B0503020000020004" pitchFamily="50" charset="-127"/>
+                <a:ea typeface="맑은 고딕" panose="020B0503020000020004" pitchFamily="50" charset="-127"/>
+              </a:rPr>
+              <a:t>UIBlockBundle</a:t>
+            </a:r>
+            <a:r>
+              <a:rPr lang="ko-KR" altLang="en-US" dirty="0">
+                <a:latin typeface="맑은 고딕" panose="020B0503020000020004" pitchFamily="50" charset="-127"/>
+                <a:ea typeface="맑은 고딕" panose="020B0503020000020004" pitchFamily="50" charset="-127"/>
+              </a:rPr>
+              <a:t>을 리턴</a:t>
+            </a:r>
+            <a:r>
+              <a:rPr lang="en-US" altLang="ko-KR" dirty="0">
+                <a:latin typeface="맑은 고딕" panose="020B0503020000020004" pitchFamily="50" charset="-127"/>
+                <a:ea typeface="맑은 고딕" panose="020B0503020000020004" pitchFamily="50" charset="-127"/>
+              </a:rPr>
+              <a:t>.</a:t>
+            </a:r>
+          </a:p>
+          <a:p>
+            <a:r>
+              <a:rPr lang="en-US" altLang="ko-KR" dirty="0">
+                <a:latin typeface="맑은 고딕" panose="020B0503020000020004" pitchFamily="50" charset="-127"/>
+                <a:ea typeface="맑은 고딕" panose="020B0503020000020004" pitchFamily="50" charset="-127"/>
+              </a:rPr>
+              <a:t>	- </a:t>
+            </a:r>
+            <a:r>
+              <a:rPr lang="en-US" altLang="ko-KR" dirty="0" err="1">
+                <a:latin typeface="맑은 고딕" panose="020B0503020000020004" pitchFamily="50" charset="-127"/>
+                <a:ea typeface="맑은 고딕" panose="020B0503020000020004" pitchFamily="50" charset="-127"/>
+              </a:rPr>
+              <a:t>IUIStr</a:t>
+            </a:r>
+            <a:r>
+              <a:rPr lang="ko-KR" altLang="en-US" dirty="0">
+                <a:latin typeface="맑은 고딕" panose="020B0503020000020004" pitchFamily="50" charset="-127"/>
+                <a:ea typeface="맑은 고딕" panose="020B0503020000020004" pitchFamily="50" charset="-127"/>
+              </a:rPr>
+              <a:t>들을 받아서 </a:t>
+            </a:r>
+            <a:r>
+              <a:rPr lang="en-US" altLang="ko-KR" dirty="0" err="1">
+                <a:latin typeface="맑은 고딕" panose="020B0503020000020004" pitchFamily="50" charset="-127"/>
+                <a:ea typeface="맑은 고딕" panose="020B0503020000020004" pitchFamily="50" charset="-127"/>
+              </a:rPr>
+              <a:t>UIStrBundle</a:t>
+            </a:r>
+            <a:r>
+              <a:rPr lang="ko-KR" altLang="en-US" dirty="0">
+                <a:latin typeface="맑은 고딕" panose="020B0503020000020004" pitchFamily="50" charset="-127"/>
+                <a:ea typeface="맑은 고딕" panose="020B0503020000020004" pitchFamily="50" charset="-127"/>
+              </a:rPr>
+              <a:t>을 리턴</a:t>
+            </a:r>
+            <a:r>
+              <a:rPr lang="en-US" altLang="ko-KR" dirty="0">
+                <a:latin typeface="맑은 고딕" panose="020B0503020000020004" pitchFamily="50" charset="-127"/>
+                <a:ea typeface="맑은 고딕" panose="020B0503020000020004" pitchFamily="50" charset="-127"/>
+              </a:rPr>
+              <a:t>..</a:t>
             </a:r>
           </a:p>
         </p:txBody>
@@ -19982,7 +20144,7 @@
     </p:spTree>
     <p:extLst>
       <p:ext uri="{BB962C8B-B14F-4D97-AF65-F5344CB8AC3E}">
-        <p14:creationId xmlns:p14="http://schemas.microsoft.com/office/powerpoint/2010/main" val="3907794223"/>
+        <p14:creationId xmlns:p14="http://schemas.microsoft.com/office/powerpoint/2010/main" val="2015972122"/>
       </p:ext>
     </p:extLst>
   </p:cSld>
@@ -20146,9 +20308,18 @@
           <a:p>
             <a:pPr rtl="0"/>
             <a:r>
-              <a:rPr lang="ko-KR" altLang="en-US" b="1" dirty="0"/>
-              <a:t>전체 흐름도</a:t>
-            </a:r>
+              <a:rPr lang="en-US" altLang="ko-KR" b="1" dirty="0" err="1"/>
+              <a:t>BoardComposer</a:t>
+            </a:r>
+            <a:r>
+              <a:rPr lang="en-US" altLang="ko-KR" b="1" dirty="0"/>
+              <a:t> </a:t>
+            </a:r>
+            <a:r>
+              <a:rPr lang="ko-KR" altLang="en-US" b="1" dirty="0" err="1"/>
+              <a:t>결과예시</a:t>
+            </a:r>
+            <a:endParaRPr lang="ko-KR" altLang="en-US" b="1" dirty="0"/>
           </a:p>
         </p:txBody>
       </p:sp>
@@ -20157,7 +20328,7 @@
           <p:cNvPr id="4" name="그림 3">
             <a:extLst>
               <a:ext uri="{FF2B5EF4-FFF2-40B4-BE49-F238E27FC236}">
-                <a16:creationId xmlns:a16="http://schemas.microsoft.com/office/drawing/2014/main" id="{526DD9E8-DFBE-47C2-82B3-BE8270E311ED}"/>
+                <a16:creationId xmlns:a16="http://schemas.microsoft.com/office/drawing/2014/main" id="{16EEBC19-3520-4620-80D2-7552B07FA179}"/>
               </a:ext>
             </a:extLst>
           </p:cNvPr>
@@ -20174,18 +20345,311 @@
         </p:blipFill>
         <p:spPr>
           <a:xfrm>
-            <a:off x="3581399" y="947737"/>
-            <a:ext cx="5029200" cy="4962525"/>
+            <a:off x="1873050" y="1856356"/>
+            <a:ext cx="9280402" cy="3270478"/>
           </a:xfrm>
           <a:prstGeom prst="rect">
             <a:avLst/>
           </a:prstGeom>
         </p:spPr>
       </p:pic>
+      <p:sp>
+        <p:nvSpPr>
+          <p:cNvPr id="12" name="직사각형 11">
+            <a:extLst>
+              <a:ext uri="{FF2B5EF4-FFF2-40B4-BE49-F238E27FC236}">
+                <a16:creationId xmlns:a16="http://schemas.microsoft.com/office/drawing/2014/main" id="{1CD1C5C6-9A66-4DA4-9636-66EDC6C5F681}"/>
+              </a:ext>
+            </a:extLst>
+          </p:cNvPr>
+          <p:cNvSpPr/>
+          <p:nvPr/>
+        </p:nvSpPr>
+        <p:spPr>
+          <a:xfrm>
+            <a:off x="1970843" y="2121761"/>
+            <a:ext cx="9099611" cy="532661"/>
+          </a:xfrm>
+          <a:prstGeom prst="rect">
+            <a:avLst/>
+          </a:prstGeom>
+          <a:noFill/>
+          <a:ln w="38100">
+            <a:solidFill>
+              <a:srgbClr val="C00000"/>
+            </a:solidFill>
+          </a:ln>
+        </p:spPr>
+        <p:style>
+          <a:lnRef idx="2">
+            <a:schemeClr val="accent1">
+              <a:shade val="15000"/>
+            </a:schemeClr>
+          </a:lnRef>
+          <a:fillRef idx="1">
+            <a:schemeClr val="accent1"/>
+          </a:fillRef>
+          <a:effectRef idx="0">
+            <a:schemeClr val="accent1"/>
+          </a:effectRef>
+          <a:fontRef idx="minor">
+            <a:schemeClr val="lt1"/>
+          </a:fontRef>
+        </p:style>
+        <p:txBody>
+          <a:bodyPr rtlCol="0" anchor="ctr"/>
+          <a:lstStyle/>
+          <a:p>
+            <a:pPr algn="ctr"/>
+            <a:endParaRPr lang="ko-KR" altLang="en-US"/>
+          </a:p>
+        </p:txBody>
+      </p:sp>
+      <p:sp>
+        <p:nvSpPr>
+          <p:cNvPr id="13" name="직사각형 12">
+            <a:extLst>
+              <a:ext uri="{FF2B5EF4-FFF2-40B4-BE49-F238E27FC236}">
+                <a16:creationId xmlns:a16="http://schemas.microsoft.com/office/drawing/2014/main" id="{DE872457-5F2A-4521-AC09-B0967EC13408}"/>
+              </a:ext>
+            </a:extLst>
+          </p:cNvPr>
+          <p:cNvSpPr/>
+          <p:nvPr/>
+        </p:nvSpPr>
+        <p:spPr>
+          <a:xfrm>
+            <a:off x="1963444" y="4358934"/>
+            <a:ext cx="9099611" cy="276689"/>
+          </a:xfrm>
+          <a:prstGeom prst="rect">
+            <a:avLst/>
+          </a:prstGeom>
+          <a:noFill/>
+          <a:ln w="38100">
+            <a:solidFill>
+              <a:srgbClr val="C00000"/>
+            </a:solidFill>
+          </a:ln>
+        </p:spPr>
+        <p:style>
+          <a:lnRef idx="2">
+            <a:schemeClr val="accent1">
+              <a:shade val="15000"/>
+            </a:schemeClr>
+          </a:lnRef>
+          <a:fillRef idx="1">
+            <a:schemeClr val="accent1"/>
+          </a:fillRef>
+          <a:effectRef idx="0">
+            <a:schemeClr val="accent1"/>
+          </a:effectRef>
+          <a:fontRef idx="minor">
+            <a:schemeClr val="lt1"/>
+          </a:fontRef>
+        </p:style>
+        <p:txBody>
+          <a:bodyPr rtlCol="0" anchor="ctr"/>
+          <a:lstStyle/>
+          <a:p>
+            <a:pPr algn="ctr"/>
+            <a:endParaRPr lang="ko-KR" altLang="en-US"/>
+          </a:p>
+        </p:txBody>
+      </p:sp>
+      <p:cxnSp>
+        <p:nvCxnSpPr>
+          <p:cNvPr id="17" name="직선 연결선 16">
+            <a:extLst>
+              <a:ext uri="{FF2B5EF4-FFF2-40B4-BE49-F238E27FC236}">
+                <a16:creationId xmlns:a16="http://schemas.microsoft.com/office/drawing/2014/main" id="{73B8DE11-31F3-4176-AF9A-8B2D090CDFE9}"/>
+              </a:ext>
+            </a:extLst>
+          </p:cNvPr>
+          <p:cNvCxnSpPr>
+            <a:cxnSpLocks/>
+          </p:cNvCxnSpPr>
+          <p:nvPr/>
+        </p:nvCxnSpPr>
+        <p:spPr>
+          <a:xfrm flipH="1">
+            <a:off x="3737500" y="1614728"/>
+            <a:ext cx="578471" cy="484688"/>
+          </a:xfrm>
+          <a:prstGeom prst="line">
+            <a:avLst/>
+          </a:prstGeom>
+          <a:ln w="38100">
+            <a:solidFill>
+              <a:srgbClr val="C00000"/>
+            </a:solidFill>
+          </a:ln>
+        </p:spPr>
+        <p:style>
+          <a:lnRef idx="3">
+            <a:schemeClr val="accent2"/>
+          </a:lnRef>
+          <a:fillRef idx="0">
+            <a:schemeClr val="accent2"/>
+          </a:fillRef>
+          <a:effectRef idx="2">
+            <a:schemeClr val="accent2"/>
+          </a:effectRef>
+          <a:fontRef idx="minor">
+            <a:schemeClr val="tx1"/>
+          </a:fontRef>
+        </p:style>
+      </p:cxnSp>
+      <p:sp>
+        <p:nvSpPr>
+          <p:cNvPr id="18" name="TextBox 17">
+            <a:extLst>
+              <a:ext uri="{FF2B5EF4-FFF2-40B4-BE49-F238E27FC236}">
+                <a16:creationId xmlns:a16="http://schemas.microsoft.com/office/drawing/2014/main" id="{01AD25F6-26AB-4B9A-9EF8-E2C3D32E77A5}"/>
+              </a:ext>
+            </a:extLst>
+          </p:cNvPr>
+          <p:cNvSpPr txBox="1"/>
+          <p:nvPr/>
+        </p:nvSpPr>
+        <p:spPr>
+          <a:xfrm>
+            <a:off x="4290096" y="1388027"/>
+            <a:ext cx="2758774" cy="307777"/>
+          </a:xfrm>
+          <a:prstGeom prst="rect">
+            <a:avLst/>
+          </a:prstGeom>
+          <a:noFill/>
+        </p:spPr>
+        <p:txBody>
+          <a:bodyPr wrap="square" rtlCol="0">
+            <a:spAutoFit/>
+          </a:bodyPr>
+          <a:lstStyle/>
+          <a:p>
+            <a:r>
+              <a:rPr lang="en-US" altLang="ko-KR" sz="1400" dirty="0" err="1">
+                <a:latin typeface="맑은 고딕" panose="020B0503020000020004" pitchFamily="50" charset="-127"/>
+                <a:ea typeface="맑은 고딕" panose="020B0503020000020004" pitchFamily="50" charset="-127"/>
+              </a:rPr>
+              <a:t>BlockBundle</a:t>
+            </a:r>
+            <a:r>
+              <a:rPr lang="en-US" altLang="ko-KR" sz="1400" dirty="0">
+                <a:latin typeface="맑은 고딕" panose="020B0503020000020004" pitchFamily="50" charset="-127"/>
+                <a:ea typeface="맑은 고딕" panose="020B0503020000020004" pitchFamily="50" charset="-127"/>
+              </a:rPr>
+              <a:t> </a:t>
+            </a:r>
+            <a:r>
+              <a:rPr lang="ko-KR" altLang="en-US" sz="1400" dirty="0">
+                <a:latin typeface="맑은 고딕" panose="020B0503020000020004" pitchFamily="50" charset="-127"/>
+                <a:ea typeface="맑은 고딕" panose="020B0503020000020004" pitchFamily="50" charset="-127"/>
+              </a:rPr>
+              <a:t>결과물 예시</a:t>
+            </a:r>
+          </a:p>
+        </p:txBody>
+      </p:sp>
+      <p:cxnSp>
+        <p:nvCxnSpPr>
+          <p:cNvPr id="19" name="직선 연결선 18">
+            <a:extLst>
+              <a:ext uri="{FF2B5EF4-FFF2-40B4-BE49-F238E27FC236}">
+                <a16:creationId xmlns:a16="http://schemas.microsoft.com/office/drawing/2014/main" id="{39203535-A82D-4D3F-A521-515AC84E1C0C}"/>
+              </a:ext>
+            </a:extLst>
+          </p:cNvPr>
+          <p:cNvCxnSpPr>
+            <a:cxnSpLocks/>
+          </p:cNvCxnSpPr>
+          <p:nvPr/>
+        </p:nvCxnSpPr>
+        <p:spPr>
+          <a:xfrm flipH="1">
+            <a:off x="1367162" y="4553831"/>
+            <a:ext cx="603682" cy="158954"/>
+          </a:xfrm>
+          <a:prstGeom prst="line">
+            <a:avLst/>
+          </a:prstGeom>
+          <a:ln w="38100">
+            <a:solidFill>
+              <a:srgbClr val="C00000"/>
+            </a:solidFill>
+          </a:ln>
+        </p:spPr>
+        <p:style>
+          <a:lnRef idx="3">
+            <a:schemeClr val="accent2"/>
+          </a:lnRef>
+          <a:fillRef idx="0">
+            <a:schemeClr val="accent2"/>
+          </a:fillRef>
+          <a:effectRef idx="2">
+            <a:schemeClr val="accent2"/>
+          </a:effectRef>
+          <a:fontRef idx="minor">
+            <a:schemeClr val="tx1"/>
+          </a:fontRef>
+        </p:style>
+      </p:cxnSp>
+      <p:sp>
+        <p:nvSpPr>
+          <p:cNvPr id="20" name="TextBox 19">
+            <a:extLst>
+              <a:ext uri="{FF2B5EF4-FFF2-40B4-BE49-F238E27FC236}">
+                <a16:creationId xmlns:a16="http://schemas.microsoft.com/office/drawing/2014/main" id="{34EB0B3A-167F-461A-B606-7B51FC44F102}"/>
+              </a:ext>
+            </a:extLst>
+          </p:cNvPr>
+          <p:cNvSpPr txBox="1"/>
+          <p:nvPr/>
+        </p:nvSpPr>
+        <p:spPr>
+          <a:xfrm>
+            <a:off x="673963" y="4677406"/>
+            <a:ext cx="1162975" cy="523220"/>
+          </a:xfrm>
+          <a:prstGeom prst="rect">
+            <a:avLst/>
+          </a:prstGeom>
+          <a:noFill/>
+        </p:spPr>
+        <p:txBody>
+          <a:bodyPr wrap="square" rtlCol="0">
+            <a:spAutoFit/>
+          </a:bodyPr>
+          <a:lstStyle/>
+          <a:p>
+            <a:r>
+              <a:rPr lang="en-US" altLang="ko-KR" sz="1400" dirty="0" err="1">
+                <a:latin typeface="맑은 고딕" panose="020B0503020000020004" pitchFamily="50" charset="-127"/>
+                <a:ea typeface="맑은 고딕" panose="020B0503020000020004" pitchFamily="50" charset="-127"/>
+              </a:rPr>
+              <a:t>StrBundle</a:t>
+            </a:r>
+            <a:endParaRPr lang="en-US" altLang="ko-KR" sz="1400" dirty="0">
+              <a:latin typeface="맑은 고딕" panose="020B0503020000020004" pitchFamily="50" charset="-127"/>
+              <a:ea typeface="맑은 고딕" panose="020B0503020000020004" pitchFamily="50" charset="-127"/>
+            </a:endParaRPr>
+          </a:p>
+          <a:p>
+            <a:r>
+              <a:rPr lang="ko-KR" altLang="en-US" sz="1400" dirty="0">
+                <a:latin typeface="맑은 고딕" panose="020B0503020000020004" pitchFamily="50" charset="-127"/>
+                <a:ea typeface="맑은 고딕" panose="020B0503020000020004" pitchFamily="50" charset="-127"/>
+              </a:rPr>
+              <a:t>결과물 예시</a:t>
+            </a:r>
+          </a:p>
+        </p:txBody>
+      </p:sp>
     </p:spTree>
     <p:extLst>
       <p:ext uri="{BB962C8B-B14F-4D97-AF65-F5344CB8AC3E}">
-        <p14:creationId xmlns:p14="http://schemas.microsoft.com/office/powerpoint/2010/main" val="1404585613"/>
+        <p14:creationId xmlns:p14="http://schemas.microsoft.com/office/powerpoint/2010/main" val="3907794223"/>
       </p:ext>
     </p:extLst>
   </p:cSld>
@@ -20212,163 +20676,12 @@
           <a:chExt cx="0" cy="0"/>
         </a:xfrm>
       </p:grpSpPr>
-      <p:sp>
-        <p:nvSpPr>
-          <p:cNvPr id="9" name="날짜 개체 틀 8">
-            <a:extLst>
-              <a:ext uri="{FF2B5EF4-FFF2-40B4-BE49-F238E27FC236}">
-                <a16:creationId xmlns:a16="http://schemas.microsoft.com/office/drawing/2014/main" id="{7B78F7A0-88C5-4940-B21C-099F472F39F9}"/>
-              </a:ext>
-            </a:extLst>
-          </p:cNvPr>
-          <p:cNvSpPr>
-            <a:spLocks noGrp="1"/>
-          </p:cNvSpPr>
-          <p:nvPr>
-            <p:ph type="dt" sz="half" idx="10"/>
-          </p:nvPr>
-        </p:nvSpPr>
-        <p:spPr>
-          <a:xfrm>
-            <a:off x="838200" y="6356350"/>
-            <a:ext cx="2743200" cy="365125"/>
-          </a:xfrm>
-        </p:spPr>
-        <p:txBody>
-          <a:bodyPr rtlCol="0"/>
-          <a:lstStyle/>
-          <a:p>
-            <a:pPr rtl="0"/>
-            <a:r>
-              <a:rPr lang="en-US" altLang="ko-KR"/>
-              <a:t>20XX</a:t>
-            </a:r>
-            <a:r>
-              <a:rPr lang="ko-KR" altLang="en-US"/>
-              <a:t>년</a:t>
-            </a:r>
-            <a:endParaRPr lang="ko-KR" altLang="en-US" dirty="0"/>
-          </a:p>
-        </p:txBody>
-      </p:sp>
-      <p:sp>
-        <p:nvSpPr>
-          <p:cNvPr id="10" name="바닥글 개체 틀 9">
-            <a:extLst>
-              <a:ext uri="{FF2B5EF4-FFF2-40B4-BE49-F238E27FC236}">
-                <a16:creationId xmlns:a16="http://schemas.microsoft.com/office/drawing/2014/main" id="{D2186069-FC8E-433D-9BB4-942220CE8CFB}"/>
-              </a:ext>
-            </a:extLst>
-          </p:cNvPr>
-          <p:cNvSpPr>
-            <a:spLocks noGrp="1"/>
-          </p:cNvSpPr>
-          <p:nvPr>
-            <p:ph type="ftr" sz="quarter" idx="11"/>
-          </p:nvPr>
-        </p:nvSpPr>
-        <p:spPr>
-          <a:xfrm>
-            <a:off x="4038600" y="6356350"/>
-            <a:ext cx="4114800" cy="365125"/>
-          </a:xfrm>
-        </p:spPr>
-        <p:txBody>
-          <a:bodyPr rtlCol="0"/>
-          <a:lstStyle/>
-          <a:p>
-            <a:pPr rtl="0"/>
-            <a:r>
-              <a:rPr lang="ko-KR" altLang="en-US" dirty="0"/>
-              <a:t>설명 자료</a:t>
-            </a:r>
-          </a:p>
-        </p:txBody>
-      </p:sp>
-      <p:sp>
-        <p:nvSpPr>
-          <p:cNvPr id="11" name="슬라이드 번호 개체 틀 10">
-            <a:extLst>
-              <a:ext uri="{FF2B5EF4-FFF2-40B4-BE49-F238E27FC236}">
-                <a16:creationId xmlns:a16="http://schemas.microsoft.com/office/drawing/2014/main" id="{BAD5B6F4-0A90-447A-A1AE-D75C934B6B29}"/>
-              </a:ext>
-            </a:extLst>
-          </p:cNvPr>
-          <p:cNvSpPr>
-            <a:spLocks noGrp="1"/>
-          </p:cNvSpPr>
-          <p:nvPr>
-            <p:ph type="sldNum" sz="quarter" idx="12"/>
-          </p:nvPr>
-        </p:nvSpPr>
-        <p:spPr>
-          <a:xfrm>
-            <a:off x="8610600" y="6356350"/>
-            <a:ext cx="2743200" cy="365125"/>
-          </a:xfrm>
-        </p:spPr>
-        <p:txBody>
-          <a:bodyPr rtlCol="0"/>
-          <a:lstStyle/>
-          <a:p>
-            <a:pPr rtl="0"/>
-            <a:fld id="{B5CEABB6-07DC-46E8-9B57-56EC44A396E5}" type="slidenum">
-              <a:rPr lang="en-US" altLang="ko-KR" smtClean="0"/>
-              <a:pPr rtl="0"/>
-              <a:t>14</a:t>
-            </a:fld>
-            <a:endParaRPr lang="ko-KR" altLang="en-US" dirty="0"/>
-          </a:p>
-        </p:txBody>
-      </p:sp>
-      <p:sp>
-        <p:nvSpPr>
-          <p:cNvPr id="15" name="제목 1">
-            <a:extLst>
-              <a:ext uri="{FF2B5EF4-FFF2-40B4-BE49-F238E27FC236}">
-                <a16:creationId xmlns:a16="http://schemas.microsoft.com/office/drawing/2014/main" id="{A6B5231E-4F86-DA8D-5717-6BCB83B081D8}"/>
-              </a:ext>
-            </a:extLst>
-          </p:cNvPr>
-          <p:cNvSpPr>
-            <a:spLocks noGrp="1"/>
-          </p:cNvSpPr>
-          <p:nvPr>
-            <p:ph type="title"/>
-          </p:nvPr>
-        </p:nvSpPr>
-        <p:spPr>
-          <a:xfrm>
-            <a:off x="2936557" y="130829"/>
-            <a:ext cx="6318885" cy="642252"/>
-          </a:xfrm>
-        </p:spPr>
-        <p:txBody>
-          <a:bodyPr rtlCol="0"/>
-          <a:lstStyle/>
-          <a:p>
-            <a:pPr rtl="0"/>
-            <a:r>
-              <a:rPr lang="ko-KR" altLang="en-US" b="1" dirty="0"/>
-              <a:t>플레이어 </a:t>
-            </a:r>
-            <a:r>
-              <a:rPr lang="en-US" altLang="ko-KR" b="1" dirty="0"/>
-              <a:t>turn </a:t>
-            </a:r>
-            <a:r>
-              <a:rPr lang="ko-KR" altLang="en-US" b="1" dirty="0"/>
-              <a:t>상세 흐름</a:t>
-            </a:r>
-          </a:p>
-        </p:txBody>
-      </p:sp>
       <p:pic>
         <p:nvPicPr>
           <p:cNvPr id="3" name="그림 2">
             <a:extLst>
               <a:ext uri="{FF2B5EF4-FFF2-40B4-BE49-F238E27FC236}">
-                <a16:creationId xmlns:a16="http://schemas.microsoft.com/office/drawing/2014/main" id="{6E856641-E3B0-4838-B37E-26A69AACCED5}"/>
+                <a16:creationId xmlns:a16="http://schemas.microsoft.com/office/drawing/2014/main" id="{D3AE61EF-D11E-ACE3-E7BB-A596916C99DA}"/>
               </a:ext>
             </a:extLst>
           </p:cNvPr>
@@ -20385,18 +20698,161 @@
         </p:blipFill>
         <p:spPr>
           <a:xfrm>
-            <a:off x="2638424" y="1519237"/>
-            <a:ext cx="6915150" cy="3819525"/>
+            <a:off x="3581399" y="947736"/>
+            <a:ext cx="5029200" cy="4962525"/>
           </a:xfrm>
           <a:prstGeom prst="rect">
             <a:avLst/>
           </a:prstGeom>
         </p:spPr>
       </p:pic>
+      <p:sp>
+        <p:nvSpPr>
+          <p:cNvPr id="9" name="날짜 개체 틀 8">
+            <a:extLst>
+              <a:ext uri="{FF2B5EF4-FFF2-40B4-BE49-F238E27FC236}">
+                <a16:creationId xmlns:a16="http://schemas.microsoft.com/office/drawing/2014/main" id="{7B78F7A0-88C5-4940-B21C-099F472F39F9}"/>
+              </a:ext>
+            </a:extLst>
+          </p:cNvPr>
+          <p:cNvSpPr>
+            <a:spLocks noGrp="1"/>
+          </p:cNvSpPr>
+          <p:nvPr>
+            <p:ph type="dt" sz="half" idx="10"/>
+          </p:nvPr>
+        </p:nvSpPr>
+        <p:spPr>
+          <a:xfrm>
+            <a:off x="838200" y="6356350"/>
+            <a:ext cx="2743200" cy="365125"/>
+          </a:xfrm>
+        </p:spPr>
+        <p:txBody>
+          <a:bodyPr rtlCol="0"/>
+          <a:lstStyle/>
+          <a:p>
+            <a:pPr rtl="0"/>
+            <a:r>
+              <a:rPr lang="en-US" altLang="ko-KR"/>
+              <a:t>20XX</a:t>
+            </a:r>
+            <a:r>
+              <a:rPr lang="ko-KR" altLang="en-US"/>
+              <a:t>년</a:t>
+            </a:r>
+            <a:endParaRPr lang="ko-KR" altLang="en-US" dirty="0"/>
+          </a:p>
+        </p:txBody>
+      </p:sp>
+      <p:sp>
+        <p:nvSpPr>
+          <p:cNvPr id="10" name="바닥글 개체 틀 9">
+            <a:extLst>
+              <a:ext uri="{FF2B5EF4-FFF2-40B4-BE49-F238E27FC236}">
+                <a16:creationId xmlns:a16="http://schemas.microsoft.com/office/drawing/2014/main" id="{D2186069-FC8E-433D-9BB4-942220CE8CFB}"/>
+              </a:ext>
+            </a:extLst>
+          </p:cNvPr>
+          <p:cNvSpPr>
+            <a:spLocks noGrp="1"/>
+          </p:cNvSpPr>
+          <p:nvPr>
+            <p:ph type="ftr" sz="quarter" idx="11"/>
+          </p:nvPr>
+        </p:nvSpPr>
+        <p:spPr>
+          <a:xfrm>
+            <a:off x="4038600" y="6356350"/>
+            <a:ext cx="4114800" cy="365125"/>
+          </a:xfrm>
+        </p:spPr>
+        <p:txBody>
+          <a:bodyPr rtlCol="0"/>
+          <a:lstStyle/>
+          <a:p>
+            <a:pPr rtl="0"/>
+            <a:r>
+              <a:rPr lang="ko-KR" altLang="en-US" dirty="0"/>
+              <a:t>설명 자료</a:t>
+            </a:r>
+          </a:p>
+        </p:txBody>
+      </p:sp>
+      <p:sp>
+        <p:nvSpPr>
+          <p:cNvPr id="11" name="슬라이드 번호 개체 틀 10">
+            <a:extLst>
+              <a:ext uri="{FF2B5EF4-FFF2-40B4-BE49-F238E27FC236}">
+                <a16:creationId xmlns:a16="http://schemas.microsoft.com/office/drawing/2014/main" id="{BAD5B6F4-0A90-447A-A1AE-D75C934B6B29}"/>
+              </a:ext>
+            </a:extLst>
+          </p:cNvPr>
+          <p:cNvSpPr>
+            <a:spLocks noGrp="1"/>
+          </p:cNvSpPr>
+          <p:nvPr>
+            <p:ph type="sldNum" sz="quarter" idx="12"/>
+          </p:nvPr>
+        </p:nvSpPr>
+        <p:spPr>
+          <a:xfrm>
+            <a:off x="8610600" y="6356350"/>
+            <a:ext cx="2743200" cy="365125"/>
+          </a:xfrm>
+        </p:spPr>
+        <p:txBody>
+          <a:bodyPr rtlCol="0"/>
+          <a:lstStyle/>
+          <a:p>
+            <a:pPr rtl="0"/>
+            <a:fld id="{B5CEABB6-07DC-46E8-9B57-56EC44A396E5}" type="slidenum">
+              <a:rPr lang="en-US" altLang="ko-KR" smtClean="0"/>
+              <a:pPr rtl="0"/>
+              <a:t>14</a:t>
+            </a:fld>
+            <a:endParaRPr lang="ko-KR" altLang="en-US" dirty="0"/>
+          </a:p>
+        </p:txBody>
+      </p:sp>
+      <p:sp>
+        <p:nvSpPr>
+          <p:cNvPr id="15" name="제목 1">
+            <a:extLst>
+              <a:ext uri="{FF2B5EF4-FFF2-40B4-BE49-F238E27FC236}">
+                <a16:creationId xmlns:a16="http://schemas.microsoft.com/office/drawing/2014/main" id="{A6B5231E-4F86-DA8D-5717-6BCB83B081D8}"/>
+              </a:ext>
+            </a:extLst>
+          </p:cNvPr>
+          <p:cNvSpPr>
+            <a:spLocks noGrp="1"/>
+          </p:cNvSpPr>
+          <p:nvPr>
+            <p:ph type="title"/>
+          </p:nvPr>
+        </p:nvSpPr>
+        <p:spPr>
+          <a:xfrm>
+            <a:off x="2936557" y="130829"/>
+            <a:ext cx="6318885" cy="642252"/>
+          </a:xfrm>
+        </p:spPr>
+        <p:txBody>
+          <a:bodyPr rtlCol="0"/>
+          <a:lstStyle/>
+          <a:p>
+            <a:pPr rtl="0"/>
+            <a:r>
+              <a:rPr lang="ko-KR" altLang="en-US" b="1" dirty="0"/>
+              <a:t>전체 흐름도</a:t>
+            </a:r>
+          </a:p>
+        </p:txBody>
+      </p:sp>
     </p:spTree>
     <p:extLst>
       <p:ext uri="{BB962C8B-B14F-4D97-AF65-F5344CB8AC3E}">
-        <p14:creationId xmlns:p14="http://schemas.microsoft.com/office/powerpoint/2010/main" val="2191946909"/>
+        <p14:creationId xmlns:p14="http://schemas.microsoft.com/office/powerpoint/2010/main" val="1404585613"/>
       </p:ext>
     </p:extLst>
   </p:cSld>
@@ -20423,163 +20879,12 @@
           <a:chExt cx="0" cy="0"/>
         </a:xfrm>
       </p:grpSpPr>
-      <p:sp>
-        <p:nvSpPr>
-          <p:cNvPr id="9" name="날짜 개체 틀 8">
-            <a:extLst>
-              <a:ext uri="{FF2B5EF4-FFF2-40B4-BE49-F238E27FC236}">
-                <a16:creationId xmlns:a16="http://schemas.microsoft.com/office/drawing/2014/main" id="{7B78F7A0-88C5-4940-B21C-099F472F39F9}"/>
-              </a:ext>
-            </a:extLst>
-          </p:cNvPr>
-          <p:cNvSpPr>
-            <a:spLocks noGrp="1"/>
-          </p:cNvSpPr>
-          <p:nvPr>
-            <p:ph type="dt" sz="half" idx="10"/>
-          </p:nvPr>
-        </p:nvSpPr>
-        <p:spPr>
-          <a:xfrm>
-            <a:off x="838200" y="6356350"/>
-            <a:ext cx="2743200" cy="365125"/>
-          </a:xfrm>
-        </p:spPr>
-        <p:txBody>
-          <a:bodyPr rtlCol="0"/>
-          <a:lstStyle/>
-          <a:p>
-            <a:pPr rtl="0"/>
-            <a:r>
-              <a:rPr lang="en-US" altLang="ko-KR"/>
-              <a:t>20XX</a:t>
-            </a:r>
-            <a:r>
-              <a:rPr lang="ko-KR" altLang="en-US"/>
-              <a:t>년</a:t>
-            </a:r>
-            <a:endParaRPr lang="ko-KR" altLang="en-US" dirty="0"/>
-          </a:p>
-        </p:txBody>
-      </p:sp>
-      <p:sp>
-        <p:nvSpPr>
-          <p:cNvPr id="10" name="바닥글 개체 틀 9">
-            <a:extLst>
-              <a:ext uri="{FF2B5EF4-FFF2-40B4-BE49-F238E27FC236}">
-                <a16:creationId xmlns:a16="http://schemas.microsoft.com/office/drawing/2014/main" id="{D2186069-FC8E-433D-9BB4-942220CE8CFB}"/>
-              </a:ext>
-            </a:extLst>
-          </p:cNvPr>
-          <p:cNvSpPr>
-            <a:spLocks noGrp="1"/>
-          </p:cNvSpPr>
-          <p:nvPr>
-            <p:ph type="ftr" sz="quarter" idx="11"/>
-          </p:nvPr>
-        </p:nvSpPr>
-        <p:spPr>
-          <a:xfrm>
-            <a:off x="4038600" y="6356350"/>
-            <a:ext cx="4114800" cy="365125"/>
-          </a:xfrm>
-        </p:spPr>
-        <p:txBody>
-          <a:bodyPr rtlCol="0"/>
-          <a:lstStyle/>
-          <a:p>
-            <a:pPr rtl="0"/>
-            <a:r>
-              <a:rPr lang="ko-KR" altLang="en-US" dirty="0"/>
-              <a:t>설명 자료</a:t>
-            </a:r>
-          </a:p>
-        </p:txBody>
-      </p:sp>
-      <p:sp>
-        <p:nvSpPr>
-          <p:cNvPr id="11" name="슬라이드 번호 개체 틀 10">
-            <a:extLst>
-              <a:ext uri="{FF2B5EF4-FFF2-40B4-BE49-F238E27FC236}">
-                <a16:creationId xmlns:a16="http://schemas.microsoft.com/office/drawing/2014/main" id="{BAD5B6F4-0A90-447A-A1AE-D75C934B6B29}"/>
-              </a:ext>
-            </a:extLst>
-          </p:cNvPr>
-          <p:cNvSpPr>
-            <a:spLocks noGrp="1"/>
-          </p:cNvSpPr>
-          <p:nvPr>
-            <p:ph type="sldNum" sz="quarter" idx="12"/>
-          </p:nvPr>
-        </p:nvSpPr>
-        <p:spPr>
-          <a:xfrm>
-            <a:off x="8610600" y="6356350"/>
-            <a:ext cx="2743200" cy="365125"/>
-          </a:xfrm>
-        </p:spPr>
-        <p:txBody>
-          <a:bodyPr rtlCol="0"/>
-          <a:lstStyle/>
-          <a:p>
-            <a:pPr rtl="0"/>
-            <a:fld id="{B5CEABB6-07DC-46E8-9B57-56EC44A396E5}" type="slidenum">
-              <a:rPr lang="en-US" altLang="ko-KR" smtClean="0"/>
-              <a:pPr rtl="0"/>
-              <a:t>15</a:t>
-            </a:fld>
-            <a:endParaRPr lang="ko-KR" altLang="en-US" dirty="0"/>
-          </a:p>
-        </p:txBody>
-      </p:sp>
-      <p:sp>
-        <p:nvSpPr>
-          <p:cNvPr id="15" name="제목 1">
-            <a:extLst>
-              <a:ext uri="{FF2B5EF4-FFF2-40B4-BE49-F238E27FC236}">
-                <a16:creationId xmlns:a16="http://schemas.microsoft.com/office/drawing/2014/main" id="{A6B5231E-4F86-DA8D-5717-6BCB83B081D8}"/>
-              </a:ext>
-            </a:extLst>
-          </p:cNvPr>
-          <p:cNvSpPr>
-            <a:spLocks noGrp="1"/>
-          </p:cNvSpPr>
-          <p:nvPr>
-            <p:ph type="title"/>
-          </p:nvPr>
-        </p:nvSpPr>
-        <p:spPr>
-          <a:xfrm>
-            <a:off x="2936557" y="130829"/>
-            <a:ext cx="6318885" cy="642252"/>
-          </a:xfrm>
-        </p:spPr>
-        <p:txBody>
-          <a:bodyPr rtlCol="0"/>
-          <a:lstStyle/>
-          <a:p>
-            <a:pPr rtl="0"/>
-            <a:r>
-              <a:rPr lang="ko-KR" altLang="en-US" b="1" dirty="0"/>
-              <a:t>딜러 </a:t>
-            </a:r>
-            <a:r>
-              <a:rPr lang="en-US" altLang="ko-KR" b="1" dirty="0"/>
-              <a:t>turn </a:t>
-            </a:r>
-            <a:r>
-              <a:rPr lang="ko-KR" altLang="en-US" b="1" dirty="0"/>
-              <a:t>상세 흐름</a:t>
-            </a:r>
-          </a:p>
-        </p:txBody>
-      </p:sp>
       <p:pic>
         <p:nvPicPr>
-          <p:cNvPr id="4" name="그림 3">
-            <a:extLst>
-              <a:ext uri="{FF2B5EF4-FFF2-40B4-BE49-F238E27FC236}">
-                <a16:creationId xmlns:a16="http://schemas.microsoft.com/office/drawing/2014/main" id="{CB5116D0-37E1-4894-971D-08E846A4EA48}"/>
+          <p:cNvPr id="6" name="그림 5">
+            <a:extLst>
+              <a:ext uri="{FF2B5EF4-FFF2-40B4-BE49-F238E27FC236}">
+                <a16:creationId xmlns:a16="http://schemas.microsoft.com/office/drawing/2014/main" id="{9DC7ADC9-CEC0-E68C-D0BD-3B57BC9BC325}"/>
               </a:ext>
             </a:extLst>
           </p:cNvPr>
@@ -20596,18 +20901,169 @@
         </p:blipFill>
         <p:spPr>
           <a:xfrm>
-            <a:off x="5162549" y="1995487"/>
-            <a:ext cx="1866900" cy="2867025"/>
+            <a:off x="2638424" y="1509712"/>
+            <a:ext cx="6915150" cy="3829050"/>
           </a:xfrm>
           <a:prstGeom prst="rect">
             <a:avLst/>
           </a:prstGeom>
         </p:spPr>
       </p:pic>
+      <p:sp>
+        <p:nvSpPr>
+          <p:cNvPr id="9" name="날짜 개체 틀 8">
+            <a:extLst>
+              <a:ext uri="{FF2B5EF4-FFF2-40B4-BE49-F238E27FC236}">
+                <a16:creationId xmlns:a16="http://schemas.microsoft.com/office/drawing/2014/main" id="{7B78F7A0-88C5-4940-B21C-099F472F39F9}"/>
+              </a:ext>
+            </a:extLst>
+          </p:cNvPr>
+          <p:cNvSpPr>
+            <a:spLocks noGrp="1"/>
+          </p:cNvSpPr>
+          <p:nvPr>
+            <p:ph type="dt" sz="half" idx="10"/>
+          </p:nvPr>
+        </p:nvSpPr>
+        <p:spPr>
+          <a:xfrm>
+            <a:off x="838200" y="6356350"/>
+            <a:ext cx="2743200" cy="365125"/>
+          </a:xfrm>
+        </p:spPr>
+        <p:txBody>
+          <a:bodyPr rtlCol="0"/>
+          <a:lstStyle/>
+          <a:p>
+            <a:pPr rtl="0"/>
+            <a:r>
+              <a:rPr lang="en-US" altLang="ko-KR"/>
+              <a:t>20XX</a:t>
+            </a:r>
+            <a:r>
+              <a:rPr lang="ko-KR" altLang="en-US"/>
+              <a:t>년</a:t>
+            </a:r>
+            <a:endParaRPr lang="ko-KR" altLang="en-US" dirty="0"/>
+          </a:p>
+        </p:txBody>
+      </p:sp>
+      <p:sp>
+        <p:nvSpPr>
+          <p:cNvPr id="10" name="바닥글 개체 틀 9">
+            <a:extLst>
+              <a:ext uri="{FF2B5EF4-FFF2-40B4-BE49-F238E27FC236}">
+                <a16:creationId xmlns:a16="http://schemas.microsoft.com/office/drawing/2014/main" id="{D2186069-FC8E-433D-9BB4-942220CE8CFB}"/>
+              </a:ext>
+            </a:extLst>
+          </p:cNvPr>
+          <p:cNvSpPr>
+            <a:spLocks noGrp="1"/>
+          </p:cNvSpPr>
+          <p:nvPr>
+            <p:ph type="ftr" sz="quarter" idx="11"/>
+          </p:nvPr>
+        </p:nvSpPr>
+        <p:spPr>
+          <a:xfrm>
+            <a:off x="4038600" y="6356350"/>
+            <a:ext cx="4114800" cy="365125"/>
+          </a:xfrm>
+        </p:spPr>
+        <p:txBody>
+          <a:bodyPr rtlCol="0"/>
+          <a:lstStyle/>
+          <a:p>
+            <a:pPr rtl="0"/>
+            <a:r>
+              <a:rPr lang="ko-KR" altLang="en-US" dirty="0"/>
+              <a:t>설명 자료</a:t>
+            </a:r>
+          </a:p>
+        </p:txBody>
+      </p:sp>
+      <p:sp>
+        <p:nvSpPr>
+          <p:cNvPr id="11" name="슬라이드 번호 개체 틀 10">
+            <a:extLst>
+              <a:ext uri="{FF2B5EF4-FFF2-40B4-BE49-F238E27FC236}">
+                <a16:creationId xmlns:a16="http://schemas.microsoft.com/office/drawing/2014/main" id="{BAD5B6F4-0A90-447A-A1AE-D75C934B6B29}"/>
+              </a:ext>
+            </a:extLst>
+          </p:cNvPr>
+          <p:cNvSpPr>
+            <a:spLocks noGrp="1"/>
+          </p:cNvSpPr>
+          <p:nvPr>
+            <p:ph type="sldNum" sz="quarter" idx="12"/>
+          </p:nvPr>
+        </p:nvSpPr>
+        <p:spPr>
+          <a:xfrm>
+            <a:off x="8610600" y="6356350"/>
+            <a:ext cx="2743200" cy="365125"/>
+          </a:xfrm>
+        </p:spPr>
+        <p:txBody>
+          <a:bodyPr rtlCol="0"/>
+          <a:lstStyle/>
+          <a:p>
+            <a:pPr rtl="0"/>
+            <a:fld id="{B5CEABB6-07DC-46E8-9B57-56EC44A396E5}" type="slidenum">
+              <a:rPr lang="en-US" altLang="ko-KR" smtClean="0"/>
+              <a:pPr rtl="0"/>
+              <a:t>15</a:t>
+            </a:fld>
+            <a:endParaRPr lang="ko-KR" altLang="en-US" dirty="0"/>
+          </a:p>
+        </p:txBody>
+      </p:sp>
+      <p:sp>
+        <p:nvSpPr>
+          <p:cNvPr id="15" name="제목 1">
+            <a:extLst>
+              <a:ext uri="{FF2B5EF4-FFF2-40B4-BE49-F238E27FC236}">
+                <a16:creationId xmlns:a16="http://schemas.microsoft.com/office/drawing/2014/main" id="{A6B5231E-4F86-DA8D-5717-6BCB83B081D8}"/>
+              </a:ext>
+            </a:extLst>
+          </p:cNvPr>
+          <p:cNvSpPr>
+            <a:spLocks noGrp="1"/>
+          </p:cNvSpPr>
+          <p:nvPr>
+            <p:ph type="title"/>
+          </p:nvPr>
+        </p:nvSpPr>
+        <p:spPr>
+          <a:xfrm>
+            <a:off x="2936557" y="130829"/>
+            <a:ext cx="6318885" cy="642252"/>
+          </a:xfrm>
+        </p:spPr>
+        <p:txBody>
+          <a:bodyPr rtlCol="0"/>
+          <a:lstStyle/>
+          <a:p>
+            <a:pPr rtl="0"/>
+            <a:r>
+              <a:rPr lang="ko-KR" altLang="en-US" b="1" dirty="0"/>
+              <a:t>플레이어 </a:t>
+            </a:r>
+            <a:r>
+              <a:rPr lang="en-US" altLang="ko-KR" b="1" dirty="0"/>
+              <a:t>turn </a:t>
+            </a:r>
+            <a:r>
+              <a:rPr lang="ko-KR" altLang="en-US" b="1" dirty="0"/>
+              <a:t>상세 흐름</a:t>
+            </a:r>
+          </a:p>
+        </p:txBody>
+      </p:sp>
     </p:spTree>
     <p:extLst>
       <p:ext uri="{BB962C8B-B14F-4D97-AF65-F5344CB8AC3E}">
-        <p14:creationId xmlns:p14="http://schemas.microsoft.com/office/powerpoint/2010/main" val="1711364826"/>
+        <p14:creationId xmlns:p14="http://schemas.microsoft.com/office/powerpoint/2010/main" val="2191946909"/>
       </p:ext>
     </p:extLst>
   </p:cSld>
@@ -20634,26 +21090,56 @@
           <a:chExt cx="0" cy="0"/>
         </a:xfrm>
       </p:grpSpPr>
-      <p:sp>
-        <p:nvSpPr>
-          <p:cNvPr id="2" name="제목 1">
-            <a:extLst>
-              <a:ext uri="{FF2B5EF4-FFF2-40B4-BE49-F238E27FC236}">
-                <a16:creationId xmlns:a16="http://schemas.microsoft.com/office/drawing/2014/main" id="{BCCAEE93-8585-46D4-A7EC-F184E317CB2E}"/>
-              </a:ext>
-            </a:extLst>
-          </p:cNvPr>
-          <p:cNvSpPr>
-            <a:spLocks noGrp="1"/>
-          </p:cNvSpPr>
-          <p:nvPr>
-            <p:ph type="ctrTitle"/>
-          </p:nvPr>
-        </p:nvSpPr>
-        <p:spPr>
-          <a:xfrm>
-            <a:off x="4267200" y="1615736"/>
-            <a:ext cx="4179570" cy="1524735"/>
+      <p:pic>
+        <p:nvPicPr>
+          <p:cNvPr id="3" name="그림 2">
+            <a:extLst>
+              <a:ext uri="{FF2B5EF4-FFF2-40B4-BE49-F238E27FC236}">
+                <a16:creationId xmlns:a16="http://schemas.microsoft.com/office/drawing/2014/main" id="{C560BDA4-9A23-90C2-73A6-8D7A4E81FF9C}"/>
+              </a:ext>
+            </a:extLst>
+          </p:cNvPr>
+          <p:cNvPicPr>
+            <a:picLocks noChangeAspect="1"/>
+          </p:cNvPicPr>
+          <p:nvPr/>
+        </p:nvPicPr>
+        <p:blipFill>
+          <a:blip r:embed="rId3"/>
+          <a:stretch>
+            <a:fillRect/>
+          </a:stretch>
+        </p:blipFill>
+        <p:spPr>
+          <a:xfrm>
+            <a:off x="5210175" y="1995487"/>
+            <a:ext cx="1771650" cy="2867025"/>
+          </a:xfrm>
+          <a:prstGeom prst="rect">
+            <a:avLst/>
+          </a:prstGeom>
+        </p:spPr>
+      </p:pic>
+      <p:sp>
+        <p:nvSpPr>
+          <p:cNvPr id="9" name="날짜 개체 틀 8">
+            <a:extLst>
+              <a:ext uri="{FF2B5EF4-FFF2-40B4-BE49-F238E27FC236}">
+                <a16:creationId xmlns:a16="http://schemas.microsoft.com/office/drawing/2014/main" id="{7B78F7A0-88C5-4940-B21C-099F472F39F9}"/>
+              </a:ext>
+            </a:extLst>
+          </p:cNvPr>
+          <p:cNvSpPr>
+            <a:spLocks noGrp="1"/>
+          </p:cNvSpPr>
+          <p:nvPr>
+            <p:ph type="dt" sz="half" idx="10"/>
+          </p:nvPr>
+        </p:nvSpPr>
+        <p:spPr>
+          <a:xfrm>
+            <a:off x="838200" y="6356350"/>
+            <a:ext cx="2743200" cy="365125"/>
           </a:xfrm>
         </p:spPr>
         <p:txBody>
@@ -20662,88 +21148,37 @@
           <a:p>
             <a:pPr rtl="0"/>
             <a:r>
+              <a:rPr lang="en-US" altLang="ko-KR"/>
+              <a:t>20XX</a:t>
+            </a:r>
+            <a:r>
               <a:rPr lang="ko-KR" altLang="en-US"/>
-              <a:t>감사합니다</a:t>
-            </a:r>
-            <a:r>
-              <a:rPr lang="en-US" altLang="ko-KR"/>
-              <a:t>.</a:t>
-            </a:r>
-          </a:p>
-        </p:txBody>
-      </p:sp>
-      <p:sp>
-        <p:nvSpPr>
-          <p:cNvPr id="3" name="내용 개체 틀 2">
-            <a:extLst>
-              <a:ext uri="{FF2B5EF4-FFF2-40B4-BE49-F238E27FC236}">
-                <a16:creationId xmlns:a16="http://schemas.microsoft.com/office/drawing/2014/main" id="{24AFFC60-19C3-4901-93F7-7AAF4C09F8C6}"/>
-              </a:ext>
-            </a:extLst>
-          </p:cNvPr>
-          <p:cNvSpPr>
-            <a:spLocks noGrp="1"/>
-          </p:cNvSpPr>
-          <p:nvPr>
-            <p:ph type="subTitle" idx="1"/>
-          </p:nvPr>
-        </p:nvSpPr>
-        <p:spPr>
-          <a:xfrm>
-            <a:off x="4267200" y="3238103"/>
-            <a:ext cx="4557204" cy="2004161"/>
-          </a:xfrm>
-        </p:spPr>
-        <p:txBody>
-          <a:bodyPr rtlCol="0">
-            <a:normAutofit/>
-          </a:bodyPr>
-          <a:lstStyle/>
-          <a:p>
-            <a:pPr rtl="0"/>
-            <a:r>
-              <a:rPr lang="ko-KR" altLang="en-US" dirty="0" err="1"/>
-              <a:t>오명훈</a:t>
+              <a:t>년</a:t>
             </a:r>
             <a:endParaRPr lang="ko-KR" altLang="en-US" dirty="0"/>
           </a:p>
-          <a:p>
-            <a:pPr rtl="0"/>
-            <a:r>
-              <a:rPr lang="en-US" altLang="ko-KR" dirty="0"/>
-              <a:t>j.k.humi9@gmail.com</a:t>
-            </a:r>
-          </a:p>
-          <a:p>
-            <a:pPr rtl="0"/>
-            <a:r>
-              <a:rPr lang="en-US" altLang="ko-KR" dirty="0"/>
-              <a:t>https://github.com/humi53/2023_10_BlackJackV2</a:t>
-            </a:r>
-            <a:endParaRPr lang="ko-KR" altLang="en-US" dirty="0"/>
-          </a:p>
-        </p:txBody>
-      </p:sp>
-      <p:sp>
-        <p:nvSpPr>
-          <p:cNvPr id="4" name="날짜 개체 틀 3">
-            <a:extLst>
-              <a:ext uri="{FF2B5EF4-FFF2-40B4-BE49-F238E27FC236}">
-                <a16:creationId xmlns:a16="http://schemas.microsoft.com/office/drawing/2014/main" id="{72DA7980-C870-4C9A-84FA-4120D8AF5DE8}"/>
-              </a:ext>
-            </a:extLst>
-          </p:cNvPr>
-          <p:cNvSpPr>
-            <a:spLocks noGrp="1"/>
-          </p:cNvSpPr>
-          <p:nvPr>
-            <p:ph type="dt" sz="half" idx="10"/>
-          </p:nvPr>
-        </p:nvSpPr>
-        <p:spPr>
-          <a:xfrm>
-            <a:off x="4267200" y="6356350"/>
-            <a:ext cx="1774371" cy="365125"/>
+        </p:txBody>
+      </p:sp>
+      <p:sp>
+        <p:nvSpPr>
+          <p:cNvPr id="10" name="바닥글 개체 틀 9">
+            <a:extLst>
+              <a:ext uri="{FF2B5EF4-FFF2-40B4-BE49-F238E27FC236}">
+                <a16:creationId xmlns:a16="http://schemas.microsoft.com/office/drawing/2014/main" id="{D2186069-FC8E-433D-9BB4-942220CE8CFB}"/>
+              </a:ext>
+            </a:extLst>
+          </p:cNvPr>
+          <p:cNvSpPr>
+            <a:spLocks noGrp="1"/>
+          </p:cNvSpPr>
+          <p:nvPr>
+            <p:ph type="ftr" sz="quarter" idx="11"/>
+          </p:nvPr>
+        </p:nvSpPr>
+        <p:spPr>
+          <a:xfrm>
+            <a:off x="4038600" y="6356350"/>
+            <a:ext cx="4114800" cy="365125"/>
           </a:xfrm>
         </p:spPr>
         <p:txBody>
@@ -20752,45 +21187,7 @@
           <a:p>
             <a:pPr rtl="0"/>
             <a:r>
-              <a:rPr lang="en-US" altLang="ko-KR"/>
-              <a:t>20XX</a:t>
-            </a:r>
-            <a:r>
-              <a:rPr lang="ko-KR" altLang="en-US"/>
-              <a:t>년</a:t>
-            </a:r>
-          </a:p>
-        </p:txBody>
-      </p:sp>
-      <p:sp>
-        <p:nvSpPr>
-          <p:cNvPr id="5" name="바닥글 개체 틀 4">
-            <a:extLst>
-              <a:ext uri="{FF2B5EF4-FFF2-40B4-BE49-F238E27FC236}">
-                <a16:creationId xmlns:a16="http://schemas.microsoft.com/office/drawing/2014/main" id="{0DFADE42-1A3F-40C8-A071-E57644F3D843}"/>
-              </a:ext>
-            </a:extLst>
-          </p:cNvPr>
-          <p:cNvSpPr>
-            <a:spLocks noGrp="1"/>
-          </p:cNvSpPr>
-          <p:nvPr>
-            <p:ph type="ftr" sz="quarter" idx="11"/>
-          </p:nvPr>
-        </p:nvSpPr>
-        <p:spPr>
-          <a:xfrm>
-            <a:off x="6479721" y="6356350"/>
-            <a:ext cx="2661557" cy="365125"/>
-          </a:xfrm>
-        </p:spPr>
-        <p:txBody>
-          <a:bodyPr rtlCol="0"/>
-          <a:lstStyle/>
-          <a:p>
-            <a:pPr rtl="0"/>
-            <a:r>
-              <a:rPr lang="ko-KR" altLang="en-US"/>
+              <a:rPr lang="ko-KR" altLang="en-US" dirty="0"/>
               <a:t>설명 자료</a:t>
             </a:r>
           </a:p>
@@ -20798,10 +21195,10 @@
       </p:sp>
       <p:sp>
         <p:nvSpPr>
-          <p:cNvPr id="6" name="슬라이드 번호 개체 틀 5">
-            <a:extLst>
-              <a:ext uri="{FF2B5EF4-FFF2-40B4-BE49-F238E27FC236}">
-                <a16:creationId xmlns:a16="http://schemas.microsoft.com/office/drawing/2014/main" id="{5EDCFF82-B70F-4971-9182-7C3AEA3CFD26}"/>
+          <p:cNvPr id="11" name="슬라이드 번호 개체 틀 10">
+            <a:extLst>
+              <a:ext uri="{FF2B5EF4-FFF2-40B4-BE49-F238E27FC236}">
+                <a16:creationId xmlns:a16="http://schemas.microsoft.com/office/drawing/2014/main" id="{BAD5B6F4-0A90-447A-A1AE-D75C934B6B29}"/>
               </a:ext>
             </a:extLst>
           </p:cNvPr>
@@ -20814,8 +21211,8 @@
         </p:nvSpPr>
         <p:spPr>
           <a:xfrm>
-            <a:off x="9579428" y="6356350"/>
-            <a:ext cx="1774371" cy="365125"/>
+            <a:off x="8610600" y="6356350"/>
+            <a:ext cx="2743200" cy="365125"/>
           </a:xfrm>
         </p:spPr>
         <p:txBody>
@@ -20827,6 +21224,276 @@
               <a:rPr lang="en-US" altLang="ko-KR" smtClean="0"/>
               <a:pPr rtl="0"/>
               <a:t>16</a:t>
+            </a:fld>
+            <a:endParaRPr lang="ko-KR" altLang="en-US" dirty="0"/>
+          </a:p>
+        </p:txBody>
+      </p:sp>
+      <p:sp>
+        <p:nvSpPr>
+          <p:cNvPr id="15" name="제목 1">
+            <a:extLst>
+              <a:ext uri="{FF2B5EF4-FFF2-40B4-BE49-F238E27FC236}">
+                <a16:creationId xmlns:a16="http://schemas.microsoft.com/office/drawing/2014/main" id="{A6B5231E-4F86-DA8D-5717-6BCB83B081D8}"/>
+              </a:ext>
+            </a:extLst>
+          </p:cNvPr>
+          <p:cNvSpPr>
+            <a:spLocks noGrp="1"/>
+          </p:cNvSpPr>
+          <p:nvPr>
+            <p:ph type="title"/>
+          </p:nvPr>
+        </p:nvSpPr>
+        <p:spPr>
+          <a:xfrm>
+            <a:off x="2936557" y="130829"/>
+            <a:ext cx="6318885" cy="642252"/>
+          </a:xfrm>
+        </p:spPr>
+        <p:txBody>
+          <a:bodyPr rtlCol="0"/>
+          <a:lstStyle/>
+          <a:p>
+            <a:pPr rtl="0"/>
+            <a:r>
+              <a:rPr lang="ko-KR" altLang="en-US" b="1" dirty="0"/>
+              <a:t>딜러 </a:t>
+            </a:r>
+            <a:r>
+              <a:rPr lang="en-US" altLang="ko-KR" b="1" dirty="0"/>
+              <a:t>turn </a:t>
+            </a:r>
+            <a:r>
+              <a:rPr lang="ko-KR" altLang="en-US" b="1" dirty="0"/>
+              <a:t>상세 흐름</a:t>
+            </a:r>
+          </a:p>
+        </p:txBody>
+      </p:sp>
+    </p:spTree>
+    <p:extLst>
+      <p:ext uri="{BB962C8B-B14F-4D97-AF65-F5344CB8AC3E}">
+        <p14:creationId xmlns:p14="http://schemas.microsoft.com/office/powerpoint/2010/main" val="1711364826"/>
+      </p:ext>
+    </p:extLst>
+  </p:cSld>
+  <p:clrMapOvr>
+    <a:masterClrMapping/>
+  </p:clrMapOvr>
+</p:sld>
+</file>
+
+<file path=ppt/slides/slide17.xml><?xml version="1.0" encoding="utf-8"?>
+<p:sld xmlns:a="http://schemas.openxmlformats.org/drawingml/2006/main" xmlns:r="http://schemas.openxmlformats.org/officeDocument/2006/relationships" xmlns:p="http://schemas.openxmlformats.org/presentationml/2006/main">
+  <p:cSld>
+    <p:spTree>
+      <p:nvGrpSpPr>
+        <p:cNvPr id="1" name=""/>
+        <p:cNvGrpSpPr/>
+        <p:nvPr/>
+      </p:nvGrpSpPr>
+      <p:grpSpPr>
+        <a:xfrm>
+          <a:off x="0" y="0"/>
+          <a:ext cx="0" cy="0"/>
+          <a:chOff x="0" y="0"/>
+          <a:chExt cx="0" cy="0"/>
+        </a:xfrm>
+      </p:grpSpPr>
+      <p:sp>
+        <p:nvSpPr>
+          <p:cNvPr id="2" name="제목 1">
+            <a:extLst>
+              <a:ext uri="{FF2B5EF4-FFF2-40B4-BE49-F238E27FC236}">
+                <a16:creationId xmlns:a16="http://schemas.microsoft.com/office/drawing/2014/main" id="{BCCAEE93-8585-46D4-A7EC-F184E317CB2E}"/>
+              </a:ext>
+            </a:extLst>
+          </p:cNvPr>
+          <p:cNvSpPr>
+            <a:spLocks noGrp="1"/>
+          </p:cNvSpPr>
+          <p:nvPr>
+            <p:ph type="ctrTitle"/>
+          </p:nvPr>
+        </p:nvSpPr>
+        <p:spPr>
+          <a:xfrm>
+            <a:off x="4267200" y="1615736"/>
+            <a:ext cx="4179570" cy="1524735"/>
+          </a:xfrm>
+        </p:spPr>
+        <p:txBody>
+          <a:bodyPr rtlCol="0"/>
+          <a:lstStyle/>
+          <a:p>
+            <a:pPr rtl="0"/>
+            <a:r>
+              <a:rPr lang="ko-KR" altLang="en-US"/>
+              <a:t>감사합니다</a:t>
+            </a:r>
+            <a:r>
+              <a:rPr lang="en-US" altLang="ko-KR"/>
+              <a:t>.</a:t>
+            </a:r>
+          </a:p>
+        </p:txBody>
+      </p:sp>
+      <p:sp>
+        <p:nvSpPr>
+          <p:cNvPr id="3" name="내용 개체 틀 2">
+            <a:extLst>
+              <a:ext uri="{FF2B5EF4-FFF2-40B4-BE49-F238E27FC236}">
+                <a16:creationId xmlns:a16="http://schemas.microsoft.com/office/drawing/2014/main" id="{24AFFC60-19C3-4901-93F7-7AAF4C09F8C6}"/>
+              </a:ext>
+            </a:extLst>
+          </p:cNvPr>
+          <p:cNvSpPr>
+            <a:spLocks noGrp="1"/>
+          </p:cNvSpPr>
+          <p:nvPr>
+            <p:ph type="subTitle" idx="1"/>
+          </p:nvPr>
+        </p:nvSpPr>
+        <p:spPr>
+          <a:xfrm>
+            <a:off x="4267200" y="3238103"/>
+            <a:ext cx="4557204" cy="2004161"/>
+          </a:xfrm>
+        </p:spPr>
+        <p:txBody>
+          <a:bodyPr rtlCol="0">
+            <a:normAutofit/>
+          </a:bodyPr>
+          <a:lstStyle/>
+          <a:p>
+            <a:pPr rtl="0"/>
+            <a:r>
+              <a:rPr lang="ko-KR" altLang="en-US" dirty="0" err="1"/>
+              <a:t>오명훈</a:t>
+            </a:r>
+            <a:endParaRPr lang="ko-KR" altLang="en-US" dirty="0"/>
+          </a:p>
+          <a:p>
+            <a:pPr rtl="0"/>
+            <a:r>
+              <a:rPr lang="en-US" altLang="ko-KR" dirty="0"/>
+              <a:t>j.k.humi9@gmail.com</a:t>
+            </a:r>
+          </a:p>
+          <a:p>
+            <a:pPr rtl="0"/>
+            <a:r>
+              <a:rPr lang="en-US" altLang="ko-KR" dirty="0"/>
+              <a:t>https://github.com/humi53/2023_10_BlackJackV2</a:t>
+            </a:r>
+            <a:endParaRPr lang="ko-KR" altLang="en-US" dirty="0"/>
+          </a:p>
+        </p:txBody>
+      </p:sp>
+      <p:sp>
+        <p:nvSpPr>
+          <p:cNvPr id="4" name="날짜 개체 틀 3">
+            <a:extLst>
+              <a:ext uri="{FF2B5EF4-FFF2-40B4-BE49-F238E27FC236}">
+                <a16:creationId xmlns:a16="http://schemas.microsoft.com/office/drawing/2014/main" id="{72DA7980-C870-4C9A-84FA-4120D8AF5DE8}"/>
+              </a:ext>
+            </a:extLst>
+          </p:cNvPr>
+          <p:cNvSpPr>
+            <a:spLocks noGrp="1"/>
+          </p:cNvSpPr>
+          <p:nvPr>
+            <p:ph type="dt" sz="half" idx="10"/>
+          </p:nvPr>
+        </p:nvSpPr>
+        <p:spPr>
+          <a:xfrm>
+            <a:off x="4267200" y="6356350"/>
+            <a:ext cx="1774371" cy="365125"/>
+          </a:xfrm>
+        </p:spPr>
+        <p:txBody>
+          <a:bodyPr rtlCol="0"/>
+          <a:lstStyle/>
+          <a:p>
+            <a:pPr rtl="0"/>
+            <a:r>
+              <a:rPr lang="en-US" altLang="ko-KR"/>
+              <a:t>20XX</a:t>
+            </a:r>
+            <a:r>
+              <a:rPr lang="ko-KR" altLang="en-US"/>
+              <a:t>년</a:t>
+            </a:r>
+          </a:p>
+        </p:txBody>
+      </p:sp>
+      <p:sp>
+        <p:nvSpPr>
+          <p:cNvPr id="5" name="바닥글 개체 틀 4">
+            <a:extLst>
+              <a:ext uri="{FF2B5EF4-FFF2-40B4-BE49-F238E27FC236}">
+                <a16:creationId xmlns:a16="http://schemas.microsoft.com/office/drawing/2014/main" id="{0DFADE42-1A3F-40C8-A071-E57644F3D843}"/>
+              </a:ext>
+            </a:extLst>
+          </p:cNvPr>
+          <p:cNvSpPr>
+            <a:spLocks noGrp="1"/>
+          </p:cNvSpPr>
+          <p:nvPr>
+            <p:ph type="ftr" sz="quarter" idx="11"/>
+          </p:nvPr>
+        </p:nvSpPr>
+        <p:spPr>
+          <a:xfrm>
+            <a:off x="6479721" y="6356350"/>
+            <a:ext cx="2661557" cy="365125"/>
+          </a:xfrm>
+        </p:spPr>
+        <p:txBody>
+          <a:bodyPr rtlCol="0"/>
+          <a:lstStyle/>
+          <a:p>
+            <a:pPr rtl="0"/>
+            <a:r>
+              <a:rPr lang="ko-KR" altLang="en-US"/>
+              <a:t>설명 자료</a:t>
+            </a:r>
+          </a:p>
+        </p:txBody>
+      </p:sp>
+      <p:sp>
+        <p:nvSpPr>
+          <p:cNvPr id="6" name="슬라이드 번호 개체 틀 5">
+            <a:extLst>
+              <a:ext uri="{FF2B5EF4-FFF2-40B4-BE49-F238E27FC236}">
+                <a16:creationId xmlns:a16="http://schemas.microsoft.com/office/drawing/2014/main" id="{5EDCFF82-B70F-4971-9182-7C3AEA3CFD26}"/>
+              </a:ext>
+            </a:extLst>
+          </p:cNvPr>
+          <p:cNvSpPr>
+            <a:spLocks noGrp="1"/>
+          </p:cNvSpPr>
+          <p:nvPr>
+            <p:ph type="sldNum" sz="quarter" idx="12"/>
+          </p:nvPr>
+        </p:nvSpPr>
+        <p:spPr>
+          <a:xfrm>
+            <a:off x="9579428" y="6356350"/>
+            <a:ext cx="1774371" cy="365125"/>
+          </a:xfrm>
+        </p:spPr>
+        <p:txBody>
+          <a:bodyPr rtlCol="0"/>
+          <a:lstStyle/>
+          <a:p>
+            <a:pPr rtl="0"/>
+            <a:fld id="{B5CEABB6-07DC-46E8-9B57-56EC44A396E5}" type="slidenum">
+              <a:rPr lang="en-US" altLang="ko-KR" smtClean="0"/>
+              <a:pPr rtl="0"/>
+              <a:t>17</a:t>
             </a:fld>
             <a:endParaRPr lang="ko-KR" altLang="en-US"/>
           </a:p>
@@ -21251,24 +21918,24 @@
       </p:grpSpPr>
       <p:sp>
         <p:nvSpPr>
-          <p:cNvPr id="9" name="날짜 개체 틀 8">
-            <a:extLst>
-              <a:ext uri="{FF2B5EF4-FFF2-40B4-BE49-F238E27FC236}">
-                <a16:creationId xmlns:a16="http://schemas.microsoft.com/office/drawing/2014/main" id="{7B78F7A0-88C5-4940-B21C-099F472F39F9}"/>
-              </a:ext>
-            </a:extLst>
-          </p:cNvPr>
-          <p:cNvSpPr>
-            <a:spLocks noGrp="1"/>
-          </p:cNvSpPr>
-          <p:nvPr>
-            <p:ph type="dt" sz="half" idx="10"/>
-          </p:nvPr>
-        </p:nvSpPr>
-        <p:spPr>
-          <a:xfrm>
-            <a:off x="838200" y="6356350"/>
-            <a:ext cx="2743200" cy="365125"/>
+          <p:cNvPr id="2" name="제목 1">
+            <a:extLst>
+              <a:ext uri="{FF2B5EF4-FFF2-40B4-BE49-F238E27FC236}">
+                <a16:creationId xmlns:a16="http://schemas.microsoft.com/office/drawing/2014/main" id="{75031FE9-9059-4FE8-B4AC-9771F23A1B89}"/>
+              </a:ext>
+            </a:extLst>
+          </p:cNvPr>
+          <p:cNvSpPr>
+            <a:spLocks noGrp="1"/>
+          </p:cNvSpPr>
+          <p:nvPr>
+            <p:ph type="title"/>
+          </p:nvPr>
+        </p:nvSpPr>
+        <p:spPr>
+          <a:xfrm>
+            <a:off x="1508760" y="4156405"/>
+            <a:ext cx="3139440" cy="1325563"/>
           </a:xfrm>
         </p:spPr>
         <p:txBody>
@@ -21277,37 +21944,32 @@
           <a:p>
             <a:pPr rtl="0"/>
             <a:r>
-              <a:rPr lang="en-US" altLang="ko-KR"/>
-              <a:t>20XX</a:t>
-            </a:r>
-            <a:r>
-              <a:rPr lang="ko-KR" altLang="en-US"/>
-              <a:t>년</a:t>
-            </a:r>
-            <a:endParaRPr lang="ko-KR" altLang="en-US" dirty="0"/>
-          </a:p>
-        </p:txBody>
-      </p:sp>
-      <p:sp>
-        <p:nvSpPr>
-          <p:cNvPr id="10" name="바닥글 개체 틀 9">
-            <a:extLst>
-              <a:ext uri="{FF2B5EF4-FFF2-40B4-BE49-F238E27FC236}">
-                <a16:creationId xmlns:a16="http://schemas.microsoft.com/office/drawing/2014/main" id="{D2186069-FC8E-433D-9BB4-942220CE8CFB}"/>
-              </a:ext>
-            </a:extLst>
-          </p:cNvPr>
-          <p:cNvSpPr>
-            <a:spLocks noGrp="1"/>
-          </p:cNvSpPr>
-          <p:nvPr>
-            <p:ph type="ftr" sz="quarter" idx="11"/>
-          </p:nvPr>
-        </p:nvSpPr>
-        <p:spPr>
-          <a:xfrm>
-            <a:off x="4038600" y="6356350"/>
-            <a:ext cx="4114800" cy="365125"/>
+              <a:rPr lang="ko-KR" altLang="en-US" dirty="0"/>
+              <a:t>개발환경</a:t>
+            </a:r>
+          </a:p>
+        </p:txBody>
+      </p:sp>
+      <p:sp>
+        <p:nvSpPr>
+          <p:cNvPr id="21" name="바닥글 개체 틀 20">
+            <a:extLst>
+              <a:ext uri="{FF2B5EF4-FFF2-40B4-BE49-F238E27FC236}">
+                <a16:creationId xmlns:a16="http://schemas.microsoft.com/office/drawing/2014/main" id="{7E44CAC0-3B5A-49F6-A2CB-0BC80D111A87}"/>
+              </a:ext>
+            </a:extLst>
+          </p:cNvPr>
+          <p:cNvSpPr>
+            <a:spLocks noGrp="1"/>
+          </p:cNvSpPr>
+          <p:nvPr>
+            <p:ph type="ftr" sz="quarter" idx="21"/>
+          </p:nvPr>
+        </p:nvSpPr>
+        <p:spPr>
+          <a:xfrm>
+            <a:off x="7161955" y="6356350"/>
+            <a:ext cx="3243942" cy="365125"/>
           </a:xfrm>
         </p:spPr>
         <p:txBody>
@@ -21317,31 +21979,31 @@
             <a:pPr rtl="0"/>
             <a:r>
               <a:rPr lang="ko-KR" altLang="en-US" dirty="0"/>
-              <a:t>설명 자료</a:t>
-            </a:r>
-          </a:p>
-        </p:txBody>
-      </p:sp>
-      <p:sp>
-        <p:nvSpPr>
-          <p:cNvPr id="11" name="슬라이드 번호 개체 틀 10">
-            <a:extLst>
-              <a:ext uri="{FF2B5EF4-FFF2-40B4-BE49-F238E27FC236}">
-                <a16:creationId xmlns:a16="http://schemas.microsoft.com/office/drawing/2014/main" id="{BAD5B6F4-0A90-447A-A1AE-D75C934B6B29}"/>
-              </a:ext>
-            </a:extLst>
-          </p:cNvPr>
-          <p:cNvSpPr>
-            <a:spLocks noGrp="1"/>
-          </p:cNvSpPr>
-          <p:nvPr>
-            <p:ph type="sldNum" sz="quarter" idx="12"/>
-          </p:nvPr>
-        </p:nvSpPr>
-        <p:spPr>
-          <a:xfrm>
-            <a:off x="8610600" y="6356350"/>
-            <a:ext cx="2743200" cy="365125"/>
+              <a:t>목자</a:t>
+            </a:r>
+          </a:p>
+        </p:txBody>
+      </p:sp>
+      <p:sp>
+        <p:nvSpPr>
+          <p:cNvPr id="22" name="슬라이드 번호 개체 틀 21">
+            <a:extLst>
+              <a:ext uri="{FF2B5EF4-FFF2-40B4-BE49-F238E27FC236}">
+                <a16:creationId xmlns:a16="http://schemas.microsoft.com/office/drawing/2014/main" id="{5D1BD041-3428-4D62-934F-F3FF6D36F90F}"/>
+              </a:ext>
+            </a:extLst>
+          </p:cNvPr>
+          <p:cNvSpPr>
+            <a:spLocks noGrp="1"/>
+          </p:cNvSpPr>
+          <p:nvPr>
+            <p:ph type="sldNum" sz="quarter" idx="22"/>
+          </p:nvPr>
+        </p:nvSpPr>
+        <p:spPr>
+          <a:xfrm>
+            <a:off x="10700656" y="6356350"/>
+            <a:ext cx="653143" cy="365125"/>
           </a:xfrm>
         </p:spPr>
         <p:txBody>
@@ -21354,80 +22016,16 @@
               <a:pPr rtl="0"/>
               <a:t>3</a:t>
             </a:fld>
-            <a:endParaRPr lang="ko-KR" altLang="en-US" dirty="0"/>
-          </a:p>
-        </p:txBody>
-      </p:sp>
-      <p:sp>
-        <p:nvSpPr>
-          <p:cNvPr id="15" name="제목 1">
-            <a:extLst>
-              <a:ext uri="{FF2B5EF4-FFF2-40B4-BE49-F238E27FC236}">
-                <a16:creationId xmlns:a16="http://schemas.microsoft.com/office/drawing/2014/main" id="{A6B5231E-4F86-DA8D-5717-6BCB83B081D8}"/>
-              </a:ext>
-            </a:extLst>
-          </p:cNvPr>
-          <p:cNvSpPr>
-            <a:spLocks noGrp="1"/>
-          </p:cNvSpPr>
-          <p:nvPr>
-            <p:ph type="title"/>
-          </p:nvPr>
-        </p:nvSpPr>
-        <p:spPr>
-          <a:xfrm>
-            <a:off x="2936557" y="130829"/>
-            <a:ext cx="6318885" cy="642252"/>
-          </a:xfrm>
-        </p:spPr>
-        <p:txBody>
-          <a:bodyPr rtlCol="0"/>
-          <a:lstStyle/>
-          <a:p>
-            <a:pPr rtl="0"/>
-            <a:r>
-              <a:rPr lang="ko-KR" altLang="en-US" b="1" dirty="0"/>
-              <a:t>개념적 기본동작</a:t>
-            </a:r>
-          </a:p>
-        </p:txBody>
-      </p:sp>
-      <p:pic>
-        <p:nvPicPr>
-          <p:cNvPr id="7" name="그림 6">
-            <a:extLst>
-              <a:ext uri="{FF2B5EF4-FFF2-40B4-BE49-F238E27FC236}">
-                <a16:creationId xmlns:a16="http://schemas.microsoft.com/office/drawing/2014/main" id="{56A2B5F7-E914-453D-94D6-8A5E4BF28D65}"/>
-              </a:ext>
-            </a:extLst>
-          </p:cNvPr>
-          <p:cNvPicPr>
-            <a:picLocks noChangeAspect="1"/>
-          </p:cNvPicPr>
-          <p:nvPr/>
-        </p:nvPicPr>
-        <p:blipFill>
-          <a:blip r:embed="rId3"/>
-          <a:stretch>
-            <a:fillRect/>
-          </a:stretch>
-        </p:blipFill>
-        <p:spPr>
-          <a:xfrm>
-            <a:off x="2508090" y="1293414"/>
-            <a:ext cx="7175818" cy="3210234"/>
-          </a:xfrm>
-          <a:prstGeom prst="rect">
-            <a:avLst/>
-          </a:prstGeom>
-        </p:spPr>
-      </p:pic>
-      <p:sp>
-        <p:nvSpPr>
-          <p:cNvPr id="3" name="TextBox 2">
-            <a:extLst>
-              <a:ext uri="{FF2B5EF4-FFF2-40B4-BE49-F238E27FC236}">
-                <a16:creationId xmlns:a16="http://schemas.microsoft.com/office/drawing/2014/main" id="{AC8E4A46-249D-40F2-8D1C-1ABA9D8D7531}"/>
+            <a:endParaRPr lang="ko-KR" altLang="en-US"/>
+          </a:p>
+        </p:txBody>
+      </p:sp>
+      <p:sp>
+        <p:nvSpPr>
+          <p:cNvPr id="31" name="TextBox 30">
+            <a:extLst>
+              <a:ext uri="{FF2B5EF4-FFF2-40B4-BE49-F238E27FC236}">
+                <a16:creationId xmlns:a16="http://schemas.microsoft.com/office/drawing/2014/main" id="{000F1DBF-5B26-70E3-659F-F3614E74557A}"/>
               </a:ext>
             </a:extLst>
           </p:cNvPr>
@@ -21436,8 +22034,8 @@
         </p:nvSpPr>
         <p:spPr>
           <a:xfrm>
-            <a:off x="2209800" y="5078027"/>
-            <a:ext cx="4545219" cy="923330"/>
+            <a:off x="5508140" y="1997839"/>
+            <a:ext cx="4686860" cy="2862322"/>
           </a:xfrm>
           <a:prstGeom prst="rect">
             <a:avLst/>
@@ -21451,87 +22049,169 @@
           <a:lstStyle/>
           <a:p>
             <a:r>
-              <a:rPr lang="en-US" altLang="ko-KR" dirty="0" err="1">
+              <a:rPr lang="en-US" altLang="ko-KR" b="1" dirty="0">
                 <a:latin typeface="맑은 고딕" panose="020B0503020000020004" pitchFamily="50" charset="-127"/>
                 <a:ea typeface="맑은 고딕" panose="020B0503020000020004" pitchFamily="50" charset="-127"/>
               </a:rPr>
-              <a:t>GameService</a:t>
-            </a:r>
-            <a:r>
-              <a:rPr lang="en-US" altLang="ko-KR" dirty="0">
+              <a:t>OS: </a:t>
+            </a:r>
+            <a:r>
+              <a:rPr lang="ko-KR" altLang="en-US" b="1" dirty="0">
                 <a:latin typeface="맑은 고딕" panose="020B0503020000020004" pitchFamily="50" charset="-127"/>
                 <a:ea typeface="맑은 고딕" panose="020B0503020000020004" pitchFamily="50" charset="-127"/>
               </a:rPr>
-              <a:t> : </a:t>
-            </a:r>
-            <a:r>
-              <a:rPr lang="ko-KR" altLang="en-US" dirty="0">
+              <a:t>윈도우 </a:t>
+            </a:r>
+            <a:r>
+              <a:rPr lang="en-US" altLang="ko-KR" b="1" dirty="0">
                 <a:latin typeface="맑은 고딕" panose="020B0503020000020004" pitchFamily="50" charset="-127"/>
                 <a:ea typeface="맑은 고딕" panose="020B0503020000020004" pitchFamily="50" charset="-127"/>
               </a:rPr>
-              <a:t>주요 알고리즘 클래스</a:t>
-            </a:r>
-            <a:endParaRPr lang="en-US" altLang="ko-KR" dirty="0">
+              <a:t>10 22H2</a:t>
+            </a:r>
+          </a:p>
+          <a:p>
+            <a:endParaRPr lang="en-US" altLang="ko-KR" b="1" dirty="0">
               <a:latin typeface="맑은 고딕" panose="020B0503020000020004" pitchFamily="50" charset="-127"/>
               <a:ea typeface="맑은 고딕" panose="020B0503020000020004" pitchFamily="50" charset="-127"/>
             </a:endParaRPr>
           </a:p>
           <a:p>
             <a:r>
-              <a:rPr lang="en-US" altLang="ko-KR" dirty="0" err="1">
+              <a:rPr lang="ko-KR" altLang="en-US" b="1" dirty="0">
                 <a:latin typeface="맑은 고딕" panose="020B0503020000020004" pitchFamily="50" charset="-127"/>
                 <a:ea typeface="맑은 고딕" panose="020B0503020000020004" pitchFamily="50" charset="-127"/>
               </a:rPr>
-              <a:t>UIService</a:t>
-            </a:r>
-            <a:r>
-              <a:rPr lang="en-US" altLang="ko-KR" dirty="0">
+              <a:t>폰트</a:t>
+            </a:r>
+            <a:r>
+              <a:rPr lang="en-US" altLang="ko-KR" b="1" dirty="0">
                 <a:latin typeface="맑은 고딕" panose="020B0503020000020004" pitchFamily="50" charset="-127"/>
                 <a:ea typeface="맑은 고딕" panose="020B0503020000020004" pitchFamily="50" charset="-127"/>
               </a:rPr>
-              <a:t> : </a:t>
-            </a:r>
-            <a:r>
-              <a:rPr lang="ko-KR" altLang="en-US" dirty="0">
-                <a:latin typeface="맑은 고딕" panose="020B0503020000020004" pitchFamily="50" charset="-127"/>
-                <a:ea typeface="맑은 고딕" panose="020B0503020000020004" pitchFamily="50" charset="-127"/>
-              </a:rPr>
-              <a:t>출력 위주의 클래스</a:t>
-            </a:r>
-            <a:endParaRPr lang="en-US" altLang="ko-KR" dirty="0">
+              <a:t>: D2Coding</a:t>
+            </a:r>
+          </a:p>
+          <a:p>
+            <a:endParaRPr lang="en-US" altLang="ko-KR" b="1" dirty="0">
               <a:latin typeface="맑은 고딕" panose="020B0503020000020004" pitchFamily="50" charset="-127"/>
               <a:ea typeface="맑은 고딕" panose="020B0503020000020004" pitchFamily="50" charset="-127"/>
             </a:endParaRPr>
           </a:p>
           <a:p>
             <a:r>
-              <a:rPr lang="en-US" altLang="ko-KR" dirty="0" err="1">
+              <a:rPr lang="en-US" altLang="ko-KR" b="1" dirty="0">
                 <a:latin typeface="맑은 고딕" panose="020B0503020000020004" pitchFamily="50" charset="-127"/>
                 <a:ea typeface="맑은 고딕" panose="020B0503020000020004" pitchFamily="50" charset="-127"/>
               </a:rPr>
-              <a:t>ScanService</a:t>
-            </a:r>
-            <a:r>
-              <a:rPr lang="en-US" altLang="ko-KR" dirty="0">
+              <a:t>IDE: </a:t>
+            </a:r>
+            <a:r>
+              <a:rPr lang="ko-KR" altLang="en-US" b="1" dirty="0">
                 <a:latin typeface="맑은 고딕" panose="020B0503020000020004" pitchFamily="50" charset="-127"/>
                 <a:ea typeface="맑은 고딕" panose="020B0503020000020004" pitchFamily="50" charset="-127"/>
               </a:rPr>
-              <a:t> : Scanner</a:t>
-            </a:r>
-            <a:r>
-              <a:rPr lang="ko-KR" altLang="en-US" dirty="0">
+              <a:t>이클립스 </a:t>
+            </a:r>
+            <a:r>
+              <a:rPr lang="en-US" altLang="ko-KR" b="1" dirty="0">
                 <a:latin typeface="맑은 고딕" panose="020B0503020000020004" pitchFamily="50" charset="-127"/>
                 <a:ea typeface="맑은 고딕" panose="020B0503020000020004" pitchFamily="50" charset="-127"/>
               </a:rPr>
-              <a:t>를 통한 입력 클래스</a:t>
-            </a:r>
+              <a:t>2023-12-R</a:t>
+            </a:r>
+          </a:p>
+          <a:p>
+            <a:endParaRPr lang="en-US" altLang="ko-KR" b="1" dirty="0">
+              <a:latin typeface="맑은 고딕" panose="020B0503020000020004" pitchFamily="50" charset="-127"/>
+              <a:ea typeface="맑은 고딕" panose="020B0503020000020004" pitchFamily="50" charset="-127"/>
+            </a:endParaRPr>
+          </a:p>
+          <a:p>
+            <a:r>
+              <a:rPr lang="en-US" altLang="ko-KR" b="1" dirty="0">
+                <a:latin typeface="맑은 고딕" panose="020B0503020000020004" pitchFamily="50" charset="-127"/>
+                <a:ea typeface="맑은 고딕" panose="020B0503020000020004" pitchFamily="50" charset="-127"/>
+              </a:rPr>
+              <a:t>JDK: 15.0.2</a:t>
+            </a:r>
+          </a:p>
+          <a:p>
+            <a:endParaRPr lang="en-US" altLang="ko-KR" b="1" dirty="0">
+              <a:latin typeface="맑은 고딕" panose="020B0503020000020004" pitchFamily="50" charset="-127"/>
+              <a:ea typeface="맑은 고딕" panose="020B0503020000020004" pitchFamily="50" charset="-127"/>
+            </a:endParaRPr>
+          </a:p>
+          <a:p>
+            <a:r>
+              <a:rPr lang="ko-KR" altLang="en-US" b="1" dirty="0">
+                <a:latin typeface="맑은 고딕" panose="020B0503020000020004" pitchFamily="50" charset="-127"/>
+                <a:ea typeface="맑은 고딕" panose="020B0503020000020004" pitchFamily="50" charset="-127"/>
+              </a:rPr>
+              <a:t>기타 이클립스 설정</a:t>
+            </a:r>
+            <a:r>
+              <a:rPr lang="en-US" altLang="ko-KR" b="1" dirty="0">
+                <a:latin typeface="맑은 고딕" panose="020B0503020000020004" pitchFamily="50" charset="-127"/>
+                <a:ea typeface="맑은 고딕" panose="020B0503020000020004" pitchFamily="50" charset="-127"/>
+              </a:rPr>
+              <a:t>:</a:t>
+            </a:r>
+          </a:p>
+          <a:p>
+            <a:r>
+              <a:rPr lang="en-US" altLang="ko-KR" b="1" dirty="0">
+                <a:latin typeface="맑은 고딕" panose="020B0503020000020004" pitchFamily="50" charset="-127"/>
+                <a:ea typeface="맑은 고딕" panose="020B0503020000020004" pitchFamily="50" charset="-127"/>
+              </a:rPr>
+              <a:t>	</a:t>
+            </a:r>
+            <a:r>
+              <a:rPr lang="en-US" altLang="ko-KR" b="1" dirty="0" err="1">
+                <a:latin typeface="맑은 고딕" panose="020B0503020000020004" pitchFamily="50" charset="-127"/>
+                <a:ea typeface="맑은 고딕" panose="020B0503020000020004" pitchFamily="50" charset="-127"/>
+              </a:rPr>
+              <a:t>github</a:t>
+            </a:r>
+            <a:r>
+              <a:rPr lang="ko-KR" altLang="en-US" b="1" dirty="0">
+                <a:latin typeface="맑은 고딕" panose="020B0503020000020004" pitchFamily="50" charset="-127"/>
+                <a:ea typeface="맑은 고딕" panose="020B0503020000020004" pitchFamily="50" charset="-127"/>
+              </a:rPr>
+              <a:t>에 </a:t>
+            </a:r>
+            <a:r>
+              <a:rPr lang="en-US" altLang="ko-KR" b="1" dirty="0" err="1">
+                <a:latin typeface="맑은 고딕" panose="020B0503020000020004" pitchFamily="50" charset="-127"/>
+                <a:ea typeface="맑은 고딕" panose="020B0503020000020004" pitchFamily="50" charset="-127"/>
+              </a:rPr>
+              <a:t>EclipseSetting.epf</a:t>
+            </a:r>
+            <a:r>
+              <a:rPr lang="ko-KR" altLang="en-US" b="1" dirty="0">
+                <a:latin typeface="맑은 고딕" panose="020B0503020000020004" pitchFamily="50" charset="-127"/>
+                <a:ea typeface="맑은 고딕" panose="020B0503020000020004" pitchFamily="50" charset="-127"/>
+              </a:rPr>
+              <a:t> 별첨</a:t>
+            </a:r>
+            <a:r>
+              <a:rPr lang="en-US" altLang="ko-KR" b="1" dirty="0">
+                <a:latin typeface="맑은 고딕" panose="020B0503020000020004" pitchFamily="50" charset="-127"/>
+                <a:ea typeface="맑은 고딕" panose="020B0503020000020004" pitchFamily="50" charset="-127"/>
+              </a:rPr>
+              <a:t>.</a:t>
+            </a:r>
+            <a:endParaRPr lang="ko-KR" altLang="en-US" b="1" dirty="0">
+              <a:latin typeface="맑은 고딕" panose="020B0503020000020004" pitchFamily="50" charset="-127"/>
+              <a:ea typeface="맑은 고딕" panose="020B0503020000020004" pitchFamily="50" charset="-127"/>
+            </a:endParaRPr>
           </a:p>
         </p:txBody>
       </p:sp>
     </p:spTree>
     <p:extLst>
       <p:ext uri="{BB962C8B-B14F-4D97-AF65-F5344CB8AC3E}">
-        <p14:creationId xmlns:p14="http://schemas.microsoft.com/office/powerpoint/2010/main" val="2121178069"/>
+        <p14:creationId xmlns:p14="http://schemas.microsoft.com/office/powerpoint/2010/main" val="2844424335"/>
       </p:ext>
     </p:extLst>
   </p:cSld>
@@ -21695,85 +22375,18 @@
           <a:p>
             <a:pPr rtl="0"/>
             <a:r>
-              <a:rPr lang="en-US" altLang="ko-KR" b="1" dirty="0"/>
-              <a:t>Service</a:t>
-            </a:r>
-            <a:r>
               <a:rPr lang="ko-KR" altLang="en-US" b="1" dirty="0"/>
-              <a:t>간 데이터공유</a:t>
-            </a:r>
-          </a:p>
-        </p:txBody>
-      </p:sp>
-      <p:sp>
-        <p:nvSpPr>
-          <p:cNvPr id="3" name="TextBox 2">
-            <a:extLst>
-              <a:ext uri="{FF2B5EF4-FFF2-40B4-BE49-F238E27FC236}">
-                <a16:creationId xmlns:a16="http://schemas.microsoft.com/office/drawing/2014/main" id="{AC8E4A46-249D-40F2-8D1C-1ABA9D8D7531}"/>
-              </a:ext>
-            </a:extLst>
-          </p:cNvPr>
-          <p:cNvSpPr txBox="1"/>
-          <p:nvPr/>
-        </p:nvSpPr>
-        <p:spPr>
-          <a:xfrm>
-            <a:off x="2209800" y="5220075"/>
-            <a:ext cx="6560194" cy="369332"/>
-          </a:xfrm>
-          <a:prstGeom prst="rect">
-            <a:avLst/>
-          </a:prstGeom>
-          <a:noFill/>
-        </p:spPr>
-        <p:txBody>
-          <a:bodyPr wrap="none" rtlCol="0">
-            <a:spAutoFit/>
-          </a:bodyPr>
-          <a:lstStyle/>
-          <a:p>
-            <a:r>
-              <a:rPr lang="ko-KR" altLang="en-US" dirty="0">
-                <a:latin typeface="맑은 고딕" panose="020B0503020000020004" pitchFamily="50" charset="-127"/>
-                <a:ea typeface="맑은 고딕" panose="020B0503020000020004" pitchFamily="50" charset="-127"/>
-              </a:rPr>
-              <a:t>주로 </a:t>
-            </a:r>
-            <a:r>
-              <a:rPr lang="en-US" altLang="ko-KR" dirty="0" err="1">
-                <a:latin typeface="맑은 고딕" panose="020B0503020000020004" pitchFamily="50" charset="-127"/>
-                <a:ea typeface="맑은 고딕" panose="020B0503020000020004" pitchFamily="50" charset="-127"/>
-              </a:rPr>
-              <a:t>GameService</a:t>
-            </a:r>
-            <a:r>
-              <a:rPr lang="ko-KR" altLang="en-US" dirty="0">
-                <a:latin typeface="맑은 고딕" panose="020B0503020000020004" pitchFamily="50" charset="-127"/>
-                <a:ea typeface="맑은 고딕" panose="020B0503020000020004" pitchFamily="50" charset="-127"/>
-              </a:rPr>
-              <a:t>에서 데이터를 변경하고 나머지는 조회한다</a:t>
-            </a:r>
-            <a:r>
-              <a:rPr lang="en-US" altLang="ko-KR" dirty="0">
-                <a:latin typeface="맑은 고딕" panose="020B0503020000020004" pitchFamily="50" charset="-127"/>
-                <a:ea typeface="맑은 고딕" panose="020B0503020000020004" pitchFamily="50" charset="-127"/>
-              </a:rPr>
-              <a:t>.</a:t>
-            </a:r>
-            <a:endParaRPr lang="ko-KR" altLang="en-US" dirty="0">
-              <a:latin typeface="맑은 고딕" panose="020B0503020000020004" pitchFamily="50" charset="-127"/>
-              <a:ea typeface="맑은 고딕" panose="020B0503020000020004" pitchFamily="50" charset="-127"/>
-            </a:endParaRPr>
+              <a:t>개념적 기본동작</a:t>
+            </a:r>
           </a:p>
         </p:txBody>
       </p:sp>
       <p:pic>
         <p:nvPicPr>
-          <p:cNvPr id="4" name="그림 3">
-            <a:extLst>
-              <a:ext uri="{FF2B5EF4-FFF2-40B4-BE49-F238E27FC236}">
-                <a16:creationId xmlns:a16="http://schemas.microsoft.com/office/drawing/2014/main" id="{BA44A0CA-F1EA-47DB-B09E-BAE72E7072F7}"/>
+          <p:cNvPr id="7" name="그림 6">
+            <a:extLst>
+              <a:ext uri="{FF2B5EF4-FFF2-40B4-BE49-F238E27FC236}">
+                <a16:creationId xmlns:a16="http://schemas.microsoft.com/office/drawing/2014/main" id="{56A2B5F7-E914-453D-94D6-8A5E4BF28D65}"/>
               </a:ext>
             </a:extLst>
           </p:cNvPr>
@@ -21790,18 +22403,124 @@
         </p:blipFill>
         <p:spPr>
           <a:xfrm>
-            <a:off x="2833848" y="1128074"/>
-            <a:ext cx="6524302" cy="3861322"/>
+            <a:off x="2508090" y="1293414"/>
+            <a:ext cx="7175818" cy="3210234"/>
           </a:xfrm>
           <a:prstGeom prst="rect">
             <a:avLst/>
           </a:prstGeom>
         </p:spPr>
       </p:pic>
+      <p:sp>
+        <p:nvSpPr>
+          <p:cNvPr id="3" name="TextBox 2">
+            <a:extLst>
+              <a:ext uri="{FF2B5EF4-FFF2-40B4-BE49-F238E27FC236}">
+                <a16:creationId xmlns:a16="http://schemas.microsoft.com/office/drawing/2014/main" id="{AC8E4A46-249D-40F2-8D1C-1ABA9D8D7531}"/>
+              </a:ext>
+            </a:extLst>
+          </p:cNvPr>
+          <p:cNvSpPr txBox="1"/>
+          <p:nvPr/>
+        </p:nvSpPr>
+        <p:spPr>
+          <a:xfrm>
+            <a:off x="2209800" y="5078027"/>
+            <a:ext cx="4545219" cy="923330"/>
+          </a:xfrm>
+          <a:prstGeom prst="rect">
+            <a:avLst/>
+          </a:prstGeom>
+          <a:noFill/>
+        </p:spPr>
+        <p:txBody>
+          <a:bodyPr wrap="none" rtlCol="0">
+            <a:spAutoFit/>
+          </a:bodyPr>
+          <a:lstStyle/>
+          <a:p>
+            <a:r>
+              <a:rPr lang="en-US" altLang="ko-KR" dirty="0" err="1">
+                <a:latin typeface="맑은 고딕" panose="020B0503020000020004" pitchFamily="50" charset="-127"/>
+                <a:ea typeface="맑은 고딕" panose="020B0503020000020004" pitchFamily="50" charset="-127"/>
+              </a:rPr>
+              <a:t>GameService</a:t>
+            </a:r>
+            <a:r>
+              <a:rPr lang="en-US" altLang="ko-KR" dirty="0">
+                <a:latin typeface="맑은 고딕" panose="020B0503020000020004" pitchFamily="50" charset="-127"/>
+                <a:ea typeface="맑은 고딕" panose="020B0503020000020004" pitchFamily="50" charset="-127"/>
+              </a:rPr>
+              <a:t> : </a:t>
+            </a:r>
+            <a:r>
+              <a:rPr lang="ko-KR" altLang="en-US" dirty="0">
+                <a:latin typeface="맑은 고딕" panose="020B0503020000020004" pitchFamily="50" charset="-127"/>
+                <a:ea typeface="맑은 고딕" panose="020B0503020000020004" pitchFamily="50" charset="-127"/>
+              </a:rPr>
+              <a:t>주요 알고리즘 클래스</a:t>
+            </a:r>
+            <a:endParaRPr lang="en-US" altLang="ko-KR" dirty="0">
+              <a:latin typeface="맑은 고딕" panose="020B0503020000020004" pitchFamily="50" charset="-127"/>
+              <a:ea typeface="맑은 고딕" panose="020B0503020000020004" pitchFamily="50" charset="-127"/>
+            </a:endParaRPr>
+          </a:p>
+          <a:p>
+            <a:r>
+              <a:rPr lang="en-US" altLang="ko-KR" dirty="0" err="1">
+                <a:latin typeface="맑은 고딕" panose="020B0503020000020004" pitchFamily="50" charset="-127"/>
+                <a:ea typeface="맑은 고딕" panose="020B0503020000020004" pitchFamily="50" charset="-127"/>
+              </a:rPr>
+              <a:t>UIService</a:t>
+            </a:r>
+            <a:r>
+              <a:rPr lang="en-US" altLang="ko-KR" dirty="0">
+                <a:latin typeface="맑은 고딕" panose="020B0503020000020004" pitchFamily="50" charset="-127"/>
+                <a:ea typeface="맑은 고딕" panose="020B0503020000020004" pitchFamily="50" charset="-127"/>
+              </a:rPr>
+              <a:t> : </a:t>
+            </a:r>
+            <a:r>
+              <a:rPr lang="ko-KR" altLang="en-US" dirty="0">
+                <a:latin typeface="맑은 고딕" panose="020B0503020000020004" pitchFamily="50" charset="-127"/>
+                <a:ea typeface="맑은 고딕" panose="020B0503020000020004" pitchFamily="50" charset="-127"/>
+              </a:rPr>
+              <a:t>출력 위주의 클래스</a:t>
+            </a:r>
+            <a:endParaRPr lang="en-US" altLang="ko-KR" dirty="0">
+              <a:latin typeface="맑은 고딕" panose="020B0503020000020004" pitchFamily="50" charset="-127"/>
+              <a:ea typeface="맑은 고딕" panose="020B0503020000020004" pitchFamily="50" charset="-127"/>
+            </a:endParaRPr>
+          </a:p>
+          <a:p>
+            <a:r>
+              <a:rPr lang="en-US" altLang="ko-KR" dirty="0" err="1">
+                <a:latin typeface="맑은 고딕" panose="020B0503020000020004" pitchFamily="50" charset="-127"/>
+                <a:ea typeface="맑은 고딕" panose="020B0503020000020004" pitchFamily="50" charset="-127"/>
+              </a:rPr>
+              <a:t>ScanService</a:t>
+            </a:r>
+            <a:r>
+              <a:rPr lang="en-US" altLang="ko-KR" dirty="0">
+                <a:latin typeface="맑은 고딕" panose="020B0503020000020004" pitchFamily="50" charset="-127"/>
+                <a:ea typeface="맑은 고딕" panose="020B0503020000020004" pitchFamily="50" charset="-127"/>
+              </a:rPr>
+              <a:t> : Scanner</a:t>
+            </a:r>
+            <a:r>
+              <a:rPr lang="ko-KR" altLang="en-US" dirty="0">
+                <a:latin typeface="맑은 고딕" panose="020B0503020000020004" pitchFamily="50" charset="-127"/>
+                <a:ea typeface="맑은 고딕" panose="020B0503020000020004" pitchFamily="50" charset="-127"/>
+              </a:rPr>
+              <a:t>를 통한 입력 클래스</a:t>
+            </a:r>
+          </a:p>
+        </p:txBody>
+      </p:sp>
     </p:spTree>
     <p:extLst>
       <p:ext uri="{BB962C8B-B14F-4D97-AF65-F5344CB8AC3E}">
-        <p14:creationId xmlns:p14="http://schemas.microsoft.com/office/powerpoint/2010/main" val="999224840"/>
+        <p14:creationId xmlns:p14="http://schemas.microsoft.com/office/powerpoint/2010/main" val="2121178069"/>
       </p:ext>
     </p:extLst>
   </p:cSld>
@@ -21965,8 +22684,12 @@
           <a:p>
             <a:pPr rtl="0"/>
             <a:r>
+              <a:rPr lang="en-US" altLang="ko-KR" b="1" dirty="0"/>
+              <a:t>Service</a:t>
+            </a:r>
+            <a:r>
               <a:rPr lang="ko-KR" altLang="en-US" b="1" dirty="0"/>
-              <a:t>출력</a:t>
+              <a:t>간 데이터공유</a:t>
             </a:r>
           </a:p>
         </p:txBody>
@@ -21985,8 +22708,8 @@
         </p:nvSpPr>
         <p:spPr>
           <a:xfrm>
-            <a:off x="2209800" y="5260852"/>
-            <a:ext cx="6038769" cy="369332"/>
+            <a:off x="2209800" y="5220075"/>
+            <a:ext cx="6560194" cy="369332"/>
           </a:xfrm>
           <a:prstGeom prst="rect">
             <a:avLst/>
@@ -22004,21 +22727,21 @@
                 <a:latin typeface="맑은 고딕" panose="020B0503020000020004" pitchFamily="50" charset="-127"/>
                 <a:ea typeface="맑은 고딕" panose="020B0503020000020004" pitchFamily="50" charset="-127"/>
               </a:rPr>
-              <a:t>공용 데이터를 변경시키고 </a:t>
-            </a:r>
-            <a:r>
-              <a:rPr lang="en-US" altLang="ko-KR" dirty="0">
+              <a:t>주로 </a:t>
+            </a:r>
+            <a:r>
+              <a:rPr lang="en-US" altLang="ko-KR" dirty="0" err="1">
                 <a:latin typeface="맑은 고딕" panose="020B0503020000020004" pitchFamily="50" charset="-127"/>
                 <a:ea typeface="맑은 고딕" panose="020B0503020000020004" pitchFamily="50" charset="-127"/>
               </a:rPr>
-              <a:t>paint() </a:t>
+              <a:t>GameService</a:t>
             </a:r>
             <a:r>
               <a:rPr lang="ko-KR" altLang="en-US" dirty="0">
                 <a:latin typeface="맑은 고딕" panose="020B0503020000020004" pitchFamily="50" charset="-127"/>
                 <a:ea typeface="맑은 고딕" panose="020B0503020000020004" pitchFamily="50" charset="-127"/>
               </a:rPr>
-              <a:t>호출로 동적 화면 표현</a:t>
+              <a:t>에서 데이터를 변경하고 나머지는 조회한다</a:t>
             </a:r>
             <a:r>
               <a:rPr lang="en-US" altLang="ko-KR" dirty="0">
@@ -22036,10 +22759,10 @@
       </p:sp>
       <p:pic>
         <p:nvPicPr>
-          <p:cNvPr id="5" name="그림 4">
-            <a:extLst>
-              <a:ext uri="{FF2B5EF4-FFF2-40B4-BE49-F238E27FC236}">
-                <a16:creationId xmlns:a16="http://schemas.microsoft.com/office/drawing/2014/main" id="{506B5979-BC9E-48A5-AED7-5EE697A962BF}"/>
+          <p:cNvPr id="4" name="그림 3">
+            <a:extLst>
+              <a:ext uri="{FF2B5EF4-FFF2-40B4-BE49-F238E27FC236}">
+                <a16:creationId xmlns:a16="http://schemas.microsoft.com/office/drawing/2014/main" id="{BA44A0CA-F1EA-47DB-B09E-BAE72E7072F7}"/>
               </a:ext>
             </a:extLst>
           </p:cNvPr>
@@ -22056,8 +22779,8 @@
         </p:blipFill>
         <p:spPr>
           <a:xfrm>
-            <a:off x="3232165" y="952875"/>
-            <a:ext cx="5248275" cy="4267200"/>
+            <a:off x="2833848" y="1128074"/>
+            <a:ext cx="6524302" cy="3861322"/>
           </a:xfrm>
           <a:prstGeom prst="rect">
             <a:avLst/>
@@ -22067,7 +22790,7 @@
     </p:spTree>
     <p:extLst>
       <p:ext uri="{BB962C8B-B14F-4D97-AF65-F5344CB8AC3E}">
-        <p14:creationId xmlns:p14="http://schemas.microsoft.com/office/powerpoint/2010/main" val="1409835061"/>
+        <p14:creationId xmlns:p14="http://schemas.microsoft.com/office/powerpoint/2010/main" val="999224840"/>
       </p:ext>
     </p:extLst>
   </p:cSld>
@@ -22232,7 +22955,7 @@
             <a:pPr rtl="0"/>
             <a:r>
               <a:rPr lang="ko-KR" altLang="en-US" b="1" dirty="0"/>
-              <a:t>입력</a:t>
+              <a:t>출력</a:t>
             </a:r>
           </a:p>
         </p:txBody>
@@ -22251,8 +22974,8 @@
         </p:nvSpPr>
         <p:spPr>
           <a:xfrm>
-            <a:off x="2387354" y="5406730"/>
-            <a:ext cx="6635471" cy="923330"/>
+            <a:off x="2209800" y="5260852"/>
+            <a:ext cx="6038769" cy="369332"/>
           </a:xfrm>
           <a:prstGeom prst="rect">
             <a:avLst/>
@@ -22270,144 +22993,21 @@
                 <a:latin typeface="맑은 고딕" panose="020B0503020000020004" pitchFamily="50" charset="-127"/>
                 <a:ea typeface="맑은 고딕" panose="020B0503020000020004" pitchFamily="50" charset="-127"/>
               </a:rPr>
-              <a:t>상황에 맞는 </a:t>
+              <a:t>공용 데이터를 변경시키고 </a:t>
             </a:r>
             <a:r>
               <a:rPr lang="en-US" altLang="ko-KR" dirty="0">
                 <a:latin typeface="맑은 고딕" panose="020B0503020000020004" pitchFamily="50" charset="-127"/>
                 <a:ea typeface="맑은 고딕" panose="020B0503020000020004" pitchFamily="50" charset="-127"/>
               </a:rPr>
-              <a:t>scan..() </a:t>
+              <a:t>paint() </a:t>
             </a:r>
             <a:r>
               <a:rPr lang="ko-KR" altLang="en-US" dirty="0">
                 <a:latin typeface="맑은 고딕" panose="020B0503020000020004" pitchFamily="50" charset="-127"/>
                 <a:ea typeface="맑은 고딕" panose="020B0503020000020004" pitchFamily="50" charset="-127"/>
               </a:rPr>
-              <a:t>메소드 호출로 처리</a:t>
-            </a:r>
-            <a:r>
-              <a:rPr lang="en-US" altLang="ko-KR" dirty="0">
-                <a:latin typeface="맑은 고딕" panose="020B0503020000020004" pitchFamily="50" charset="-127"/>
-                <a:ea typeface="맑은 고딕" panose="020B0503020000020004" pitchFamily="50" charset="-127"/>
-              </a:rPr>
-              <a:t>.</a:t>
-            </a:r>
-          </a:p>
-          <a:p>
-            <a:r>
-              <a:rPr lang="ko-KR" altLang="en-US" dirty="0" err="1">
-                <a:latin typeface="맑은 고딕" panose="020B0503020000020004" pitchFamily="50" charset="-127"/>
-                <a:ea typeface="맑은 고딕" panose="020B0503020000020004" pitchFamily="50" charset="-127"/>
-              </a:rPr>
-              <a:t>예외중</a:t>
-            </a:r>
-            <a:r>
-              <a:rPr lang="ko-KR" altLang="en-US" dirty="0">
-                <a:latin typeface="맑은 고딕" panose="020B0503020000020004" pitchFamily="50" charset="-127"/>
-                <a:ea typeface="맑은 고딕" panose="020B0503020000020004" pitchFamily="50" charset="-127"/>
-              </a:rPr>
-              <a:t> </a:t>
-            </a:r>
-            <a:r>
-              <a:rPr lang="en-US" altLang="ko-KR" dirty="0">
-                <a:latin typeface="맑은 고딕" panose="020B0503020000020004" pitchFamily="50" charset="-127"/>
-                <a:ea typeface="맑은 고딕" panose="020B0503020000020004" pitchFamily="50" charset="-127"/>
-              </a:rPr>
-              <a:t>“</a:t>
-            </a:r>
-            <a:r>
-              <a:rPr lang="ko-KR" altLang="en-US" dirty="0">
-                <a:latin typeface="맑은 고딕" panose="020B0503020000020004" pitchFamily="50" charset="-127"/>
-                <a:ea typeface="맑은 고딕" panose="020B0503020000020004" pitchFamily="50" charset="-127"/>
-              </a:rPr>
-              <a:t>범위가 벗어나는 입력</a:t>
-            </a:r>
-            <a:r>
-              <a:rPr lang="en-US" altLang="ko-KR" dirty="0">
-                <a:latin typeface="맑은 고딕" panose="020B0503020000020004" pitchFamily="50" charset="-127"/>
-                <a:ea typeface="맑은 고딕" panose="020B0503020000020004" pitchFamily="50" charset="-127"/>
-              </a:rPr>
-              <a:t>”</a:t>
-            </a:r>
-            <a:r>
-              <a:rPr lang="ko-KR" altLang="en-US" dirty="0">
-                <a:latin typeface="맑은 고딕" panose="020B0503020000020004" pitchFamily="50" charset="-127"/>
-                <a:ea typeface="맑은 고딕" panose="020B0503020000020004" pitchFamily="50" charset="-127"/>
-              </a:rPr>
-              <a:t>은 </a:t>
-            </a:r>
-            <a:r>
-              <a:rPr lang="en-US" altLang="ko-KR" dirty="0" err="1">
-                <a:latin typeface="맑은 고딕" panose="020B0503020000020004" pitchFamily="50" charset="-127"/>
-                <a:ea typeface="맑은 고딕" panose="020B0503020000020004" pitchFamily="50" charset="-127"/>
-              </a:rPr>
-              <a:t>ScanService</a:t>
-            </a:r>
-            <a:r>
-              <a:rPr lang="ko-KR" altLang="en-US" dirty="0">
-                <a:latin typeface="맑은 고딕" panose="020B0503020000020004" pitchFamily="50" charset="-127"/>
-                <a:ea typeface="맑은 고딕" panose="020B0503020000020004" pitchFamily="50" charset="-127"/>
-              </a:rPr>
-              <a:t>에서 자체처리</a:t>
-            </a:r>
-            <a:r>
-              <a:rPr lang="en-US" altLang="ko-KR" dirty="0">
-                <a:latin typeface="맑은 고딕" panose="020B0503020000020004" pitchFamily="50" charset="-127"/>
-                <a:ea typeface="맑은 고딕" panose="020B0503020000020004" pitchFamily="50" charset="-127"/>
-              </a:rPr>
-              <a:t>.</a:t>
-            </a:r>
-          </a:p>
-          <a:p>
-            <a:r>
-              <a:rPr lang="en-US" altLang="ko-KR" dirty="0">
-                <a:latin typeface="맑은 고딕" panose="020B0503020000020004" pitchFamily="50" charset="-127"/>
-                <a:ea typeface="맑은 고딕" panose="020B0503020000020004" pitchFamily="50" charset="-127"/>
-              </a:rPr>
-              <a:t>	: </a:t>
-            </a:r>
-            <a:r>
-              <a:rPr lang="ko-KR" altLang="en-US" dirty="0" err="1">
-                <a:latin typeface="맑은 고딕" panose="020B0503020000020004" pitchFamily="50" charset="-127"/>
-                <a:ea typeface="맑은 고딕" panose="020B0503020000020004" pitchFamily="50" charset="-127"/>
-              </a:rPr>
-              <a:t>콜백을</a:t>
-            </a:r>
-            <a:r>
-              <a:rPr lang="ko-KR" altLang="en-US" dirty="0">
-                <a:latin typeface="맑은 고딕" panose="020B0503020000020004" pitchFamily="50" charset="-127"/>
-                <a:ea typeface="맑은 고딕" panose="020B0503020000020004" pitchFamily="50" charset="-127"/>
-              </a:rPr>
-              <a:t> 이용해 </a:t>
-            </a:r>
-            <a:r>
-              <a:rPr lang="en-US" altLang="ko-KR" dirty="0" err="1">
-                <a:latin typeface="맑은 고딕" panose="020B0503020000020004" pitchFamily="50" charset="-127"/>
-                <a:ea typeface="맑은 고딕" panose="020B0503020000020004" pitchFamily="50" charset="-127"/>
-              </a:rPr>
-              <a:t>GameService</a:t>
-            </a:r>
-            <a:r>
-              <a:rPr lang="ko-KR" altLang="en-US" dirty="0">
-                <a:latin typeface="맑은 고딕" panose="020B0503020000020004" pitchFamily="50" charset="-127"/>
-                <a:ea typeface="맑은 고딕" panose="020B0503020000020004" pitchFamily="50" charset="-127"/>
-              </a:rPr>
-              <a:t>의 </a:t>
-            </a:r>
-            <a:r>
-              <a:rPr lang="en-US" altLang="ko-KR" dirty="0">
-                <a:latin typeface="맑은 고딕" panose="020B0503020000020004" pitchFamily="50" charset="-127"/>
-                <a:ea typeface="맑은 고딕" panose="020B0503020000020004" pitchFamily="50" charset="-127"/>
-              </a:rPr>
-              <a:t>paint()</a:t>
-            </a:r>
-            <a:r>
-              <a:rPr lang="ko-KR" altLang="en-US" dirty="0">
-                <a:latin typeface="맑은 고딕" panose="020B0503020000020004" pitchFamily="50" charset="-127"/>
-                <a:ea typeface="맑은 고딕" panose="020B0503020000020004" pitchFamily="50" charset="-127"/>
-              </a:rPr>
-              <a:t>호출부를 호출</a:t>
+              <a:t>호출로 동적 화면 표현</a:t>
             </a:r>
             <a:r>
               <a:rPr lang="en-US" altLang="ko-KR" dirty="0">
@@ -22425,10 +23025,10 @@
       </p:sp>
       <p:pic>
         <p:nvPicPr>
-          <p:cNvPr id="4" name="그림 3">
-            <a:extLst>
-              <a:ext uri="{FF2B5EF4-FFF2-40B4-BE49-F238E27FC236}">
-                <a16:creationId xmlns:a16="http://schemas.microsoft.com/office/drawing/2014/main" id="{BD94CDE5-324C-4766-B76A-A8518BD0DD23}"/>
+          <p:cNvPr id="5" name="그림 4">
+            <a:extLst>
+              <a:ext uri="{FF2B5EF4-FFF2-40B4-BE49-F238E27FC236}">
+                <a16:creationId xmlns:a16="http://schemas.microsoft.com/office/drawing/2014/main" id="{506B5979-BC9E-48A5-AED7-5EE697A962BF}"/>
               </a:ext>
             </a:extLst>
           </p:cNvPr>
@@ -22445,8 +23045,8 @@
         </p:blipFill>
         <p:spPr>
           <a:xfrm>
-            <a:off x="3177848" y="808668"/>
-            <a:ext cx="5248275" cy="4562475"/>
+            <a:off x="3232165" y="952875"/>
+            <a:ext cx="5248275" cy="4267200"/>
           </a:xfrm>
           <a:prstGeom prst="rect">
             <a:avLst/>
@@ -22456,7 +23056,7 @@
     </p:spTree>
     <p:extLst>
       <p:ext uri="{BB962C8B-B14F-4D97-AF65-F5344CB8AC3E}">
-        <p14:creationId xmlns:p14="http://schemas.microsoft.com/office/powerpoint/2010/main" val="3991304688"/>
+        <p14:creationId xmlns:p14="http://schemas.microsoft.com/office/powerpoint/2010/main" val="1409835061"/>
       </p:ext>
     </p:extLst>
   </p:cSld>
@@ -22621,7 +23221,7 @@
             <a:pPr rtl="0"/>
             <a:r>
               <a:rPr lang="ko-KR" altLang="en-US" b="1" dirty="0"/>
-              <a:t>카드의 구조</a:t>
+              <a:t>입력</a:t>
             </a:r>
           </a:p>
         </p:txBody>
@@ -22640,8 +23240,8 @@
         </p:nvSpPr>
         <p:spPr>
           <a:xfrm>
-            <a:off x="2209800" y="4704630"/>
-            <a:ext cx="6031266" cy="923330"/>
+            <a:off x="2387354" y="5406730"/>
+            <a:ext cx="6635471" cy="923330"/>
           </a:xfrm>
           <a:prstGeom prst="rect">
             <a:avLst/>
@@ -22659,35 +23259,21 @@
                 <a:latin typeface="맑은 고딕" panose="020B0503020000020004" pitchFamily="50" charset="-127"/>
                 <a:ea typeface="맑은 고딕" panose="020B0503020000020004" pitchFamily="50" charset="-127"/>
               </a:rPr>
-              <a:t>카드는 </a:t>
+              <a:t>상황에 맞는 </a:t>
             </a:r>
             <a:r>
               <a:rPr lang="en-US" altLang="ko-KR" dirty="0">
                 <a:latin typeface="맑은 고딕" panose="020B0503020000020004" pitchFamily="50" charset="-127"/>
                 <a:ea typeface="맑은 고딕" panose="020B0503020000020004" pitchFamily="50" charset="-127"/>
               </a:rPr>
-              <a:t>2</a:t>
+              <a:t>scan..() </a:t>
             </a:r>
             <a:r>
               <a:rPr lang="ko-KR" altLang="en-US" dirty="0">
                 <a:latin typeface="맑은 고딕" panose="020B0503020000020004" pitchFamily="50" charset="-127"/>
                 <a:ea typeface="맑은 고딕" panose="020B0503020000020004" pitchFamily="50" charset="-127"/>
               </a:rPr>
-              <a:t>가지 </a:t>
-            </a:r>
-            <a:r>
-              <a:rPr lang="en-US" altLang="ko-KR" dirty="0">
-                <a:latin typeface="맑은 고딕" panose="020B0503020000020004" pitchFamily="50" charset="-127"/>
-                <a:ea typeface="맑은 고딕" panose="020B0503020000020004" pitchFamily="50" charset="-127"/>
-              </a:rPr>
-              <a:t>Enum</a:t>
-            </a:r>
-            <a:r>
-              <a:rPr lang="ko-KR" altLang="en-US" dirty="0">
-                <a:latin typeface="맑은 고딕" panose="020B0503020000020004" pitchFamily="50" charset="-127"/>
-                <a:ea typeface="맑은 고딕" panose="020B0503020000020004" pitchFamily="50" charset="-127"/>
-              </a:rPr>
-              <a:t>으로 구성되어 있다</a:t>
+              <a:t>메소드 호출로 처리</a:t>
             </a:r>
             <a:r>
               <a:rPr lang="en-US" altLang="ko-KR" dirty="0">
@@ -22699,39 +23285,67 @@
           </a:p>
           <a:p>
             <a:r>
+              <a:rPr lang="ko-KR" altLang="en-US" dirty="0" err="1">
+                <a:latin typeface="맑은 고딕" panose="020B0503020000020004" pitchFamily="50" charset="-127"/>
+                <a:ea typeface="맑은 고딕" panose="020B0503020000020004" pitchFamily="50" charset="-127"/>
+              </a:rPr>
+              <a:t>예외중</a:t>
+            </a:r>
+            <a:r>
+              <a:rPr lang="ko-KR" altLang="en-US" dirty="0">
+                <a:latin typeface="맑은 고딕" panose="020B0503020000020004" pitchFamily="50" charset="-127"/>
+                <a:ea typeface="맑은 고딕" panose="020B0503020000020004" pitchFamily="50" charset="-127"/>
+              </a:rPr>
+              <a:t> </a:t>
+            </a:r>
+            <a:r>
               <a:rPr lang="en-US" altLang="ko-KR" dirty="0">
                 <a:latin typeface="맑은 고딕" panose="020B0503020000020004" pitchFamily="50" charset="-127"/>
                 <a:ea typeface="맑은 고딕" panose="020B0503020000020004" pitchFamily="50" charset="-127"/>
               </a:rPr>
-              <a:t>Suit : S("♠"), </a:t>
+              <a:t>“</a:t>
             </a:r>
             <a:r>
               <a:rPr lang="ko-KR" altLang="en-US" dirty="0">
                 <a:latin typeface="맑은 고딕" panose="020B0503020000020004" pitchFamily="50" charset="-127"/>
                 <a:ea typeface="맑은 고딕" panose="020B0503020000020004" pitchFamily="50" charset="-127"/>
               </a:rPr>
-              <a:t>식별자</a:t>
+              <a:t>범위가 벗어나는 입력</a:t>
             </a:r>
             <a:r>
               <a:rPr lang="en-US" altLang="ko-KR" dirty="0">
                 <a:latin typeface="맑은 고딕" panose="020B0503020000020004" pitchFamily="50" charset="-127"/>
                 <a:ea typeface="맑은 고딕" panose="020B0503020000020004" pitchFamily="50" charset="-127"/>
               </a:rPr>
-              <a:t>(“</a:t>
+              <a:t>”</a:t>
             </a:r>
             <a:r>
               <a:rPr lang="ko-KR" altLang="en-US" dirty="0">
                 <a:latin typeface="맑은 고딕" panose="020B0503020000020004" pitchFamily="50" charset="-127"/>
                 <a:ea typeface="맑은 고딕" panose="020B0503020000020004" pitchFamily="50" charset="-127"/>
               </a:rPr>
-              <a:t>출력용 텍스트</a:t>
+              <a:t>은 </a:t>
+            </a:r>
+            <a:r>
+              <a:rPr lang="en-US" altLang="ko-KR" dirty="0" err="1">
+                <a:latin typeface="맑은 고딕" panose="020B0503020000020004" pitchFamily="50" charset="-127"/>
+                <a:ea typeface="맑은 고딕" panose="020B0503020000020004" pitchFamily="50" charset="-127"/>
+              </a:rPr>
+              <a:t>ScanService</a:t>
+            </a:r>
+            <a:r>
+              <a:rPr lang="ko-KR" altLang="en-US" dirty="0">
+                <a:latin typeface="맑은 고딕" panose="020B0503020000020004" pitchFamily="50" charset="-127"/>
+                <a:ea typeface="맑은 고딕" panose="020B0503020000020004" pitchFamily="50" charset="-127"/>
+              </a:rPr>
+              <a:t>에서 자체처리</a:t>
             </a:r>
             <a:r>
               <a:rPr lang="en-US" altLang="ko-KR" dirty="0">
                 <a:latin typeface="맑은 고딕" panose="020B0503020000020004" pitchFamily="50" charset="-127"/>
                 <a:ea typeface="맑은 고딕" panose="020B0503020000020004" pitchFamily="50" charset="-127"/>
               </a:rPr>
-              <a:t>“)</a:t>
+              <a:t>.</a:t>
             </a:r>
           </a:p>
           <a:p>
@@ -22740,59 +23354,70 @@
                 <a:latin typeface="맑은 고딕" panose="020B0503020000020004" pitchFamily="50" charset="-127"/>
                 <a:ea typeface="맑은 고딕" panose="020B0503020000020004" pitchFamily="50" charset="-127"/>
               </a:rPr>
-              <a:t>Denomination : NA("A", 11), </a:t>
+              <a:t>	: </a:t>
+            </a:r>
+            <a:r>
+              <a:rPr lang="ko-KR" altLang="en-US" dirty="0" err="1">
+                <a:latin typeface="맑은 고딕" panose="020B0503020000020004" pitchFamily="50" charset="-127"/>
+                <a:ea typeface="맑은 고딕" panose="020B0503020000020004" pitchFamily="50" charset="-127"/>
+              </a:rPr>
+              <a:t>콜백을</a:t>
             </a:r>
             <a:r>
               <a:rPr lang="ko-KR" altLang="en-US" dirty="0">
                 <a:latin typeface="맑은 고딕" panose="020B0503020000020004" pitchFamily="50" charset="-127"/>
                 <a:ea typeface="맑은 고딕" panose="020B0503020000020004" pitchFamily="50" charset="-127"/>
               </a:rPr>
-              <a:t>식별자</a:t>
+              <a:t> 이용해 </a:t>
+            </a:r>
+            <a:r>
+              <a:rPr lang="en-US" altLang="ko-KR" dirty="0" err="1">
+                <a:latin typeface="맑은 고딕" panose="020B0503020000020004" pitchFamily="50" charset="-127"/>
+                <a:ea typeface="맑은 고딕" panose="020B0503020000020004" pitchFamily="50" charset="-127"/>
+              </a:rPr>
+              <a:t>GameService</a:t>
+            </a:r>
+            <a:r>
+              <a:rPr lang="ko-KR" altLang="en-US" dirty="0">
+                <a:latin typeface="맑은 고딕" panose="020B0503020000020004" pitchFamily="50" charset="-127"/>
+                <a:ea typeface="맑은 고딕" panose="020B0503020000020004" pitchFamily="50" charset="-127"/>
+              </a:rPr>
+              <a:t>의 </a:t>
             </a:r>
             <a:r>
               <a:rPr lang="en-US" altLang="ko-KR" dirty="0">
                 <a:latin typeface="맑은 고딕" panose="020B0503020000020004" pitchFamily="50" charset="-127"/>
                 <a:ea typeface="맑은 고딕" panose="020B0503020000020004" pitchFamily="50" charset="-127"/>
               </a:rPr>
-              <a:t>(“</a:t>
+              <a:t>paint()</a:t>
             </a:r>
             <a:r>
               <a:rPr lang="ko-KR" altLang="en-US" dirty="0">
                 <a:latin typeface="맑은 고딕" panose="020B0503020000020004" pitchFamily="50" charset="-127"/>
                 <a:ea typeface="맑은 고딕" panose="020B0503020000020004" pitchFamily="50" charset="-127"/>
               </a:rPr>
-              <a:t>출력용 텍스트</a:t>
+              <a:t>호출부를 호출</a:t>
             </a:r>
             <a:r>
               <a:rPr lang="en-US" altLang="ko-KR" dirty="0">
                 <a:latin typeface="맑은 고딕" panose="020B0503020000020004" pitchFamily="50" charset="-127"/>
                 <a:ea typeface="맑은 고딕" panose="020B0503020000020004" pitchFamily="50" charset="-127"/>
               </a:rPr>
-              <a:t>”, </a:t>
-            </a:r>
-            <a:r>
-              <a:rPr lang="ko-KR" altLang="en-US" dirty="0">
-                <a:latin typeface="맑은 고딕" panose="020B0503020000020004" pitchFamily="50" charset="-127"/>
-                <a:ea typeface="맑은 고딕" panose="020B0503020000020004" pitchFamily="50" charset="-127"/>
-              </a:rPr>
-              <a:t>값</a:t>
-            </a:r>
-            <a:r>
-              <a:rPr lang="en-US" altLang="ko-KR" dirty="0">
-                <a:latin typeface="맑은 고딕" panose="020B0503020000020004" pitchFamily="50" charset="-127"/>
-                <a:ea typeface="맑은 고딕" panose="020B0503020000020004" pitchFamily="50" charset="-127"/>
-              </a:rPr>
-              <a:t>)</a:t>
-            </a:r>
+              <a:t>.</a:t>
+            </a:r>
+            <a:endParaRPr lang="ko-KR" altLang="en-US" dirty="0">
+              <a:latin typeface="맑은 고딕" panose="020B0503020000020004" pitchFamily="50" charset="-127"/>
+              <a:ea typeface="맑은 고딕" panose="020B0503020000020004" pitchFamily="50" charset="-127"/>
+            </a:endParaRPr>
           </a:p>
         </p:txBody>
       </p:sp>
       <p:pic>
         <p:nvPicPr>
-          <p:cNvPr id="5" name="그림 4">
-            <a:extLst>
-              <a:ext uri="{FF2B5EF4-FFF2-40B4-BE49-F238E27FC236}">
-                <a16:creationId xmlns:a16="http://schemas.microsoft.com/office/drawing/2014/main" id="{AB68ED15-B0FB-4668-AF7C-EF25D3A5EEB2}"/>
+          <p:cNvPr id="4" name="그림 3">
+            <a:extLst>
+              <a:ext uri="{FF2B5EF4-FFF2-40B4-BE49-F238E27FC236}">
+                <a16:creationId xmlns:a16="http://schemas.microsoft.com/office/drawing/2014/main" id="{BD94CDE5-324C-4766-B76A-A8518BD0DD23}"/>
               </a:ext>
             </a:extLst>
           </p:cNvPr>
@@ -22809,300 +23434,18 @@
         </p:blipFill>
         <p:spPr>
           <a:xfrm>
-            <a:off x="4490879" y="1540024"/>
-            <a:ext cx="3000137" cy="2106479"/>
+            <a:off x="3177848" y="808668"/>
+            <a:ext cx="5248275" cy="4562475"/>
           </a:xfrm>
           <a:prstGeom prst="rect">
             <a:avLst/>
           </a:prstGeom>
         </p:spPr>
       </p:pic>
-      <p:sp>
-        <p:nvSpPr>
-          <p:cNvPr id="12" name="직사각형 11">
-            <a:extLst>
-              <a:ext uri="{FF2B5EF4-FFF2-40B4-BE49-F238E27FC236}">
-                <a16:creationId xmlns:a16="http://schemas.microsoft.com/office/drawing/2014/main" id="{86D4AEEF-646C-4EAB-AE37-90917D7682D1}"/>
-              </a:ext>
-            </a:extLst>
-          </p:cNvPr>
-          <p:cNvSpPr/>
-          <p:nvPr/>
-        </p:nvSpPr>
-        <p:spPr>
-          <a:xfrm>
-            <a:off x="4714746" y="2252144"/>
-            <a:ext cx="442441" cy="701900"/>
-          </a:xfrm>
-          <a:prstGeom prst="rect">
-            <a:avLst/>
-          </a:prstGeom>
-          <a:noFill/>
-          <a:ln w="38100">
-            <a:solidFill>
-              <a:srgbClr val="C00000"/>
-            </a:solidFill>
-          </a:ln>
-        </p:spPr>
-        <p:style>
-          <a:lnRef idx="2">
-            <a:schemeClr val="accent1">
-              <a:shade val="15000"/>
-            </a:schemeClr>
-          </a:lnRef>
-          <a:fillRef idx="1">
-            <a:schemeClr val="accent1"/>
-          </a:fillRef>
-          <a:effectRef idx="0">
-            <a:schemeClr val="accent1"/>
-          </a:effectRef>
-          <a:fontRef idx="minor">
-            <a:schemeClr val="lt1"/>
-          </a:fontRef>
-        </p:style>
-        <p:txBody>
-          <a:bodyPr rtlCol="0" anchor="ctr"/>
-          <a:lstStyle/>
-          <a:p>
-            <a:pPr algn="ctr"/>
-            <a:endParaRPr lang="ko-KR" altLang="en-US"/>
-          </a:p>
-        </p:txBody>
-      </p:sp>
-      <p:cxnSp>
-        <p:nvCxnSpPr>
-          <p:cNvPr id="13" name="직선 연결선 12">
-            <a:extLst>
-              <a:ext uri="{FF2B5EF4-FFF2-40B4-BE49-F238E27FC236}">
-                <a16:creationId xmlns:a16="http://schemas.microsoft.com/office/drawing/2014/main" id="{5C9A8A84-15F7-4A79-AF74-CD24B0599D35}"/>
-              </a:ext>
-            </a:extLst>
-          </p:cNvPr>
-          <p:cNvCxnSpPr>
-            <a:cxnSpLocks/>
-          </p:cNvCxnSpPr>
-          <p:nvPr/>
-        </p:nvCxnSpPr>
-        <p:spPr>
-          <a:xfrm flipV="1">
-            <a:off x="4038600" y="2954045"/>
-            <a:ext cx="693902" cy="327020"/>
-          </a:xfrm>
-          <a:prstGeom prst="line">
-            <a:avLst/>
-          </a:prstGeom>
-          <a:ln w="38100">
-            <a:solidFill>
-              <a:srgbClr val="C00000"/>
-            </a:solidFill>
-          </a:ln>
-        </p:spPr>
-        <p:style>
-          <a:lnRef idx="3">
-            <a:schemeClr val="accent2"/>
-          </a:lnRef>
-          <a:fillRef idx="0">
-            <a:schemeClr val="accent2"/>
-          </a:fillRef>
-          <a:effectRef idx="2">
-            <a:schemeClr val="accent2"/>
-          </a:effectRef>
-          <a:fontRef idx="minor">
-            <a:schemeClr val="tx1"/>
-          </a:fontRef>
-        </p:style>
-      </p:cxnSp>
-      <p:sp>
-        <p:nvSpPr>
-          <p:cNvPr id="16" name="TextBox 15">
-            <a:extLst>
-              <a:ext uri="{FF2B5EF4-FFF2-40B4-BE49-F238E27FC236}">
-                <a16:creationId xmlns:a16="http://schemas.microsoft.com/office/drawing/2014/main" id="{72FE630E-3F80-4233-A7E1-56D15E05EDF5}"/>
-              </a:ext>
-            </a:extLst>
-          </p:cNvPr>
-          <p:cNvSpPr txBox="1"/>
-          <p:nvPr/>
-        </p:nvSpPr>
-        <p:spPr>
-          <a:xfrm>
-            <a:off x="3396232" y="3244334"/>
-            <a:ext cx="579005" cy="369332"/>
-          </a:xfrm>
-          <a:prstGeom prst="rect">
-            <a:avLst/>
-          </a:prstGeom>
-          <a:noFill/>
-        </p:spPr>
-        <p:txBody>
-          <a:bodyPr wrap="none" rtlCol="0">
-            <a:spAutoFit/>
-          </a:bodyPr>
-          <a:lstStyle/>
-          <a:p>
-            <a:r>
-              <a:rPr lang="en-US" altLang="ko-KR" dirty="0">
-                <a:latin typeface="맑은 고딕" panose="020B0503020000020004" pitchFamily="50" charset="-127"/>
-                <a:ea typeface="맑은 고딕" panose="020B0503020000020004" pitchFamily="50" charset="-127"/>
-              </a:rPr>
-              <a:t>Suit</a:t>
-            </a:r>
-            <a:endParaRPr lang="ko-KR" altLang="en-US" dirty="0">
-              <a:latin typeface="맑은 고딕" panose="020B0503020000020004" pitchFamily="50" charset="-127"/>
-              <a:ea typeface="맑은 고딕" panose="020B0503020000020004" pitchFamily="50" charset="-127"/>
-            </a:endParaRPr>
-          </a:p>
-        </p:txBody>
-      </p:sp>
-      <p:sp>
-        <p:nvSpPr>
-          <p:cNvPr id="17" name="직사각형 16">
-            <a:extLst>
-              <a:ext uri="{FF2B5EF4-FFF2-40B4-BE49-F238E27FC236}">
-                <a16:creationId xmlns:a16="http://schemas.microsoft.com/office/drawing/2014/main" id="{8203FDBA-864B-481B-BDA6-38C15990963E}"/>
-              </a:ext>
-            </a:extLst>
-          </p:cNvPr>
-          <p:cNvSpPr/>
-          <p:nvPr/>
-        </p:nvSpPr>
-        <p:spPr>
-          <a:xfrm>
-            <a:off x="5194876" y="2242312"/>
-            <a:ext cx="442441" cy="711731"/>
-          </a:xfrm>
-          <a:prstGeom prst="rect">
-            <a:avLst/>
-          </a:prstGeom>
-          <a:noFill/>
-          <a:ln w="38100">
-            <a:solidFill>
-              <a:schemeClr val="accent5"/>
-            </a:solidFill>
-          </a:ln>
-        </p:spPr>
-        <p:style>
-          <a:lnRef idx="2">
-            <a:schemeClr val="accent1">
-              <a:shade val="15000"/>
-            </a:schemeClr>
-          </a:lnRef>
-          <a:fillRef idx="1">
-            <a:schemeClr val="accent1"/>
-          </a:fillRef>
-          <a:effectRef idx="0">
-            <a:schemeClr val="accent1"/>
-          </a:effectRef>
-          <a:fontRef idx="minor">
-            <a:schemeClr val="lt1"/>
-          </a:fontRef>
-        </p:style>
-        <p:txBody>
-          <a:bodyPr rtlCol="0" anchor="ctr"/>
-          <a:lstStyle/>
-          <a:p>
-            <a:pPr algn="ctr"/>
-            <a:endParaRPr lang="ko-KR" altLang="en-US" dirty="0">
-              <a:solidFill>
-                <a:schemeClr val="bg1"/>
-              </a:solidFill>
-              <a:highlight>
-                <a:srgbClr val="FFFF00"/>
-              </a:highlight>
-            </a:endParaRPr>
-          </a:p>
-        </p:txBody>
-      </p:sp>
-      <p:cxnSp>
-        <p:nvCxnSpPr>
-          <p:cNvPr id="18" name="직선 연결선 17">
-            <a:extLst>
-              <a:ext uri="{FF2B5EF4-FFF2-40B4-BE49-F238E27FC236}">
-                <a16:creationId xmlns:a16="http://schemas.microsoft.com/office/drawing/2014/main" id="{8D00CB55-8DAD-40E7-BE6F-C2AEC6490BEB}"/>
-              </a:ext>
-            </a:extLst>
-          </p:cNvPr>
-          <p:cNvCxnSpPr>
-            <a:cxnSpLocks/>
-            <a:endCxn id="17" idx="2"/>
-          </p:cNvCxnSpPr>
-          <p:nvPr/>
-        </p:nvCxnSpPr>
-        <p:spPr>
-          <a:xfrm flipH="1" flipV="1">
-            <a:off x="5416097" y="2954043"/>
-            <a:ext cx="73800" cy="766943"/>
-          </a:xfrm>
-          <a:prstGeom prst="line">
-            <a:avLst/>
-          </a:prstGeom>
-          <a:ln w="38100">
-            <a:solidFill>
-              <a:schemeClr val="accent5"/>
-            </a:solidFill>
-          </a:ln>
-        </p:spPr>
-        <p:style>
-          <a:lnRef idx="3">
-            <a:schemeClr val="accent2"/>
-          </a:lnRef>
-          <a:fillRef idx="0">
-            <a:schemeClr val="accent2"/>
-          </a:fillRef>
-          <a:effectRef idx="2">
-            <a:schemeClr val="accent2"/>
-          </a:effectRef>
-          <a:fontRef idx="minor">
-            <a:schemeClr val="tx1"/>
-          </a:fontRef>
-        </p:style>
-      </p:cxnSp>
-      <p:sp>
-        <p:nvSpPr>
-          <p:cNvPr id="21" name="TextBox 20">
-            <a:extLst>
-              <a:ext uri="{FF2B5EF4-FFF2-40B4-BE49-F238E27FC236}">
-                <a16:creationId xmlns:a16="http://schemas.microsoft.com/office/drawing/2014/main" id="{5599750C-88E1-4A46-B412-B2296ECCA25F}"/>
-              </a:ext>
-            </a:extLst>
-          </p:cNvPr>
-          <p:cNvSpPr txBox="1"/>
-          <p:nvPr/>
-        </p:nvSpPr>
-        <p:spPr>
-          <a:xfrm>
-            <a:off x="5172983" y="3735125"/>
-            <a:ext cx="1664238" cy="369332"/>
-          </a:xfrm>
-          <a:prstGeom prst="rect">
-            <a:avLst/>
-          </a:prstGeom>
-          <a:noFill/>
-        </p:spPr>
-        <p:txBody>
-          <a:bodyPr wrap="none" rtlCol="0">
-            <a:spAutoFit/>
-          </a:bodyPr>
-          <a:lstStyle/>
-          <a:p>
-            <a:r>
-              <a:rPr lang="en-US" altLang="ko-KR" dirty="0">
-                <a:latin typeface="맑은 고딕" panose="020B0503020000020004" pitchFamily="50" charset="-127"/>
-                <a:ea typeface="맑은 고딕" panose="020B0503020000020004" pitchFamily="50" charset="-127"/>
-              </a:rPr>
-              <a:t>Denomination</a:t>
-            </a:r>
-            <a:endParaRPr lang="ko-KR" altLang="en-US" dirty="0">
-              <a:latin typeface="맑은 고딕" panose="020B0503020000020004" pitchFamily="50" charset="-127"/>
-              <a:ea typeface="맑은 고딕" panose="020B0503020000020004" pitchFamily="50" charset="-127"/>
-            </a:endParaRPr>
-          </a:p>
-        </p:txBody>
-      </p:sp>
     </p:spTree>
     <p:extLst>
       <p:ext uri="{BB962C8B-B14F-4D97-AF65-F5344CB8AC3E}">
-        <p14:creationId xmlns:p14="http://schemas.microsoft.com/office/powerpoint/2010/main" val="4271602455"/>
+        <p14:creationId xmlns:p14="http://schemas.microsoft.com/office/powerpoint/2010/main" val="3991304688"/>
       </p:ext>
     </p:extLst>
   </p:cSld>
@@ -23266,16 +23609,8 @@
           <a:p>
             <a:pPr rtl="0"/>
             <a:r>
-              <a:rPr lang="en-US" altLang="ko-KR" b="1" dirty="0" err="1"/>
-              <a:t>UIService</a:t>
-            </a:r>
-            <a:r>
-              <a:rPr lang="en-US" altLang="ko-KR" b="1" dirty="0"/>
-              <a:t> </a:t>
-            </a:r>
-            <a:r>
               <a:rPr lang="ko-KR" altLang="en-US" b="1" dirty="0"/>
-              <a:t>구조</a:t>
+              <a:t>카드의 구조</a:t>
             </a:r>
           </a:p>
         </p:txBody>
@@ -23294,8 +23629,8 @@
         </p:nvSpPr>
         <p:spPr>
           <a:xfrm>
-            <a:off x="2152462" y="4710198"/>
-            <a:ext cx="7553671" cy="923330"/>
+            <a:off x="2209800" y="4704630"/>
+            <a:ext cx="6031266" cy="923330"/>
           </a:xfrm>
           <a:prstGeom prst="rect">
             <a:avLst/>
@@ -23309,73 +23644,39 @@
           <a:lstStyle/>
           <a:p>
             <a:r>
+              <a:rPr lang="ko-KR" altLang="en-US" dirty="0">
+                <a:latin typeface="맑은 고딕" panose="020B0503020000020004" pitchFamily="50" charset="-127"/>
+                <a:ea typeface="맑은 고딕" panose="020B0503020000020004" pitchFamily="50" charset="-127"/>
+              </a:rPr>
+              <a:t>카드는 </a:t>
+            </a:r>
+            <a:r>
               <a:rPr lang="en-US" altLang="ko-KR" dirty="0">
                 <a:latin typeface="맑은 고딕" panose="020B0503020000020004" pitchFamily="50" charset="-127"/>
                 <a:ea typeface="맑은 고딕" panose="020B0503020000020004" pitchFamily="50" charset="-127"/>
               </a:rPr>
-              <a:t>Board</a:t>
+              <a:t>2</a:t>
             </a:r>
             <a:r>
               <a:rPr lang="ko-KR" altLang="en-US" dirty="0">
                 <a:latin typeface="맑은 고딕" panose="020B0503020000020004" pitchFamily="50" charset="-127"/>
                 <a:ea typeface="맑은 고딕" panose="020B0503020000020004" pitchFamily="50" charset="-127"/>
               </a:rPr>
-              <a:t>를 출력하는 </a:t>
-            </a:r>
-            <a:r>
-              <a:rPr lang="ko-KR" altLang="en-US" dirty="0" err="1">
+              <a:t>가지 </a:t>
+            </a:r>
+            <a:r>
+              <a:rPr lang="en-US" altLang="ko-KR" dirty="0">
                 <a:latin typeface="맑은 고딕" panose="020B0503020000020004" pitchFamily="50" charset="-127"/>
                 <a:ea typeface="맑은 고딕" panose="020B0503020000020004" pitchFamily="50" charset="-127"/>
               </a:rPr>
-              <a:t>랜더러</a:t>
+              <a:t>Enum</a:t>
             </a:r>
             <a:r>
               <a:rPr lang="ko-KR" altLang="en-US" dirty="0">
                 <a:latin typeface="맑은 고딕" panose="020B0503020000020004" pitchFamily="50" charset="-127"/>
                 <a:ea typeface="맑은 고딕" panose="020B0503020000020004" pitchFamily="50" charset="-127"/>
               </a:rPr>
-              <a:t> 클래스와</a:t>
-            </a:r>
-            <a:endParaRPr lang="en-US" altLang="ko-KR" dirty="0">
-              <a:latin typeface="맑은 고딕" panose="020B0503020000020004" pitchFamily="50" charset="-127"/>
-              <a:ea typeface="맑은 고딕" panose="020B0503020000020004" pitchFamily="50" charset="-127"/>
-            </a:endParaRPr>
-          </a:p>
-          <a:p>
-            <a:r>
-              <a:rPr lang="ko-KR" altLang="en-US" dirty="0">
-                <a:latin typeface="맑은 고딕" panose="020B0503020000020004" pitchFamily="50" charset="-127"/>
-                <a:ea typeface="맑은 고딕" panose="020B0503020000020004" pitchFamily="50" charset="-127"/>
-              </a:rPr>
-              <a:t>메뉴 및 예외메시지</a:t>
-            </a:r>
-            <a:r>
-              <a:rPr lang="en-US" altLang="ko-KR" dirty="0">
-                <a:latin typeface="맑은 고딕" panose="020B0503020000020004" pitchFamily="50" charset="-127"/>
-                <a:ea typeface="맑은 고딕" panose="020B0503020000020004" pitchFamily="50" charset="-127"/>
-              </a:rPr>
-              <a:t>, </a:t>
-            </a:r>
-            <a:r>
-              <a:rPr lang="ko-KR" altLang="en-US" dirty="0">
-                <a:latin typeface="맑은 고딕" panose="020B0503020000020004" pitchFamily="50" charset="-127"/>
-                <a:ea typeface="맑은 고딕" panose="020B0503020000020004" pitchFamily="50" charset="-127"/>
-              </a:rPr>
-              <a:t>기타메시지를 출력하는 </a:t>
-            </a:r>
-            <a:r>
-              <a:rPr lang="ko-KR" altLang="en-US" dirty="0" err="1">
-                <a:latin typeface="맑은 고딕" panose="020B0503020000020004" pitchFamily="50" charset="-127"/>
-                <a:ea typeface="맑은 고딕" panose="020B0503020000020004" pitchFamily="50" charset="-127"/>
-              </a:rPr>
-              <a:t>랜더러</a:t>
-            </a:r>
-            <a:r>
-              <a:rPr lang="ko-KR" altLang="en-US" dirty="0">
-                <a:latin typeface="맑은 고딕" panose="020B0503020000020004" pitchFamily="50" charset="-127"/>
-                <a:ea typeface="맑은 고딕" panose="020B0503020000020004" pitchFamily="50" charset="-127"/>
-              </a:rPr>
-              <a:t> 클래스로 이루어짐</a:t>
+              <a:t>으로 구성되어 있다</a:t>
             </a:r>
             <a:r>
               <a:rPr lang="en-US" altLang="ko-KR" dirty="0">
@@ -23387,42 +23688,100 @@
           </a:p>
           <a:p>
             <a:r>
+              <a:rPr lang="en-US" altLang="ko-KR" dirty="0">
+                <a:latin typeface="맑은 고딕" panose="020B0503020000020004" pitchFamily="50" charset="-127"/>
+                <a:ea typeface="맑은 고딕" panose="020B0503020000020004" pitchFamily="50" charset="-127"/>
+              </a:rPr>
+              <a:t>Suit : S("♠"), </a:t>
+            </a:r>
+            <a:r>
               <a:rPr lang="ko-KR" altLang="en-US" dirty="0">
                 <a:latin typeface="맑은 고딕" panose="020B0503020000020004" pitchFamily="50" charset="-127"/>
                 <a:ea typeface="맑은 고딕" panose="020B0503020000020004" pitchFamily="50" charset="-127"/>
               </a:rPr>
-              <a:t>외부에서 </a:t>
+              <a:t>식별자</a:t>
             </a:r>
             <a:r>
               <a:rPr lang="en-US" altLang="ko-KR" dirty="0">
                 <a:latin typeface="맑은 고딕" panose="020B0503020000020004" pitchFamily="50" charset="-127"/>
                 <a:ea typeface="맑은 고딕" panose="020B0503020000020004" pitchFamily="50" charset="-127"/>
               </a:rPr>
-              <a:t>paint()</a:t>
+              <a:t>(“</a:t>
             </a:r>
             <a:r>
               <a:rPr lang="ko-KR" altLang="en-US" dirty="0">
                 <a:latin typeface="맑은 고딕" panose="020B0503020000020004" pitchFamily="50" charset="-127"/>
                 <a:ea typeface="맑은 고딕" panose="020B0503020000020004" pitchFamily="50" charset="-127"/>
               </a:rPr>
-              <a:t>를 호출함으로써 화면을 출력</a:t>
+              <a:t>출력용 텍스트</a:t>
             </a:r>
             <a:r>
               <a:rPr lang="en-US" altLang="ko-KR" dirty="0">
                 <a:latin typeface="맑은 고딕" panose="020B0503020000020004" pitchFamily="50" charset="-127"/>
                 <a:ea typeface="맑은 고딕" panose="020B0503020000020004" pitchFamily="50" charset="-127"/>
               </a:rPr>
-              <a:t>.</a:t>
+              <a:t>“)</a:t>
+            </a:r>
+          </a:p>
+          <a:p>
+            <a:r>
+              <a:rPr lang="en-US" altLang="ko-KR" dirty="0">
+                <a:latin typeface="맑은 고딕" panose="020B0503020000020004" pitchFamily="50" charset="-127"/>
+                <a:ea typeface="맑은 고딕" panose="020B0503020000020004" pitchFamily="50" charset="-127"/>
+              </a:rPr>
+              <a:t>Denomination : NA("A", 11), </a:t>
+            </a:r>
+            <a:r>
+              <a:rPr lang="ko-KR" altLang="en-US" dirty="0">
+                <a:latin typeface="맑은 고딕" panose="020B0503020000020004" pitchFamily="50" charset="-127"/>
+                <a:ea typeface="맑은 고딕" panose="020B0503020000020004" pitchFamily="50" charset="-127"/>
+              </a:rPr>
+              <a:t>식별자</a:t>
+            </a:r>
+            <a:r>
+              <a:rPr lang="en-US" altLang="ko-KR" dirty="0">
+                <a:latin typeface="맑은 고딕" panose="020B0503020000020004" pitchFamily="50" charset="-127"/>
+                <a:ea typeface="맑은 고딕" panose="020B0503020000020004" pitchFamily="50" charset="-127"/>
+              </a:rPr>
+              <a:t>(“</a:t>
+            </a:r>
+            <a:r>
+              <a:rPr lang="ko-KR" altLang="en-US" dirty="0">
+                <a:latin typeface="맑은 고딕" panose="020B0503020000020004" pitchFamily="50" charset="-127"/>
+                <a:ea typeface="맑은 고딕" panose="020B0503020000020004" pitchFamily="50" charset="-127"/>
+              </a:rPr>
+              <a:t>출력용 텍스트</a:t>
+            </a:r>
+            <a:r>
+              <a:rPr lang="en-US" altLang="ko-KR" dirty="0">
+                <a:latin typeface="맑은 고딕" panose="020B0503020000020004" pitchFamily="50" charset="-127"/>
+                <a:ea typeface="맑은 고딕" panose="020B0503020000020004" pitchFamily="50" charset="-127"/>
+              </a:rPr>
+              <a:t>”, </a:t>
+            </a:r>
+            <a:r>
+              <a:rPr lang="ko-KR" altLang="en-US" dirty="0">
+                <a:latin typeface="맑은 고딕" panose="020B0503020000020004" pitchFamily="50" charset="-127"/>
+                <a:ea typeface="맑은 고딕" panose="020B0503020000020004" pitchFamily="50" charset="-127"/>
+              </a:rPr>
+              <a:t>값</a:t>
+            </a:r>
+            <a:r>
+              <a:rPr lang="en-US" altLang="ko-KR" dirty="0">
+                <a:latin typeface="맑은 고딕" panose="020B0503020000020004" pitchFamily="50" charset="-127"/>
+                <a:ea typeface="맑은 고딕" panose="020B0503020000020004" pitchFamily="50" charset="-127"/>
+              </a:rPr>
+              <a:t>)</a:t>
             </a:r>
           </a:p>
         </p:txBody>
       </p:sp>
       <p:pic>
         <p:nvPicPr>
-          <p:cNvPr id="4" name="그림 3">
-            <a:extLst>
-              <a:ext uri="{FF2B5EF4-FFF2-40B4-BE49-F238E27FC236}">
-                <a16:creationId xmlns:a16="http://schemas.microsoft.com/office/drawing/2014/main" id="{37E1BCBD-29E2-4220-BB88-BF386C932688}"/>
+          <p:cNvPr id="5" name="그림 4">
+            <a:extLst>
+              <a:ext uri="{FF2B5EF4-FFF2-40B4-BE49-F238E27FC236}">
+                <a16:creationId xmlns:a16="http://schemas.microsoft.com/office/drawing/2014/main" id="{AB68ED15-B0FB-4668-AF7C-EF25D3A5EEB2}"/>
               </a:ext>
             </a:extLst>
           </p:cNvPr>
@@ -23439,50 +23798,20 @@
         </p:blipFill>
         <p:spPr>
           <a:xfrm>
-            <a:off x="1693275" y="2266726"/>
-            <a:ext cx="2743200" cy="1180341"/>
+            <a:off x="4490879" y="1540024"/>
+            <a:ext cx="3000137" cy="2106479"/>
           </a:xfrm>
           <a:prstGeom prst="rect">
             <a:avLst/>
           </a:prstGeom>
         </p:spPr>
       </p:pic>
-      <p:pic>
-        <p:nvPicPr>
-          <p:cNvPr id="19" name="그림 18">
-            <a:extLst>
-              <a:ext uri="{FF2B5EF4-FFF2-40B4-BE49-F238E27FC236}">
-                <a16:creationId xmlns:a16="http://schemas.microsoft.com/office/drawing/2014/main" id="{C555F108-79B5-41DF-A356-44FA326BD8D1}"/>
-              </a:ext>
-            </a:extLst>
-          </p:cNvPr>
-          <p:cNvPicPr>
-            <a:picLocks noChangeAspect="1"/>
-          </p:cNvPicPr>
-          <p:nvPr/>
-        </p:nvPicPr>
-        <p:blipFill>
-          <a:blip r:embed="rId4"/>
-          <a:stretch>
-            <a:fillRect/>
-          </a:stretch>
-        </p:blipFill>
-        <p:spPr>
-          <a:xfrm>
-            <a:off x="4964818" y="1689292"/>
-            <a:ext cx="5819578" cy="2335211"/>
-          </a:xfrm>
-          <a:prstGeom prst="rect">
-            <a:avLst/>
-          </a:prstGeom>
-        </p:spPr>
-      </p:pic>
-      <p:sp>
-        <p:nvSpPr>
-          <p:cNvPr id="20" name="직사각형 19">
-            <a:extLst>
-              <a:ext uri="{FF2B5EF4-FFF2-40B4-BE49-F238E27FC236}">
-                <a16:creationId xmlns:a16="http://schemas.microsoft.com/office/drawing/2014/main" id="{B26B6099-B66B-4A85-A6B5-CB05FF7D5CBF}"/>
+      <p:sp>
+        <p:nvSpPr>
+          <p:cNvPr id="12" name="직사각형 11">
+            <a:extLst>
+              <a:ext uri="{FF2B5EF4-FFF2-40B4-BE49-F238E27FC236}">
+                <a16:creationId xmlns:a16="http://schemas.microsoft.com/office/drawing/2014/main" id="{86D4AEEF-646C-4EAB-AE37-90917D7682D1}"/>
               </a:ext>
             </a:extLst>
           </p:cNvPr>
@@ -23491,8 +23820,8 @@
         </p:nvSpPr>
         <p:spPr>
           <a:xfrm>
-            <a:off x="4964818" y="1689292"/>
-            <a:ext cx="5819578" cy="1852898"/>
+            <a:off x="4714746" y="2252144"/>
+            <a:ext cx="442441" cy="701900"/>
           </a:xfrm>
           <a:prstGeom prst="rect">
             <a:avLst/>
@@ -23531,10 +23860,10 @@
       </p:sp>
       <p:cxnSp>
         <p:nvCxnSpPr>
-          <p:cNvPr id="22" name="직선 연결선 21">
-            <a:extLst>
-              <a:ext uri="{FF2B5EF4-FFF2-40B4-BE49-F238E27FC236}">
-                <a16:creationId xmlns:a16="http://schemas.microsoft.com/office/drawing/2014/main" id="{2588ABD6-69A8-40A5-87D6-EAFCB0F0D404}"/>
+          <p:cNvPr id="13" name="직선 연결선 12">
+            <a:extLst>
+              <a:ext uri="{FF2B5EF4-FFF2-40B4-BE49-F238E27FC236}">
+                <a16:creationId xmlns:a16="http://schemas.microsoft.com/office/drawing/2014/main" id="{5C9A8A84-15F7-4A79-AF74-CD24B0599D35}"/>
               </a:ext>
             </a:extLst>
           </p:cNvPr>
@@ -23544,9 +23873,9 @@
           <p:nvPr/>
         </p:nvCxnSpPr>
         <p:spPr>
-          <a:xfrm flipH="1">
-            <a:off x="5834165" y="1501471"/>
-            <a:ext cx="523669" cy="187821"/>
+          <a:xfrm flipV="1">
+            <a:off x="4038600" y="2954045"/>
+            <a:ext cx="693902" cy="327020"/>
           </a:xfrm>
           <a:prstGeom prst="line">
             <a:avLst/>
@@ -23574,10 +23903,10 @@
       </p:cxnSp>
       <p:sp>
         <p:nvSpPr>
-          <p:cNvPr id="23" name="TextBox 22">
-            <a:extLst>
-              <a:ext uri="{FF2B5EF4-FFF2-40B4-BE49-F238E27FC236}">
-                <a16:creationId xmlns:a16="http://schemas.microsoft.com/office/drawing/2014/main" id="{46742C9B-E286-42A3-A72E-E493D0D611A5}"/>
+          <p:cNvPr id="16" name="TextBox 15">
+            <a:extLst>
+              <a:ext uri="{FF2B5EF4-FFF2-40B4-BE49-F238E27FC236}">
+                <a16:creationId xmlns:a16="http://schemas.microsoft.com/office/drawing/2014/main" id="{72FE630E-3F80-4233-A7E1-56D15E05EDF5}"/>
               </a:ext>
             </a:extLst>
           </p:cNvPr>
@@ -23586,8 +23915,8 @@
         </p:nvSpPr>
         <p:spPr>
           <a:xfrm>
-            <a:off x="6331960" y="1274770"/>
-            <a:ext cx="1228589" cy="307777"/>
+            <a:off x="3396232" y="3244334"/>
+            <a:ext cx="579005" cy="369332"/>
           </a:xfrm>
           <a:prstGeom prst="rect">
             <a:avLst/>
@@ -23595,19 +23924,19 @@
           <a:noFill/>
         </p:spPr>
         <p:txBody>
-          <a:bodyPr wrap="square" rtlCol="0">
+          <a:bodyPr wrap="none" rtlCol="0">
             <a:spAutoFit/>
           </a:bodyPr>
           <a:lstStyle/>
           <a:p>
             <a:r>
-              <a:rPr lang="en-US" altLang="ko-KR" sz="1400" dirty="0">
+              <a:rPr lang="en-US" altLang="ko-KR" dirty="0">
                 <a:latin typeface="맑은 고딕" panose="020B0503020000020004" pitchFamily="50" charset="-127"/>
                 <a:ea typeface="맑은 고딕" panose="020B0503020000020004" pitchFamily="50" charset="-127"/>
               </a:rPr>
-              <a:t>Board</a:t>
-            </a:r>
-            <a:endParaRPr lang="ko-KR" altLang="en-US" sz="1400" dirty="0">
+              <a:t>Suit</a:t>
+            </a:r>
+            <a:endParaRPr lang="ko-KR" altLang="en-US" dirty="0">
               <a:latin typeface="맑은 고딕" panose="020B0503020000020004" pitchFamily="50" charset="-127"/>
               <a:ea typeface="맑은 고딕" panose="020B0503020000020004" pitchFamily="50" charset="-127"/>
             </a:endParaRPr>
@@ -23616,10 +23945,10 @@
       </p:sp>
       <p:sp>
         <p:nvSpPr>
-          <p:cNvPr id="24" name="직사각형 23">
-            <a:extLst>
-              <a:ext uri="{FF2B5EF4-FFF2-40B4-BE49-F238E27FC236}">
-                <a16:creationId xmlns:a16="http://schemas.microsoft.com/office/drawing/2014/main" id="{F958056B-01DA-45E8-898F-5DB72AE5D6F2}"/>
+          <p:cNvPr id="17" name="직사각형 16">
+            <a:extLst>
+              <a:ext uri="{FF2B5EF4-FFF2-40B4-BE49-F238E27FC236}">
+                <a16:creationId xmlns:a16="http://schemas.microsoft.com/office/drawing/2014/main" id="{8203FDBA-864B-481B-BDA6-38C15990963E}"/>
               </a:ext>
             </a:extLst>
           </p:cNvPr>
@@ -23628,8 +23957,8 @@
         </p:nvSpPr>
         <p:spPr>
           <a:xfrm>
-            <a:off x="4964818" y="3542189"/>
-            <a:ext cx="5819578" cy="478949"/>
+            <a:off x="5194876" y="2242312"/>
+            <a:ext cx="442441" cy="711731"/>
           </a:xfrm>
           <a:prstGeom prst="rect">
             <a:avLst/>
@@ -23637,7 +23966,7 @@
           <a:noFill/>
           <a:ln w="38100">
             <a:solidFill>
-              <a:srgbClr val="C00000"/>
+              <a:schemeClr val="accent5"/>
             </a:solidFill>
           </a:ln>
         </p:spPr>
@@ -23662,35 +23991,43 @@
           <a:lstStyle/>
           <a:p>
             <a:pPr algn="ctr"/>
-            <a:endParaRPr lang="ko-KR" altLang="en-US"/>
+            <a:endParaRPr lang="ko-KR" altLang="en-US" dirty="0">
+              <a:solidFill>
+                <a:schemeClr val="bg1"/>
+              </a:solidFill>
+              <a:highlight>
+                <a:srgbClr val="FFFF00"/>
+              </a:highlight>
+            </a:endParaRPr>
           </a:p>
         </p:txBody>
       </p:sp>
       <p:cxnSp>
         <p:nvCxnSpPr>
-          <p:cNvPr id="25" name="직선 연결선 24">
-            <a:extLst>
-              <a:ext uri="{FF2B5EF4-FFF2-40B4-BE49-F238E27FC236}">
-                <a16:creationId xmlns:a16="http://schemas.microsoft.com/office/drawing/2014/main" id="{C46366DD-79DB-4E52-A1FB-B69E7FF5A027}"/>
+          <p:cNvPr id="18" name="직선 연결선 17">
+            <a:extLst>
+              <a:ext uri="{FF2B5EF4-FFF2-40B4-BE49-F238E27FC236}">
+                <a16:creationId xmlns:a16="http://schemas.microsoft.com/office/drawing/2014/main" id="{8D00CB55-8DAD-40E7-BE6F-C2AEC6490BEB}"/>
               </a:ext>
             </a:extLst>
           </p:cNvPr>
           <p:cNvCxnSpPr>
             <a:cxnSpLocks/>
+            <a:endCxn id="17" idx="2"/>
           </p:cNvCxnSpPr>
           <p:nvPr/>
         </p:nvCxnSpPr>
         <p:spPr>
           <a:xfrm flipH="1" flipV="1">
-            <a:off x="5903650" y="4046466"/>
-            <a:ext cx="488505" cy="242802"/>
+            <a:off x="5416097" y="2954043"/>
+            <a:ext cx="73800" cy="766943"/>
           </a:xfrm>
           <a:prstGeom prst="line">
             <a:avLst/>
           </a:prstGeom>
           <a:ln w="38100">
             <a:solidFill>
-              <a:srgbClr val="C00000"/>
+              <a:schemeClr val="accent5"/>
             </a:solidFill>
           </a:ln>
         </p:spPr>
@@ -23711,10 +24048,10 @@
       </p:cxnSp>
       <p:sp>
         <p:nvSpPr>
-          <p:cNvPr id="26" name="TextBox 25">
-            <a:extLst>
-              <a:ext uri="{FF2B5EF4-FFF2-40B4-BE49-F238E27FC236}">
-                <a16:creationId xmlns:a16="http://schemas.microsoft.com/office/drawing/2014/main" id="{3F97FD03-B591-4241-97DB-BDBF7D6056D4}"/>
+          <p:cNvPr id="21" name="TextBox 20">
+            <a:extLst>
+              <a:ext uri="{FF2B5EF4-FFF2-40B4-BE49-F238E27FC236}">
+                <a16:creationId xmlns:a16="http://schemas.microsoft.com/office/drawing/2014/main" id="{5599750C-88E1-4A46-B412-B2296ECCA25F}"/>
               </a:ext>
             </a:extLst>
           </p:cNvPr>
@@ -23723,8 +24060,8 @@
         </p:nvSpPr>
         <p:spPr>
           <a:xfrm>
-            <a:off x="6392155" y="4100764"/>
-            <a:ext cx="1228589" cy="307777"/>
+            <a:off x="5172983" y="3735125"/>
+            <a:ext cx="1664238" cy="369332"/>
           </a:xfrm>
           <a:prstGeom prst="rect">
             <a:avLst/>
@@ -23732,19 +24069,19 @@
           <a:noFill/>
         </p:spPr>
         <p:txBody>
-          <a:bodyPr wrap="square" rtlCol="0">
+          <a:bodyPr wrap="none" rtlCol="0">
             <a:spAutoFit/>
           </a:bodyPr>
           <a:lstStyle/>
           <a:p>
             <a:r>
-              <a:rPr lang="en-US" altLang="ko-KR" sz="1400" dirty="0">
+              <a:rPr lang="en-US" altLang="ko-KR" dirty="0">
                 <a:latin typeface="맑은 고딕" panose="020B0503020000020004" pitchFamily="50" charset="-127"/>
                 <a:ea typeface="맑은 고딕" panose="020B0503020000020004" pitchFamily="50" charset="-127"/>
               </a:rPr>
-              <a:t>message</a:t>
-            </a:r>
-            <a:endParaRPr lang="ko-KR" altLang="en-US" sz="1400" dirty="0">
+              <a:t>Denomination</a:t>
+            </a:r>
+            <a:endParaRPr lang="ko-KR" altLang="en-US" dirty="0">
               <a:latin typeface="맑은 고딕" panose="020B0503020000020004" pitchFamily="50" charset="-127"/>
               <a:ea typeface="맑은 고딕" panose="020B0503020000020004" pitchFamily="50" charset="-127"/>
             </a:endParaRPr>
@@ -23754,7 +24091,7 @@
     </p:spTree>
     <p:extLst>
       <p:ext uri="{BB962C8B-B14F-4D97-AF65-F5344CB8AC3E}">
-        <p14:creationId xmlns:p14="http://schemas.microsoft.com/office/powerpoint/2010/main" val="2652727783"/>
+        <p14:creationId xmlns:p14="http://schemas.microsoft.com/office/powerpoint/2010/main" val="4271602455"/>
       </p:ext>
     </p:extLst>
   </p:cSld>
@@ -23918,18 +24255,17 @@
           <a:p>
             <a:pPr rtl="0"/>
             <a:r>
+              <a:rPr lang="en-US" altLang="ko-KR" b="1" dirty="0" err="1"/>
+              <a:t>UIService</a:t>
+            </a:r>
+            <a:r>
               <a:rPr lang="en-US" altLang="ko-KR" b="1" dirty="0"/>
-              <a:t>Block</a:t>
+              <a:t> </a:t>
             </a:r>
             <a:r>
               <a:rPr lang="ko-KR" altLang="en-US" b="1" dirty="0"/>
-              <a:t>과 </a:t>
-            </a:r>
-            <a:r>
-              <a:rPr lang="en-US" altLang="ko-KR" b="1" dirty="0"/>
-              <a:t>Str</a:t>
-            </a:r>
-            <a:endParaRPr lang="ko-KR" altLang="en-US" b="1" dirty="0"/>
+              <a:t>구조</a:t>
+            </a:r>
           </a:p>
         </p:txBody>
       </p:sp>
@@ -23947,8 +24283,8 @@
         </p:nvSpPr>
         <p:spPr>
           <a:xfrm>
-            <a:off x="1480503" y="4370651"/>
-            <a:ext cx="6106159" cy="923330"/>
+            <a:off x="2152462" y="4710198"/>
+            <a:ext cx="7553671" cy="923330"/>
           </a:xfrm>
           <a:prstGeom prst="rect">
             <a:avLst/>
@@ -23966,28 +24302,69 @@
                 <a:latin typeface="맑은 고딕" panose="020B0503020000020004" pitchFamily="50" charset="-127"/>
                 <a:ea typeface="맑은 고딕" panose="020B0503020000020004" pitchFamily="50" charset="-127"/>
               </a:rPr>
-              <a:t>Block</a:t>
+              <a:t>Board</a:t>
             </a:r>
             <a:r>
               <a:rPr lang="ko-KR" altLang="en-US" dirty="0">
                 <a:latin typeface="맑은 고딕" panose="020B0503020000020004" pitchFamily="50" charset="-127"/>
                 <a:ea typeface="맑은 고딕" panose="020B0503020000020004" pitchFamily="50" charset="-127"/>
               </a:rPr>
-              <a:t>은 </a:t>
+              <a:t>를 출력하는 </a:t>
+            </a:r>
+            <a:r>
+              <a:rPr lang="ko-KR" altLang="en-US" dirty="0" err="1">
+                <a:latin typeface="맑은 고딕" panose="020B0503020000020004" pitchFamily="50" charset="-127"/>
+                <a:ea typeface="맑은 고딕" panose="020B0503020000020004" pitchFamily="50" charset="-127"/>
+              </a:rPr>
+              <a:t>랜더러</a:t>
+            </a:r>
+            <a:r>
+              <a:rPr lang="ko-KR" altLang="en-US" dirty="0">
+                <a:latin typeface="맑은 고딕" panose="020B0503020000020004" pitchFamily="50" charset="-127"/>
+                <a:ea typeface="맑은 고딕" panose="020B0503020000020004" pitchFamily="50" charset="-127"/>
+              </a:rPr>
+              <a:t> 클래스와</a:t>
+            </a:r>
+            <a:endParaRPr lang="en-US" altLang="ko-KR" dirty="0">
+              <a:latin typeface="맑은 고딕" panose="020B0503020000020004" pitchFamily="50" charset="-127"/>
+              <a:ea typeface="맑은 고딕" panose="020B0503020000020004" pitchFamily="50" charset="-127"/>
+            </a:endParaRPr>
+          </a:p>
+          <a:p>
+            <a:r>
+              <a:rPr lang="ko-KR" altLang="en-US" dirty="0">
+                <a:latin typeface="맑은 고딕" panose="020B0503020000020004" pitchFamily="50" charset="-127"/>
+                <a:ea typeface="맑은 고딕" panose="020B0503020000020004" pitchFamily="50" charset="-127"/>
+              </a:rPr>
+              <a:t>메뉴 및 예외메시지</a:t>
             </a:r>
             <a:r>
               <a:rPr lang="en-US" altLang="ko-KR" dirty="0">
                 <a:latin typeface="맑은 고딕" panose="020B0503020000020004" pitchFamily="50" charset="-127"/>
                 <a:ea typeface="맑은 고딕" panose="020B0503020000020004" pitchFamily="50" charset="-127"/>
               </a:rPr>
-              <a:t>3</a:t>
+              <a:t>, </a:t>
             </a:r>
             <a:r>
               <a:rPr lang="ko-KR" altLang="en-US" dirty="0">
                 <a:latin typeface="맑은 고딕" panose="020B0503020000020004" pitchFamily="50" charset="-127"/>
                 <a:ea typeface="맑은 고딕" panose="020B0503020000020004" pitchFamily="50" charset="-127"/>
               </a:rPr>
-              <a:t>줄 출력을 위한 데이터를 가지고 있는 객체이다</a:t>
+              <a:t>기타메시지를 출력하는 </a:t>
+            </a:r>
+            <a:r>
+              <a:rPr lang="ko-KR" altLang="en-US" dirty="0" err="1">
+                <a:latin typeface="맑은 고딕" panose="020B0503020000020004" pitchFamily="50" charset="-127"/>
+                <a:ea typeface="맑은 고딕" panose="020B0503020000020004" pitchFamily="50" charset="-127"/>
+              </a:rPr>
+              <a:t>랜더러</a:t>
+            </a:r>
+            <a:r>
+              <a:rPr lang="ko-KR" altLang="en-US" dirty="0">
+                <a:latin typeface="맑은 고딕" panose="020B0503020000020004" pitchFamily="50" charset="-127"/>
+                <a:ea typeface="맑은 고딕" panose="020B0503020000020004" pitchFamily="50" charset="-127"/>
+              </a:rPr>
+              <a:t> 클래스로 이루어짐</a:t>
             </a:r>
             <a:r>
               <a:rPr lang="en-US" altLang="ko-KR" dirty="0">
@@ -23999,32 +24376,25 @@
           </a:p>
           <a:p>
             <a:r>
+              <a:rPr lang="ko-KR" altLang="en-US" dirty="0">
+                <a:latin typeface="맑은 고딕" panose="020B0503020000020004" pitchFamily="50" charset="-127"/>
+                <a:ea typeface="맑은 고딕" panose="020B0503020000020004" pitchFamily="50" charset="-127"/>
+              </a:rPr>
+              <a:t>외부에서 </a:t>
+            </a:r>
+            <a:r>
               <a:rPr lang="en-US" altLang="ko-KR" dirty="0">
                 <a:latin typeface="맑은 고딕" panose="020B0503020000020004" pitchFamily="50" charset="-127"/>
                 <a:ea typeface="맑은 고딕" panose="020B0503020000020004" pitchFamily="50" charset="-127"/>
               </a:rPr>
-              <a:t>Str</a:t>
+              <a:t>paint()</a:t>
             </a:r>
             <a:r>
               <a:rPr lang="ko-KR" altLang="en-US" dirty="0">
                 <a:latin typeface="맑은 고딕" panose="020B0503020000020004" pitchFamily="50" charset="-127"/>
                 <a:ea typeface="맑은 고딕" panose="020B0503020000020004" pitchFamily="50" charset="-127"/>
               </a:rPr>
-              <a:t>은 </a:t>
-            </a:r>
-            <a:r>
-              <a:rPr lang="en-US" altLang="ko-KR" dirty="0">
-                <a:latin typeface="맑은 고딕" panose="020B0503020000020004" pitchFamily="50" charset="-127"/>
-                <a:ea typeface="맑은 고딕" panose="020B0503020000020004" pitchFamily="50" charset="-127"/>
-              </a:rPr>
-              <a:t>1</a:t>
-            </a:r>
-            <a:r>
-              <a:rPr lang="ko-KR" altLang="en-US" dirty="0">
-                <a:latin typeface="맑은 고딕" panose="020B0503020000020004" pitchFamily="50" charset="-127"/>
-                <a:ea typeface="맑은 고딕" panose="020B0503020000020004" pitchFamily="50" charset="-127"/>
-              </a:rPr>
-              <a:t>줄 출력을 위한 데이터를 가지고 있는 객체이다</a:t>
+              <a:t>를 호출함으로써 화면을 출력</a:t>
             </a:r>
             <a:r>
               <a:rPr lang="en-US" altLang="ko-KR" dirty="0">
@@ -24034,51 +24404,14 @@
               <a:t>.</a:t>
             </a:r>
           </a:p>
-          <a:p>
-            <a:r>
-              <a:rPr lang="en-US" altLang="ko-KR" dirty="0">
-                <a:latin typeface="맑은 고딕" panose="020B0503020000020004" pitchFamily="50" charset="-127"/>
-                <a:ea typeface="맑은 고딕" panose="020B0503020000020004" pitchFamily="50" charset="-127"/>
-              </a:rPr>
-              <a:t>Str</a:t>
-            </a:r>
-            <a:r>
-              <a:rPr lang="ko-KR" altLang="en-US" dirty="0">
-                <a:latin typeface="맑은 고딕" panose="020B0503020000020004" pitchFamily="50" charset="-127"/>
-                <a:ea typeface="맑은 고딕" panose="020B0503020000020004" pitchFamily="50" charset="-127"/>
-              </a:rPr>
-              <a:t>은 상하에 공백을 채워 </a:t>
-            </a:r>
-            <a:r>
-              <a:rPr lang="en-US" altLang="ko-KR" dirty="0">
-                <a:latin typeface="맑은 고딕" panose="020B0503020000020004" pitchFamily="50" charset="-127"/>
-                <a:ea typeface="맑은 고딕" panose="020B0503020000020004" pitchFamily="50" charset="-127"/>
-              </a:rPr>
-              <a:t>3</a:t>
-            </a:r>
-            <a:r>
-              <a:rPr lang="ko-KR" altLang="en-US" dirty="0">
-                <a:latin typeface="맑은 고딕" panose="020B0503020000020004" pitchFamily="50" charset="-127"/>
-                <a:ea typeface="맑은 고딕" panose="020B0503020000020004" pitchFamily="50" charset="-127"/>
-              </a:rPr>
-              <a:t>줄로 채워 출력할 수도 있다</a:t>
-            </a:r>
-            <a:r>
-              <a:rPr lang="en-US" altLang="ko-KR" dirty="0">
-                <a:latin typeface="맑은 고딕" panose="020B0503020000020004" pitchFamily="50" charset="-127"/>
-                <a:ea typeface="맑은 고딕" panose="020B0503020000020004" pitchFamily="50" charset="-127"/>
-              </a:rPr>
-              <a:t>.</a:t>
-            </a:r>
-          </a:p>
         </p:txBody>
       </p:sp>
       <p:pic>
         <p:nvPicPr>
-          <p:cNvPr id="5" name="그림 4">
-            <a:extLst>
-              <a:ext uri="{FF2B5EF4-FFF2-40B4-BE49-F238E27FC236}">
-                <a16:creationId xmlns:a16="http://schemas.microsoft.com/office/drawing/2014/main" id="{3F66565D-85DC-4771-A248-5B2FA6B90A34}"/>
+          <p:cNvPr id="4" name="그림 3">
+            <a:extLst>
+              <a:ext uri="{FF2B5EF4-FFF2-40B4-BE49-F238E27FC236}">
+                <a16:creationId xmlns:a16="http://schemas.microsoft.com/office/drawing/2014/main" id="{37E1BCBD-29E2-4220-BB88-BF386C932688}"/>
               </a:ext>
             </a:extLst>
           </p:cNvPr>
@@ -24095,8 +24428,8 @@
         </p:blipFill>
         <p:spPr>
           <a:xfrm>
-            <a:off x="1101346" y="1823866"/>
-            <a:ext cx="4960107" cy="1747976"/>
+            <a:off x="1693275" y="2266726"/>
+            <a:ext cx="2743200" cy="1180341"/>
           </a:xfrm>
           <a:prstGeom prst="rect">
             <a:avLst/>
@@ -24105,10 +24438,10 @@
       </p:pic>
       <p:pic>
         <p:nvPicPr>
-          <p:cNvPr id="7" name="그림 6">
-            <a:extLst>
-              <a:ext uri="{FF2B5EF4-FFF2-40B4-BE49-F238E27FC236}">
-                <a16:creationId xmlns:a16="http://schemas.microsoft.com/office/drawing/2014/main" id="{7FC7CAB1-E298-4677-8DE4-536571B6B7B1}"/>
+          <p:cNvPr id="19" name="그림 18">
+            <a:extLst>
+              <a:ext uri="{FF2B5EF4-FFF2-40B4-BE49-F238E27FC236}">
+                <a16:creationId xmlns:a16="http://schemas.microsoft.com/office/drawing/2014/main" id="{C555F108-79B5-41DF-A356-44FA326BD8D1}"/>
               </a:ext>
             </a:extLst>
           </p:cNvPr>
@@ -24125,88 +24458,115 @@
         </p:blipFill>
         <p:spPr>
           <a:xfrm>
-            <a:off x="7917103" y="1519152"/>
-            <a:ext cx="895350" cy="628650"/>
+            <a:off x="4964818" y="1689292"/>
+            <a:ext cx="5819578" cy="2335211"/>
           </a:xfrm>
           <a:prstGeom prst="rect">
             <a:avLst/>
           </a:prstGeom>
         </p:spPr>
       </p:pic>
-      <p:pic>
-        <p:nvPicPr>
-          <p:cNvPr id="12" name="그림 11">
-            <a:extLst>
-              <a:ext uri="{FF2B5EF4-FFF2-40B4-BE49-F238E27FC236}">
-                <a16:creationId xmlns:a16="http://schemas.microsoft.com/office/drawing/2014/main" id="{50C27607-570B-46F0-ABD9-44BE5D5C519B}"/>
-              </a:ext>
-            </a:extLst>
-          </p:cNvPr>
-          <p:cNvPicPr>
-            <a:picLocks noChangeAspect="1"/>
-          </p:cNvPicPr>
+      <p:sp>
+        <p:nvSpPr>
+          <p:cNvPr id="20" name="직사각형 19">
+            <a:extLst>
+              <a:ext uri="{FF2B5EF4-FFF2-40B4-BE49-F238E27FC236}">
+                <a16:creationId xmlns:a16="http://schemas.microsoft.com/office/drawing/2014/main" id="{B26B6099-B66B-4A85-A6B5-CB05FF7D5CBF}"/>
+              </a:ext>
+            </a:extLst>
+          </p:cNvPr>
+          <p:cNvSpPr/>
           <p:nvPr/>
-        </p:nvPicPr>
-        <p:blipFill>
-          <a:blip r:embed="rId5"/>
-          <a:stretch>
-            <a:fillRect/>
-          </a:stretch>
-        </p:blipFill>
-        <p:spPr>
-          <a:xfrm>
-            <a:off x="9175084" y="1519846"/>
-            <a:ext cx="704850" cy="666750"/>
-          </a:xfrm>
-          <a:prstGeom prst="rect">
-            <a:avLst/>
-          </a:prstGeom>
-        </p:spPr>
-      </p:pic>
-      <p:sp>
-        <p:nvSpPr>
-          <p:cNvPr id="21" name="TextBox 20">
-            <a:extLst>
-              <a:ext uri="{FF2B5EF4-FFF2-40B4-BE49-F238E27FC236}">
-                <a16:creationId xmlns:a16="http://schemas.microsoft.com/office/drawing/2014/main" id="{4552172A-F0A7-4951-99F7-D23A6C4A6636}"/>
-              </a:ext>
-            </a:extLst>
-          </p:cNvPr>
-          <p:cNvSpPr txBox="1"/>
-          <p:nvPr/>
-        </p:nvSpPr>
-        <p:spPr>
-          <a:xfrm>
-            <a:off x="6588976" y="1638863"/>
-            <a:ext cx="800604" cy="369332"/>
+        </p:nvSpPr>
+        <p:spPr>
+          <a:xfrm>
+            <a:off x="4964818" y="1689292"/>
+            <a:ext cx="5819578" cy="1852898"/>
           </a:xfrm>
           <a:prstGeom prst="rect">
             <a:avLst/>
           </a:prstGeom>
           <a:noFill/>
-        </p:spPr>
-        <p:txBody>
-          <a:bodyPr wrap="none" rtlCol="0">
-            <a:spAutoFit/>
-          </a:bodyPr>
+          <a:ln w="38100">
+            <a:solidFill>
+              <a:srgbClr val="C00000"/>
+            </a:solidFill>
+          </a:ln>
+        </p:spPr>
+        <p:style>
+          <a:lnRef idx="2">
+            <a:schemeClr val="accent1">
+              <a:shade val="15000"/>
+            </a:schemeClr>
+          </a:lnRef>
+          <a:fillRef idx="1">
+            <a:schemeClr val="accent1"/>
+          </a:fillRef>
+          <a:effectRef idx="0">
+            <a:schemeClr val="accent1"/>
+          </a:effectRef>
+          <a:fontRef idx="minor">
+            <a:schemeClr val="lt1"/>
+          </a:fontRef>
+        </p:style>
+        <p:txBody>
+          <a:bodyPr rtlCol="0" anchor="ctr"/>
           <a:lstStyle/>
           <a:p>
-            <a:r>
-              <a:rPr lang="en-US" altLang="ko-KR" dirty="0">
-                <a:latin typeface="맑은 고딕" panose="020B0503020000020004" pitchFamily="50" charset="-127"/>
-                <a:ea typeface="맑은 고딕" panose="020B0503020000020004" pitchFamily="50" charset="-127"/>
-              </a:rPr>
-              <a:t>Block:</a:t>
-            </a:r>
-          </a:p>
-        </p:txBody>
-      </p:sp>
-      <p:sp>
-        <p:nvSpPr>
-          <p:cNvPr id="27" name="TextBox 26">
-            <a:extLst>
-              <a:ext uri="{FF2B5EF4-FFF2-40B4-BE49-F238E27FC236}">
-                <a16:creationId xmlns:a16="http://schemas.microsoft.com/office/drawing/2014/main" id="{8C517B80-DB1B-4FEA-8A0C-DD0DA17BE2BF}"/>
+            <a:pPr algn="ctr"/>
+            <a:endParaRPr lang="ko-KR" altLang="en-US"/>
+          </a:p>
+        </p:txBody>
+      </p:sp>
+      <p:cxnSp>
+        <p:nvCxnSpPr>
+          <p:cNvPr id="22" name="직선 연결선 21">
+            <a:extLst>
+              <a:ext uri="{FF2B5EF4-FFF2-40B4-BE49-F238E27FC236}">
+                <a16:creationId xmlns:a16="http://schemas.microsoft.com/office/drawing/2014/main" id="{2588ABD6-69A8-40A5-87D6-EAFCB0F0D404}"/>
+              </a:ext>
+            </a:extLst>
+          </p:cNvPr>
+          <p:cNvCxnSpPr>
+            <a:cxnSpLocks/>
+          </p:cNvCxnSpPr>
+          <p:nvPr/>
+        </p:nvCxnSpPr>
+        <p:spPr>
+          <a:xfrm flipH="1">
+            <a:off x="5834165" y="1501471"/>
+            <a:ext cx="523669" cy="187821"/>
+          </a:xfrm>
+          <a:prstGeom prst="line">
+            <a:avLst/>
+          </a:prstGeom>
+          <a:ln w="38100">
+            <a:solidFill>
+              <a:srgbClr val="C00000"/>
+            </a:solidFill>
+          </a:ln>
+        </p:spPr>
+        <p:style>
+          <a:lnRef idx="3">
+            <a:schemeClr val="accent2"/>
+          </a:lnRef>
+          <a:fillRef idx="0">
+            <a:schemeClr val="accent2"/>
+          </a:fillRef>
+          <a:effectRef idx="2">
+            <a:schemeClr val="accent2"/>
+          </a:effectRef>
+          <a:fontRef idx="minor">
+            <a:schemeClr val="tx1"/>
+          </a:fontRef>
+        </p:style>
+      </p:cxnSp>
+      <p:sp>
+        <p:nvSpPr>
+          <p:cNvPr id="23" name="TextBox 22">
+            <a:extLst>
+              <a:ext uri="{FF2B5EF4-FFF2-40B4-BE49-F238E27FC236}">
+                <a16:creationId xmlns:a16="http://schemas.microsoft.com/office/drawing/2014/main" id="{46742C9B-E286-42A3-A72E-E493D0D611A5}"/>
               </a:ext>
             </a:extLst>
           </p:cNvPr>
@@ -24215,8 +24575,8 @@
         </p:nvSpPr>
         <p:spPr>
           <a:xfrm>
-            <a:off x="6525857" y="2689311"/>
-            <a:ext cx="524887" cy="369332"/>
+            <a:off x="6331960" y="1274770"/>
+            <a:ext cx="1228589" cy="307777"/>
           </a:xfrm>
           <a:prstGeom prst="rect">
             <a:avLst/>
@@ -24224,115 +24584,166 @@
           <a:noFill/>
         </p:spPr>
         <p:txBody>
-          <a:bodyPr wrap="none" rtlCol="0">
+          <a:bodyPr wrap="square" rtlCol="0">
             <a:spAutoFit/>
           </a:bodyPr>
           <a:lstStyle/>
           <a:p>
             <a:r>
-              <a:rPr lang="en-US" altLang="ko-KR" dirty="0">
+              <a:rPr lang="en-US" altLang="ko-KR" sz="1400" dirty="0">
                 <a:latin typeface="맑은 고딕" panose="020B0503020000020004" pitchFamily="50" charset="-127"/>
                 <a:ea typeface="맑은 고딕" panose="020B0503020000020004" pitchFamily="50" charset="-127"/>
               </a:rPr>
-              <a:t>Str:</a:t>
-            </a:r>
-          </a:p>
-        </p:txBody>
-      </p:sp>
-      <p:pic>
-        <p:nvPicPr>
-          <p:cNvPr id="14" name="그림 13">
-            <a:extLst>
-              <a:ext uri="{FF2B5EF4-FFF2-40B4-BE49-F238E27FC236}">
-                <a16:creationId xmlns:a16="http://schemas.microsoft.com/office/drawing/2014/main" id="{A9178D78-225B-492E-9FC4-EC242002FAFD}"/>
-              </a:ext>
-            </a:extLst>
-          </p:cNvPr>
-          <p:cNvPicPr>
-            <a:picLocks noChangeAspect="1"/>
-          </p:cNvPicPr>
+              <a:t>Board</a:t>
+            </a:r>
+            <a:endParaRPr lang="ko-KR" altLang="en-US" sz="1400" dirty="0">
+              <a:latin typeface="맑은 고딕" panose="020B0503020000020004" pitchFamily="50" charset="-127"/>
+              <a:ea typeface="맑은 고딕" panose="020B0503020000020004" pitchFamily="50" charset="-127"/>
+            </a:endParaRPr>
+          </a:p>
+        </p:txBody>
+      </p:sp>
+      <p:sp>
+        <p:nvSpPr>
+          <p:cNvPr id="24" name="직사각형 23">
+            <a:extLst>
+              <a:ext uri="{FF2B5EF4-FFF2-40B4-BE49-F238E27FC236}">
+                <a16:creationId xmlns:a16="http://schemas.microsoft.com/office/drawing/2014/main" id="{F958056B-01DA-45E8-898F-5DB72AE5D6F2}"/>
+              </a:ext>
+            </a:extLst>
+          </p:cNvPr>
+          <p:cNvSpPr/>
           <p:nvPr/>
-        </p:nvPicPr>
-        <p:blipFill>
-          <a:blip r:embed="rId6"/>
-          <a:stretch>
-            <a:fillRect/>
-          </a:stretch>
-        </p:blipFill>
-        <p:spPr>
-          <a:xfrm>
-            <a:off x="6898075" y="3423046"/>
-            <a:ext cx="4276725" cy="361950"/>
+        </p:nvSpPr>
+        <p:spPr>
+          <a:xfrm>
+            <a:off x="4964818" y="3542189"/>
+            <a:ext cx="5819578" cy="478949"/>
           </a:xfrm>
           <a:prstGeom prst="rect">
             <a:avLst/>
           </a:prstGeom>
-        </p:spPr>
-      </p:pic>
-      <p:pic>
-        <p:nvPicPr>
-          <p:cNvPr id="17" name="그림 16">
-            <a:extLst>
-              <a:ext uri="{FF2B5EF4-FFF2-40B4-BE49-F238E27FC236}">
-                <a16:creationId xmlns:a16="http://schemas.microsoft.com/office/drawing/2014/main" id="{88A7DF7A-FA79-4E9E-B260-9E2D6DF3620C}"/>
-              </a:ext>
-            </a:extLst>
-          </p:cNvPr>
-          <p:cNvPicPr>
-            <a:picLocks noChangeAspect="1"/>
-          </p:cNvPicPr>
+          <a:noFill/>
+          <a:ln w="38100">
+            <a:solidFill>
+              <a:srgbClr val="C00000"/>
+            </a:solidFill>
+          </a:ln>
+        </p:spPr>
+        <p:style>
+          <a:lnRef idx="2">
+            <a:schemeClr val="accent1">
+              <a:shade val="15000"/>
+            </a:schemeClr>
+          </a:lnRef>
+          <a:fillRef idx="1">
+            <a:schemeClr val="accent1"/>
+          </a:fillRef>
+          <a:effectRef idx="0">
+            <a:schemeClr val="accent1"/>
+          </a:effectRef>
+          <a:fontRef idx="minor">
+            <a:schemeClr val="lt1"/>
+          </a:fontRef>
+        </p:style>
+        <p:txBody>
+          <a:bodyPr rtlCol="0" anchor="ctr"/>
+          <a:lstStyle/>
+          <a:p>
+            <a:pPr algn="ctr"/>
+            <a:endParaRPr lang="ko-KR" altLang="en-US"/>
+          </a:p>
+        </p:txBody>
+      </p:sp>
+      <p:cxnSp>
+        <p:nvCxnSpPr>
+          <p:cNvPr id="25" name="직선 연결선 24">
+            <a:extLst>
+              <a:ext uri="{FF2B5EF4-FFF2-40B4-BE49-F238E27FC236}">
+                <a16:creationId xmlns:a16="http://schemas.microsoft.com/office/drawing/2014/main" id="{C46366DD-79DB-4E52-A1FB-B69E7FF5A027}"/>
+              </a:ext>
+            </a:extLst>
+          </p:cNvPr>
+          <p:cNvCxnSpPr>
+            <a:cxnSpLocks/>
+          </p:cNvCxnSpPr>
           <p:nvPr/>
-        </p:nvPicPr>
-        <p:blipFill>
-          <a:blip r:embed="rId7"/>
-          <a:stretch>
-            <a:fillRect/>
-          </a:stretch>
-        </p:blipFill>
-        <p:spPr>
-          <a:xfrm>
-            <a:off x="7586662" y="2610036"/>
-            <a:ext cx="1133475" cy="714375"/>
+        </p:nvCxnSpPr>
+        <p:spPr>
+          <a:xfrm flipH="1" flipV="1">
+            <a:off x="5903650" y="4046466"/>
+            <a:ext cx="488505" cy="242802"/>
+          </a:xfrm>
+          <a:prstGeom prst="line">
+            <a:avLst/>
+          </a:prstGeom>
+          <a:ln w="38100">
+            <a:solidFill>
+              <a:srgbClr val="C00000"/>
+            </a:solidFill>
+          </a:ln>
+        </p:spPr>
+        <p:style>
+          <a:lnRef idx="3">
+            <a:schemeClr val="accent2"/>
+          </a:lnRef>
+          <a:fillRef idx="0">
+            <a:schemeClr val="accent2"/>
+          </a:fillRef>
+          <a:effectRef idx="2">
+            <a:schemeClr val="accent2"/>
+          </a:effectRef>
+          <a:fontRef idx="minor">
+            <a:schemeClr val="tx1"/>
+          </a:fontRef>
+        </p:style>
+      </p:cxnSp>
+      <p:sp>
+        <p:nvSpPr>
+          <p:cNvPr id="26" name="TextBox 25">
+            <a:extLst>
+              <a:ext uri="{FF2B5EF4-FFF2-40B4-BE49-F238E27FC236}">
+                <a16:creationId xmlns:a16="http://schemas.microsoft.com/office/drawing/2014/main" id="{3F97FD03-B591-4241-97DB-BDBF7D6056D4}"/>
+              </a:ext>
+            </a:extLst>
+          </p:cNvPr>
+          <p:cNvSpPr txBox="1"/>
+          <p:nvPr/>
+        </p:nvSpPr>
+        <p:spPr>
+          <a:xfrm>
+            <a:off x="6392155" y="4100764"/>
+            <a:ext cx="1228589" cy="307777"/>
           </a:xfrm>
           <a:prstGeom prst="rect">
             <a:avLst/>
           </a:prstGeom>
-        </p:spPr>
-      </p:pic>
-      <p:pic>
-        <p:nvPicPr>
-          <p:cNvPr id="28" name="그림 27">
-            <a:extLst>
-              <a:ext uri="{FF2B5EF4-FFF2-40B4-BE49-F238E27FC236}">
-                <a16:creationId xmlns:a16="http://schemas.microsoft.com/office/drawing/2014/main" id="{B46838E4-4F21-4BB2-841F-692C8AA567AC}"/>
-              </a:ext>
-            </a:extLst>
-          </p:cNvPr>
-          <p:cNvPicPr>
-            <a:picLocks noChangeAspect="1"/>
-          </p:cNvPicPr>
-          <p:nvPr/>
-        </p:nvPicPr>
-        <p:blipFill>
-          <a:blip r:embed="rId8"/>
-          <a:stretch>
-            <a:fillRect/>
-          </a:stretch>
-        </p:blipFill>
-        <p:spPr>
-          <a:xfrm>
-            <a:off x="9099624" y="2806041"/>
-            <a:ext cx="1162050" cy="304800"/>
-          </a:xfrm>
-          <a:prstGeom prst="rect">
-            <a:avLst/>
-          </a:prstGeom>
-        </p:spPr>
-      </p:pic>
+          <a:noFill/>
+        </p:spPr>
+        <p:txBody>
+          <a:bodyPr wrap="square" rtlCol="0">
+            <a:spAutoFit/>
+          </a:bodyPr>
+          <a:lstStyle/>
+          <a:p>
+            <a:r>
+              <a:rPr lang="en-US" altLang="ko-KR" sz="1400" dirty="0">
+                <a:latin typeface="맑은 고딕" panose="020B0503020000020004" pitchFamily="50" charset="-127"/>
+                <a:ea typeface="맑은 고딕" panose="020B0503020000020004" pitchFamily="50" charset="-127"/>
+              </a:rPr>
+              <a:t>message</a:t>
+            </a:r>
+            <a:endParaRPr lang="ko-KR" altLang="en-US" sz="1400" dirty="0">
+              <a:latin typeface="맑은 고딕" panose="020B0503020000020004" pitchFamily="50" charset="-127"/>
+              <a:ea typeface="맑은 고딕" panose="020B0503020000020004" pitchFamily="50" charset="-127"/>
+            </a:endParaRPr>
+          </a:p>
+        </p:txBody>
+      </p:sp>
     </p:spTree>
     <p:extLst>
       <p:ext uri="{BB962C8B-B14F-4D97-AF65-F5344CB8AC3E}">
-        <p14:creationId xmlns:p14="http://schemas.microsoft.com/office/powerpoint/2010/main" val="316705335"/>
+        <p14:creationId xmlns:p14="http://schemas.microsoft.com/office/powerpoint/2010/main" val="2652727783"/>
       </p:ext>
     </p:extLst>
   </p:cSld>
@@ -25134,25 +25545,6 @@
 </file>
 
 <file path=customXml/item1.xml><?xml version="1.0" encoding="utf-8"?>
-<p:properties xmlns:p="http://schemas.microsoft.com/office/2006/metadata/properties" xmlns:xsi="http://www.w3.org/2001/XMLSchema-instance" xmlns:pc="http://schemas.microsoft.com/office/infopath/2007/PartnerControls">
-  <documentManagement>
-    <_ip_UnifiedCompliancePolicyUIAction xmlns="http://schemas.microsoft.com/sharepoint/v3" xsi:nil="true"/>
-    <Image xmlns="71af3243-3dd4-4a8d-8c0d-dd76da1f02a5">
-      <Url xsi:nil="true"/>
-      <Description xsi:nil="true"/>
-    </Image>
-    <Status xmlns="71af3243-3dd4-4a8d-8c0d-dd76da1f02a5">Not started</Status>
-    <_ip_UnifiedCompliancePolicyProperties xmlns="http://schemas.microsoft.com/sharepoint/v3" xsi:nil="true"/>
-    <ImageTagsTaxHTField xmlns="71af3243-3dd4-4a8d-8c0d-dd76da1f02a5">
-      <Terms xmlns="http://schemas.microsoft.com/office/infopath/2007/PartnerControls"/>
-    </ImageTagsTaxHTField>
-    <TaxCatchAll xmlns="230e9df3-be65-4c73-a93b-d1236ebd677e"/>
-    <MediaServiceKeyPoints xmlns="71af3243-3dd4-4a8d-8c0d-dd76da1f02a5" xsi:nil="true"/>
-  </documentManagement>
-</p:properties>
-</file>
-
-<file path=customXml/item2.xml><?xml version="1.0" encoding="utf-8"?>
 <ct:contentTypeSchema xmlns:ct="http://schemas.microsoft.com/office/2006/metadata/contentType" xmlns:ma="http://schemas.microsoft.com/office/2006/metadata/properties/metaAttributes" ct:_="" ma:_="" ma:contentTypeName="Document" ma:contentTypeID="0x01010079F111ED35F8CC479449609E8A0923A6" ma:contentTypeVersion="20" ma:contentTypeDescription="Create a new document." ma:contentTypeScope="" ma:versionID="1267097ee5f5874adfcc408041ae252e">
   <xsd:schema xmlns:xsd="http://www.w3.org/2001/XMLSchema" xmlns:xs="http://www.w3.org/2001/XMLSchema" xmlns:p="http://schemas.microsoft.com/office/2006/metadata/properties" xmlns:ns1="http://schemas.microsoft.com/sharepoint/v3" xmlns:ns2="71af3243-3dd4-4a8d-8c0d-dd76da1f02a5" xmlns:ns3="16c05727-aa75-4e4a-9b5f-8a80a1165891" xmlns:ns4="230e9df3-be65-4c73-a93b-d1236ebd677e" targetNamespace="http://schemas.microsoft.com/office/2006/metadata/properties" ma:root="true" ma:fieldsID="395891a93df65b14727750f2c06c306c" ns1:_="" ns2:_="" ns3:_="" ns4:_="">
     <xsd:import namespace="http://schemas.microsoft.com/sharepoint/v3"/>
@@ -25428,6 +25820,25 @@
 </ct:contentTypeSchema>
 </file>
 
+<file path=customXml/item2.xml><?xml version="1.0" encoding="utf-8"?>
+<p:properties xmlns:p="http://schemas.microsoft.com/office/2006/metadata/properties" xmlns:xsi="http://www.w3.org/2001/XMLSchema-instance" xmlns:pc="http://schemas.microsoft.com/office/infopath/2007/PartnerControls">
+  <documentManagement>
+    <_ip_UnifiedCompliancePolicyUIAction xmlns="http://schemas.microsoft.com/sharepoint/v3" xsi:nil="true"/>
+    <Image xmlns="71af3243-3dd4-4a8d-8c0d-dd76da1f02a5">
+      <Url xsi:nil="true"/>
+      <Description xsi:nil="true"/>
+    </Image>
+    <Status xmlns="71af3243-3dd4-4a8d-8c0d-dd76da1f02a5">Not started</Status>
+    <_ip_UnifiedCompliancePolicyProperties xmlns="http://schemas.microsoft.com/sharepoint/v3" xsi:nil="true"/>
+    <ImageTagsTaxHTField xmlns="71af3243-3dd4-4a8d-8c0d-dd76da1f02a5">
+      <Terms xmlns="http://schemas.microsoft.com/office/infopath/2007/PartnerControls"/>
+    </ImageTagsTaxHTField>
+    <TaxCatchAll xmlns="230e9df3-be65-4c73-a93b-d1236ebd677e"/>
+    <MediaServiceKeyPoints xmlns="71af3243-3dd4-4a8d-8c0d-dd76da1f02a5" xsi:nil="true"/>
+  </documentManagement>
+</p:properties>
+</file>
+
 <file path=customXml/item3.xml><?xml version="1.0" encoding="utf-8"?>
 <?mso-contentType ?>
 <FormTemplates xmlns="http://schemas.microsoft.com/sharepoint/v3/contenttype/forms">
@@ -25438,18 +25849,6 @@
 </file>
 
 <file path=customXml/itemProps1.xml><?xml version="1.0" encoding="utf-8"?>
-<ds:datastoreItem xmlns:ds="http://schemas.openxmlformats.org/officeDocument/2006/customXml" ds:itemID="{B5BA3906-9696-4247-AC0D-DD5C26B2A70A}">
-  <ds:schemaRefs>
-    <ds:schemaRef ds:uri="http://schemas.microsoft.com/office/2006/metadata/properties"/>
-    <ds:schemaRef ds:uri="http://schemas.microsoft.com/office/infopath/2007/PartnerControls"/>
-    <ds:schemaRef ds:uri="http://schemas.microsoft.com/sharepoint/v3"/>
-    <ds:schemaRef ds:uri="71af3243-3dd4-4a8d-8c0d-dd76da1f02a5"/>
-    <ds:schemaRef ds:uri="230e9df3-be65-4c73-a93b-d1236ebd677e"/>
-  </ds:schemaRefs>
-</ds:datastoreItem>
-</file>
-
-<file path=customXml/itemProps2.xml><?xml version="1.0" encoding="utf-8"?>
 <ds:datastoreItem xmlns:ds="http://schemas.openxmlformats.org/officeDocument/2006/customXml" ds:itemID="{01E84A1C-2814-43A7-9448-348326113A45}">
   <ds:schemaRefs>
     <ds:schemaRef ds:uri="http://schemas.microsoft.com/office/2006/metadata/contentType"/>
@@ -25470,6 +25869,18 @@
 </ds:datastoreItem>
 </file>
 
+<file path=customXml/itemProps2.xml><?xml version="1.0" encoding="utf-8"?>
+<ds:datastoreItem xmlns:ds="http://schemas.openxmlformats.org/officeDocument/2006/customXml" ds:itemID="{B5BA3906-9696-4247-AC0D-DD5C26B2A70A}">
+  <ds:schemaRefs>
+    <ds:schemaRef ds:uri="http://schemas.microsoft.com/office/2006/metadata/properties"/>
+    <ds:schemaRef ds:uri="http://schemas.microsoft.com/office/infopath/2007/PartnerControls"/>
+    <ds:schemaRef ds:uri="http://schemas.microsoft.com/sharepoint/v3"/>
+    <ds:schemaRef ds:uri="71af3243-3dd4-4a8d-8c0d-dd76da1f02a5"/>
+    <ds:schemaRef ds:uri="230e9df3-be65-4c73-a93b-d1236ebd677e"/>
+  </ds:schemaRefs>
+</ds:datastoreItem>
+</file>
+
 <file path=customXml/itemProps3.xml><?xml version="1.0" encoding="utf-8"?>
 <ds:datastoreItem xmlns:ds="http://schemas.openxmlformats.org/officeDocument/2006/customXml" ds:itemID="{2D446390-8521-40A2-A462-EA068123BED9}">
   <ds:schemaRefs>

--- a/document/블랙잭 프로그램 구조.pptx
+++ b/document/블랙잭 프로그램 구조.pptx
@@ -23240,8 +23240,8 @@
         </p:nvSpPr>
         <p:spPr>
           <a:xfrm>
-            <a:off x="2387354" y="5406730"/>
-            <a:ext cx="6635471" cy="923330"/>
+            <a:off x="1609674" y="5377359"/>
+            <a:ext cx="8972649" cy="923330"/>
           </a:xfrm>
           <a:prstGeom prst="rect">
             <a:avLst/>
@@ -23354,7 +23354,35 @@
                 <a:latin typeface="맑은 고딕" panose="020B0503020000020004" pitchFamily="50" charset="-127"/>
                 <a:ea typeface="맑은 고딕" panose="020B0503020000020004" pitchFamily="50" charset="-127"/>
               </a:rPr>
-              <a:t>	: </a:t>
+              <a:t>    </a:t>
+            </a:r>
+            <a:r>
+              <a:rPr lang="ko-KR" altLang="en-US" dirty="0" err="1">
+                <a:latin typeface="맑은 고딕" panose="020B0503020000020004" pitchFamily="50" charset="-127"/>
+                <a:ea typeface="맑은 고딕" panose="020B0503020000020004" pitchFamily="50" charset="-127"/>
+              </a:rPr>
+              <a:t>자체처리할</a:t>
+            </a:r>
+            <a:r>
+              <a:rPr lang="ko-KR" altLang="en-US" dirty="0">
+                <a:latin typeface="맑은 고딕" panose="020B0503020000020004" pitchFamily="50" charset="-127"/>
+                <a:ea typeface="맑은 고딕" panose="020B0503020000020004" pitchFamily="50" charset="-127"/>
+              </a:rPr>
+              <a:t> 예외화면 출력은 </a:t>
+            </a:r>
+            <a:r>
+              <a:rPr lang="en-US" altLang="ko-KR" dirty="0">
+                <a:latin typeface="맑은 고딕" panose="020B0503020000020004" pitchFamily="50" charset="-127"/>
+                <a:ea typeface="맑은 고딕" panose="020B0503020000020004" pitchFamily="50" charset="-127"/>
+              </a:rPr>
+              <a:t>:</a:t>
+            </a:r>
+            <a:r>
+              <a:rPr lang="ko-KR" altLang="en-US" dirty="0">
+                <a:latin typeface="맑은 고딕" panose="020B0503020000020004" pitchFamily="50" charset="-127"/>
+                <a:ea typeface="맑은 고딕" panose="020B0503020000020004" pitchFamily="50" charset="-127"/>
+              </a:rPr>
+              <a:t> </a:t>
             </a:r>
             <a:r>
               <a:rPr lang="ko-KR" altLang="en-US" dirty="0" err="1">
@@ -25821,6 +25849,15 @@
 </file>
 
 <file path=customXml/item2.xml><?xml version="1.0" encoding="utf-8"?>
+<?mso-contentType ?>
+<FormTemplates xmlns="http://schemas.microsoft.com/sharepoint/v3/contenttype/forms">
+  <Display>DocumentLibraryForm</Display>
+  <Edit>DocumentLibraryForm</Edit>
+  <New>DocumentLibraryForm</New>
+</FormTemplates>
+</file>
+
+<file path=customXml/item3.xml><?xml version="1.0" encoding="utf-8"?>
 <p:properties xmlns:p="http://schemas.microsoft.com/office/2006/metadata/properties" xmlns:xsi="http://www.w3.org/2001/XMLSchema-instance" xmlns:pc="http://schemas.microsoft.com/office/infopath/2007/PartnerControls">
   <documentManagement>
     <_ip_UnifiedCompliancePolicyUIAction xmlns="http://schemas.microsoft.com/sharepoint/v3" xsi:nil="true"/>
@@ -25837,15 +25874,6 @@
     <MediaServiceKeyPoints xmlns="71af3243-3dd4-4a8d-8c0d-dd76da1f02a5" xsi:nil="true"/>
   </documentManagement>
 </p:properties>
-</file>
-
-<file path=customXml/item3.xml><?xml version="1.0" encoding="utf-8"?>
-<?mso-contentType ?>
-<FormTemplates xmlns="http://schemas.microsoft.com/sharepoint/v3/contenttype/forms">
-  <Display>DocumentLibraryForm</Display>
-  <Edit>DocumentLibraryForm</Edit>
-  <New>DocumentLibraryForm</New>
-</FormTemplates>
 </file>
 
 <file path=customXml/itemProps1.xml><?xml version="1.0" encoding="utf-8"?>
@@ -25870,6 +25898,14 @@
 </file>
 
 <file path=customXml/itemProps2.xml><?xml version="1.0" encoding="utf-8"?>
+<ds:datastoreItem xmlns:ds="http://schemas.openxmlformats.org/officeDocument/2006/customXml" ds:itemID="{2D446390-8521-40A2-A462-EA068123BED9}">
+  <ds:schemaRefs>
+    <ds:schemaRef ds:uri="http://schemas.microsoft.com/sharepoint/v3/contenttype/forms"/>
+  </ds:schemaRefs>
+</ds:datastoreItem>
+</file>
+
+<file path=customXml/itemProps3.xml><?xml version="1.0" encoding="utf-8"?>
 <ds:datastoreItem xmlns:ds="http://schemas.openxmlformats.org/officeDocument/2006/customXml" ds:itemID="{B5BA3906-9696-4247-AC0D-DD5C26B2A70A}">
   <ds:schemaRefs>
     <ds:schemaRef ds:uri="http://schemas.microsoft.com/office/2006/metadata/properties"/>
@@ -25881,14 +25917,6 @@
 </ds:datastoreItem>
 </file>
 
-<file path=customXml/itemProps3.xml><?xml version="1.0" encoding="utf-8"?>
-<ds:datastoreItem xmlns:ds="http://schemas.openxmlformats.org/officeDocument/2006/customXml" ds:itemID="{2D446390-8521-40A2-A462-EA068123BED9}">
-  <ds:schemaRefs>
-    <ds:schemaRef ds:uri="http://schemas.microsoft.com/sharepoint/v3/contenttype/forms"/>
-  </ds:schemaRefs>
-</ds:datastoreItem>
-</file>
-
 <file path=docMetadata/LabelInfo.xml><?xml version="1.0" encoding="utf-8"?>
 <clbl:labelList xmlns:clbl="http://schemas.microsoft.com/office/2020/mipLabelMetadata">
   <clbl:label id="{f42aa342-8706-4288-bd11-ebb85995028c}" enabled="1" method="Standard" siteId="{72f988bf-86f1-41af-91ab-2d7cd011db47}" removed="0"/>
